--- a/6차 미팅_UI 디자인 설계, 발표최종본/HSproject_A_3_Final2 발표용 대본.pptx
+++ b/6차 미팅_UI 디자인 설계, 발표최종본/HSproject_A_3_Final2 발표용 대본.pptx
@@ -6874,6 +6874,14 @@
         </dgm:presLayoutVars>
       </dgm:prSet>
       <dgm:spPr/>
+      <dgm:t>
+        <a:bodyPr/>
+        <a:lstStyle/>
+        <a:p>
+          <a:pPr latinLnBrk="1"/>
+          <a:endParaRPr lang="ko-KR" altLang="en-US"/>
+        </a:p>
+      </dgm:t>
     </dgm:pt>
     <dgm:pt modelId="{1EE97E80-2100-4017-8818-AC9996F4F861}" type="pres">
       <dgm:prSet presAssocID="{18AE2A47-A6E9-4F85-B3F7-EDB516A6D398}" presName="compNode" presStyleCnt="0"/>
@@ -6893,7 +6901,7 @@
                 <a14:useLocalDpi xmlns:a14="http://schemas.microsoft.com/office/drawing/2010/main" val="0"/>
               </a:ext>
               <a:ext uri="{96DAC541-7B7A-43D3-8B79-37D633B846F1}">
-                <asvg:svgBlip xmlns:asvg="http://schemas.microsoft.com/office/drawing/2016/SVG/main" r:embed="rId2"/>
+                <asvg:svgBlip xmlns:asvg="http://schemas.microsoft.com/office/drawing/2016/SVG/main" xmlns="" r:embed="rId2"/>
               </a:ext>
             </a:extLst>
           </a:blip>
@@ -6923,6 +6931,14 @@
         </dgm:presLayoutVars>
       </dgm:prSet>
       <dgm:spPr/>
+      <dgm:t>
+        <a:bodyPr/>
+        <a:lstStyle/>
+        <a:p>
+          <a:pPr latinLnBrk="1"/>
+          <a:endParaRPr lang="ko-KR" altLang="en-US"/>
+        </a:p>
+      </dgm:t>
     </dgm:pt>
     <dgm:pt modelId="{CE9FAB03-58E6-4775-A3E7-74580CBDB344}" type="pres">
       <dgm:prSet presAssocID="{21068B50-E5AF-4640-A38D-A87CF8EAF870}" presName="sibTrans" presStyleCnt="0"/>
@@ -6946,7 +6962,7 @@
                 <a14:useLocalDpi xmlns:a14="http://schemas.microsoft.com/office/drawing/2010/main" val="0"/>
               </a:ext>
               <a:ext uri="{96DAC541-7B7A-43D3-8B79-37D633B846F1}">
-                <asvg:svgBlip xmlns:asvg="http://schemas.microsoft.com/office/drawing/2016/SVG/main" r:embed="rId4"/>
+                <asvg:svgBlip xmlns:asvg="http://schemas.microsoft.com/office/drawing/2016/SVG/main" xmlns="" r:embed="rId4"/>
               </a:ext>
             </a:extLst>
           </a:blip>
@@ -6976,6 +6992,14 @@
         </dgm:presLayoutVars>
       </dgm:prSet>
       <dgm:spPr/>
+      <dgm:t>
+        <a:bodyPr/>
+        <a:lstStyle/>
+        <a:p>
+          <a:pPr latinLnBrk="1"/>
+          <a:endParaRPr lang="ko-KR" altLang="en-US"/>
+        </a:p>
+      </dgm:t>
     </dgm:pt>
     <dgm:pt modelId="{19C1BF7F-1620-4C4E-9BF1-52157747F74E}" type="pres">
       <dgm:prSet presAssocID="{2EC9EF0C-C6D4-446D-823E-8AD82C405E35}" presName="sibTrans" presStyleCnt="0"/>
@@ -6999,7 +7023,7 @@
                 <a14:useLocalDpi xmlns:a14="http://schemas.microsoft.com/office/drawing/2010/main" val="0"/>
               </a:ext>
               <a:ext uri="{96DAC541-7B7A-43D3-8B79-37D633B846F1}">
-                <asvg:svgBlip xmlns:asvg="http://schemas.microsoft.com/office/drawing/2016/SVG/main" r:embed="rId6"/>
+                <asvg:svgBlip xmlns:asvg="http://schemas.microsoft.com/office/drawing/2016/SVG/main" xmlns="" r:embed="rId6"/>
               </a:ext>
             </a:extLst>
           </a:blip>
@@ -7029,16 +7053,24 @@
         </dgm:presLayoutVars>
       </dgm:prSet>
       <dgm:spPr/>
+      <dgm:t>
+        <a:bodyPr/>
+        <a:lstStyle/>
+        <a:p>
+          <a:pPr latinLnBrk="1"/>
+          <a:endParaRPr lang="ko-KR" altLang="en-US"/>
+        </a:p>
+      </dgm:t>
     </dgm:pt>
   </dgm:ptLst>
   <dgm:cxnLst>
+    <dgm:cxn modelId="{1DA306C5-206C-44A1-8BB1-38E8ED28D806}" type="presOf" srcId="{E57761A3-97BE-438F-A075-0BC88F7E9F51}" destId="{5C768EFD-E5FE-433C-837A-59E1CFF4800A}" srcOrd="0" destOrd="0" presId="urn:microsoft.com/office/officeart/2018/2/layout/IconVerticalSolidList"/>
+    <dgm:cxn modelId="{C21F215B-E060-4ACF-90E6-D3C017A39FE0}" srcId="{E87C8A20-D0B4-447B-A20E-CB9FA5F7DDB1}" destId="{E57761A3-97BE-438F-A075-0BC88F7E9F51}" srcOrd="2" destOrd="0" parTransId="{95C1F0E9-2C0C-442D-9413-BA2161FC3A2B}" sibTransId="{185B0DE2-4DB0-4837-B2CF-E77807F6DB00}"/>
+    <dgm:cxn modelId="{0A47E189-1B34-4B88-93AE-7EA88D6074F6}" type="presOf" srcId="{2D3FFD51-3FEA-4553-BB76-A88E5145C432}" destId="{7C5D7708-D896-42E5-BFF1-CE32969E9B39}" srcOrd="0" destOrd="0" presId="urn:microsoft.com/office/officeart/2018/2/layout/IconVerticalSolidList"/>
     <dgm:cxn modelId="{A4927425-6515-4484-80F0-5BE6D1F6E984}" type="presOf" srcId="{E87C8A20-D0B4-447B-A20E-CB9FA5F7DDB1}" destId="{D6C16F2C-BE6D-4D15-8CFB-8165F40D1C18}" srcOrd="0" destOrd="0" presId="urn:microsoft.com/office/officeart/2018/2/layout/IconVerticalSolidList"/>
+    <dgm:cxn modelId="{BDBEC135-ABC0-4576-A2CA-408F2043877D}" srcId="{E87C8A20-D0B4-447B-A20E-CB9FA5F7DDB1}" destId="{18AE2A47-A6E9-4F85-B3F7-EDB516A6D398}" srcOrd="0" destOrd="0" parTransId="{3C29B73C-0E26-4594-B5C1-92C5A6D63C86}" sibTransId="{21068B50-E5AF-4640-A38D-A87CF8EAF870}"/>
+    <dgm:cxn modelId="{F8D38D7C-5496-47B4-9B26-F8A02DFB2572}" type="presOf" srcId="{18AE2A47-A6E9-4F85-B3F7-EDB516A6D398}" destId="{692FEFE5-6607-4D72-954D-74D4526DC469}" srcOrd="0" destOrd="0" presId="urn:microsoft.com/office/officeart/2018/2/layout/IconVerticalSolidList"/>
     <dgm:cxn modelId="{96EB7F25-770E-41F0-9786-93B74C9E5D1B}" srcId="{E87C8A20-D0B4-447B-A20E-CB9FA5F7DDB1}" destId="{2D3FFD51-3FEA-4553-BB76-A88E5145C432}" srcOrd="1" destOrd="0" parTransId="{84678235-ED57-4641-8E8F-9E7B3B5A02A4}" sibTransId="{2EC9EF0C-C6D4-446D-823E-8AD82C405E35}"/>
-    <dgm:cxn modelId="{BDBEC135-ABC0-4576-A2CA-408F2043877D}" srcId="{E87C8A20-D0B4-447B-A20E-CB9FA5F7DDB1}" destId="{18AE2A47-A6E9-4F85-B3F7-EDB516A6D398}" srcOrd="0" destOrd="0" parTransId="{3C29B73C-0E26-4594-B5C1-92C5A6D63C86}" sibTransId="{21068B50-E5AF-4640-A38D-A87CF8EAF870}"/>
-    <dgm:cxn modelId="{C21F215B-E060-4ACF-90E6-D3C017A39FE0}" srcId="{E87C8A20-D0B4-447B-A20E-CB9FA5F7DDB1}" destId="{E57761A3-97BE-438F-A075-0BC88F7E9F51}" srcOrd="2" destOrd="0" parTransId="{95C1F0E9-2C0C-442D-9413-BA2161FC3A2B}" sibTransId="{185B0DE2-4DB0-4837-B2CF-E77807F6DB00}"/>
-    <dgm:cxn modelId="{F8D38D7C-5496-47B4-9B26-F8A02DFB2572}" type="presOf" srcId="{18AE2A47-A6E9-4F85-B3F7-EDB516A6D398}" destId="{692FEFE5-6607-4D72-954D-74D4526DC469}" srcOrd="0" destOrd="0" presId="urn:microsoft.com/office/officeart/2018/2/layout/IconVerticalSolidList"/>
-    <dgm:cxn modelId="{0A47E189-1B34-4B88-93AE-7EA88D6074F6}" type="presOf" srcId="{2D3FFD51-3FEA-4553-BB76-A88E5145C432}" destId="{7C5D7708-D896-42E5-BFF1-CE32969E9B39}" srcOrd="0" destOrd="0" presId="urn:microsoft.com/office/officeart/2018/2/layout/IconVerticalSolidList"/>
-    <dgm:cxn modelId="{1DA306C5-206C-44A1-8BB1-38E8ED28D806}" type="presOf" srcId="{E57761A3-97BE-438F-A075-0BC88F7E9F51}" destId="{5C768EFD-E5FE-433C-837A-59E1CFF4800A}" srcOrd="0" destOrd="0" presId="urn:microsoft.com/office/officeart/2018/2/layout/IconVerticalSolidList"/>
     <dgm:cxn modelId="{F622A6FD-2C32-436B-8041-779021BA4253}" type="presParOf" srcId="{D6C16F2C-BE6D-4D15-8CFB-8165F40D1C18}" destId="{1EE97E80-2100-4017-8818-AC9996F4F861}" srcOrd="0" destOrd="0" presId="urn:microsoft.com/office/officeart/2018/2/layout/IconVerticalSolidList"/>
     <dgm:cxn modelId="{FF45CD80-015F-46E1-A3E6-43C992C50E01}" type="presParOf" srcId="{1EE97E80-2100-4017-8818-AC9996F4F861}" destId="{B003C2F7-C261-423C-B05C-E0D62BDDF693}" srcOrd="0" destOrd="0" presId="urn:microsoft.com/office/officeart/2018/2/layout/IconVerticalSolidList"/>
     <dgm:cxn modelId="{37E412E7-11DB-4FC5-AA4B-24A622F660A0}" type="presParOf" srcId="{1EE97E80-2100-4017-8818-AC9996F4F861}" destId="{163B6826-07D0-42B6-923F-CB69CE777986}" srcOrd="1" destOrd="0" presId="urn:microsoft.com/office/officeart/2018/2/layout/IconVerticalSolidList"/>
@@ -7061,7 +7093,7 @@
   <dgm:whole/>
   <dgm:extLst>
     <a:ext uri="http://schemas.microsoft.com/office/drawing/2008/diagram">
-      <dsp:dataModelExt xmlns:dsp="http://schemas.microsoft.com/office/drawing/2008/diagram" relId="rId6" minVer="http://schemas.openxmlformats.org/drawingml/2006/diagram"/>
+      <dsp:dataModelExt xmlns:dsp="http://schemas.microsoft.com/office/drawing/2008/diagram" relId="rId7" minVer="http://schemas.openxmlformats.org/drawingml/2006/diagram"/>
     </a:ext>
   </dgm:extLst>
 </dgm:dataModel>
@@ -7350,10 +7382,38 @@
             </a:lnSpc>
           </a:pPr>
           <a:r>
-            <a:rPr lang="ko-KR"/>
-            <a:t>비효율적인 튜터링 진행 시간 결정 과정  </a:t>
+            <a:rPr lang="ko-KR" dirty="0"/>
+            <a:t>비효율적인 </a:t>
           </a:r>
-          <a:endParaRPr lang="en-US"/>
+          <a:r>
+            <a:rPr lang="ko-KR" dirty="0" err="1"/>
+            <a:t>튜터링</a:t>
+          </a:r>
+          <a:r>
+            <a:rPr lang="ko-KR" dirty="0"/>
+            <a:t> 진행 시간 </a:t>
+          </a:r>
+          <a:r>
+            <a:rPr lang="ko-KR" dirty="0" smtClean="0"/>
+            <a:t>결정</a:t>
+          </a:r>
+          <a:r>
+            <a:rPr lang="en-US" altLang="ko-KR" dirty="0" smtClean="0"/>
+            <a:t> </a:t>
+          </a:r>
+          <a:r>
+            <a:rPr lang="ko-KR" altLang="en-US" dirty="0" smtClean="0"/>
+            <a:t>논의</a:t>
+          </a:r>
+          <a:r>
+            <a:rPr lang="ko-KR" dirty="0" smtClean="0"/>
+            <a:t> </a:t>
+          </a:r>
+          <a:r>
+            <a:rPr lang="ko-KR" dirty="0"/>
+            <a:t>과정  </a:t>
+          </a:r>
+          <a:endParaRPr lang="en-US" dirty="0"/>
         </a:p>
       </dgm:t>
     </dgm:pt>
@@ -7392,10 +7452,18 @@
             </a:lnSpc>
           </a:pPr>
           <a:r>
-            <a:rPr lang="ko-KR"/>
-            <a:t>튜터링 진행 시간 변경 시 빈 강의실 조회 및 확보의 번거로움    </a:t>
+            <a:rPr lang="ko-KR" dirty="0" err="1"/>
+            <a:t>튜터링</a:t>
           </a:r>
-          <a:endParaRPr lang="en-US"/>
+          <a:r>
+            <a:rPr lang="ko-KR" dirty="0"/>
+            <a:t> 진행 시간 변경 시 빈 강의실 조회 및 </a:t>
+          </a:r>
+          <a:r>
+            <a:rPr lang="ko-KR" dirty="0" smtClean="0"/>
+            <a:t>확보의 번거로움    </a:t>
+          </a:r>
+          <a:endParaRPr lang="en-US" dirty="0"/>
         </a:p>
       </dgm:t>
     </dgm:pt>
@@ -7429,6 +7497,14 @@
         </dgm:presLayoutVars>
       </dgm:prSet>
       <dgm:spPr/>
+      <dgm:t>
+        <a:bodyPr/>
+        <a:lstStyle/>
+        <a:p>
+          <a:pPr latinLnBrk="1"/>
+          <a:endParaRPr lang="ko-KR" altLang="en-US"/>
+        </a:p>
+      </dgm:t>
     </dgm:pt>
     <dgm:pt modelId="{2042103D-7D8C-4528-A17C-9753185A0421}" type="pres">
       <dgm:prSet presAssocID="{55A862EB-5F94-4877-A196-F4D3412C12F8}" presName="compNode" presStyleCnt="0"/>
@@ -7448,7 +7524,7 @@
                 <a14:useLocalDpi xmlns:a14="http://schemas.microsoft.com/office/drawing/2010/main" val="0"/>
               </a:ext>
               <a:ext uri="{96DAC541-7B7A-43D3-8B79-37D633B846F1}">
-                <asvg:svgBlip xmlns:asvg="http://schemas.microsoft.com/office/drawing/2016/SVG/main" r:embed="rId2"/>
+                <asvg:svgBlip xmlns:asvg="http://schemas.microsoft.com/office/drawing/2016/SVG/main" xmlns="" r:embed="rId2"/>
               </a:ext>
             </a:extLst>
           </a:blip>
@@ -7479,6 +7555,14 @@
         </dgm:presLayoutVars>
       </dgm:prSet>
       <dgm:spPr/>
+      <dgm:t>
+        <a:bodyPr/>
+        <a:lstStyle/>
+        <a:p>
+          <a:pPr latinLnBrk="1"/>
+          <a:endParaRPr lang="ko-KR" altLang="en-US"/>
+        </a:p>
+      </dgm:t>
     </dgm:pt>
     <dgm:pt modelId="{E2608E7A-936C-419F-8C4B-2CE8117534ED}" type="pres">
       <dgm:prSet presAssocID="{C6C9F83D-5A0E-4B9E-BA0B-470F3E89E015}" presName="sibTrans" presStyleCnt="0"/>
@@ -7502,7 +7586,7 @@
                 <a14:useLocalDpi xmlns:a14="http://schemas.microsoft.com/office/drawing/2010/main" val="0"/>
               </a:ext>
               <a:ext uri="{96DAC541-7B7A-43D3-8B79-37D633B846F1}">
-                <asvg:svgBlip xmlns:asvg="http://schemas.microsoft.com/office/drawing/2016/SVG/main" r:embed="rId4"/>
+                <asvg:svgBlip xmlns:asvg="http://schemas.microsoft.com/office/drawing/2016/SVG/main" xmlns="" r:embed="rId4"/>
               </a:ext>
             </a:extLst>
           </a:blip>
@@ -7532,6 +7616,14 @@
         </dgm:presLayoutVars>
       </dgm:prSet>
       <dgm:spPr/>
+      <dgm:t>
+        <a:bodyPr/>
+        <a:lstStyle/>
+        <a:p>
+          <a:pPr latinLnBrk="1"/>
+          <a:endParaRPr lang="ko-KR" altLang="en-US"/>
+        </a:p>
+      </dgm:t>
     </dgm:pt>
     <dgm:pt modelId="{2FB86557-2564-475C-B9B1-DA6E209F8814}" type="pres">
       <dgm:prSet presAssocID="{7ABFBF5F-DA68-473E-8B38-B2CE17C82D05}" presName="sibTrans" presStyleCnt="0"/>
@@ -7555,7 +7647,7 @@
                 <a14:useLocalDpi xmlns:a14="http://schemas.microsoft.com/office/drawing/2010/main" val="0"/>
               </a:ext>
               <a:ext uri="{96DAC541-7B7A-43D3-8B79-37D633B846F1}">
-                <asvg:svgBlip xmlns:asvg="http://schemas.microsoft.com/office/drawing/2016/SVG/main" r:embed="rId6"/>
+                <asvg:svgBlip xmlns:asvg="http://schemas.microsoft.com/office/drawing/2016/SVG/main" xmlns="" r:embed="rId6"/>
               </a:ext>
             </a:extLst>
           </a:blip>
@@ -7586,6 +7678,14 @@
         </dgm:presLayoutVars>
       </dgm:prSet>
       <dgm:spPr/>
+      <dgm:t>
+        <a:bodyPr/>
+        <a:lstStyle/>
+        <a:p>
+          <a:pPr latinLnBrk="1"/>
+          <a:endParaRPr lang="ko-KR" altLang="en-US"/>
+        </a:p>
+      </dgm:t>
     </dgm:pt>
     <dgm:pt modelId="{BE61E953-F860-4CE6-BAC7-287644D8FCDE}" type="pres">
       <dgm:prSet presAssocID="{E65B617E-2A9C-4B05-960B-DE2E30C43C5C}" presName="sibTrans" presStyleCnt="0"/>
@@ -7609,7 +7709,7 @@
                 <a14:useLocalDpi xmlns:a14="http://schemas.microsoft.com/office/drawing/2010/main" val="0"/>
               </a:ext>
               <a:ext uri="{96DAC541-7B7A-43D3-8B79-37D633B846F1}">
-                <asvg:svgBlip xmlns:asvg="http://schemas.microsoft.com/office/drawing/2016/SVG/main" r:embed="rId8"/>
+                <asvg:svgBlip xmlns:asvg="http://schemas.microsoft.com/office/drawing/2016/SVG/main" xmlns="" r:embed="rId8"/>
               </a:ext>
             </a:extLst>
           </a:blip>
@@ -7639,6 +7739,14 @@
         </dgm:presLayoutVars>
       </dgm:prSet>
       <dgm:spPr/>
+      <dgm:t>
+        <a:bodyPr/>
+        <a:lstStyle/>
+        <a:p>
+          <a:pPr latinLnBrk="1"/>
+          <a:endParaRPr lang="ko-KR" altLang="en-US"/>
+        </a:p>
+      </dgm:t>
     </dgm:pt>
     <dgm:pt modelId="{67AB514C-5F52-4783-9F6E-FBFB6372C798}" type="pres">
       <dgm:prSet presAssocID="{E7F24AE9-EF08-40AD-9916-38B458BFC854}" presName="sibTrans" presStyleCnt="0"/>
@@ -7662,7 +7770,7 @@
                 <a14:useLocalDpi xmlns:a14="http://schemas.microsoft.com/office/drawing/2010/main" val="0"/>
               </a:ext>
               <a:ext uri="{96DAC541-7B7A-43D3-8B79-37D633B846F1}">
-                <asvg:svgBlip xmlns:asvg="http://schemas.microsoft.com/office/drawing/2016/SVG/main" r:embed="rId10"/>
+                <asvg:svgBlip xmlns:asvg="http://schemas.microsoft.com/office/drawing/2016/SVG/main" xmlns="" r:embed="rId10"/>
               </a:ext>
             </a:extLst>
           </a:blip>
@@ -7692,6 +7800,14 @@
         </dgm:presLayoutVars>
       </dgm:prSet>
       <dgm:spPr/>
+      <dgm:t>
+        <a:bodyPr/>
+        <a:lstStyle/>
+        <a:p>
+          <a:pPr latinLnBrk="1"/>
+          <a:endParaRPr lang="ko-KR" altLang="en-US"/>
+        </a:p>
+      </dgm:t>
     </dgm:pt>
     <dgm:pt modelId="{7E4A3EFC-A358-4908-A273-BFC7C32E1EB1}" type="pres">
       <dgm:prSet presAssocID="{FE37F3BC-A087-4B36-A9CA-F16899E2A248}" presName="sibTrans" presStyleCnt="0"/>
@@ -7715,7 +7831,7 @@
                 <a14:useLocalDpi xmlns:a14="http://schemas.microsoft.com/office/drawing/2010/main" val="0"/>
               </a:ext>
               <a:ext uri="{96DAC541-7B7A-43D3-8B79-37D633B846F1}">
-                <asvg:svgBlip xmlns:asvg="http://schemas.microsoft.com/office/drawing/2016/SVG/main" r:embed="rId12"/>
+                <asvg:svgBlip xmlns:asvg="http://schemas.microsoft.com/office/drawing/2016/SVG/main" xmlns="" r:embed="rId12"/>
               </a:ext>
             </a:extLst>
           </a:blip>
@@ -7745,22 +7861,30 @@
         </dgm:presLayoutVars>
       </dgm:prSet>
       <dgm:spPr/>
+      <dgm:t>
+        <a:bodyPr/>
+        <a:lstStyle/>
+        <a:p>
+          <a:pPr latinLnBrk="1"/>
+          <a:endParaRPr lang="ko-KR" altLang="en-US"/>
+        </a:p>
+      </dgm:t>
     </dgm:pt>
   </dgm:ptLst>
   <dgm:cxnLst>
-    <dgm:cxn modelId="{5940880D-51D3-4962-97BA-F502C9FF1E4E}" srcId="{D4437EC1-B5F6-49FC-A287-BEFDB1144819}" destId="{8516CCAE-9538-4351-8DB8-57A9E31D24F2}" srcOrd="4" destOrd="0" parTransId="{FA894F9B-3F1C-48DD-92D5-DA8876F36419}" sibTransId="{FE37F3BC-A087-4B36-A9CA-F16899E2A248}"/>
     <dgm:cxn modelId="{5B1BB617-B6F3-F143-89BC-FA1BB5ACA4D1}" type="presOf" srcId="{8516CCAE-9538-4351-8DB8-57A9E31D24F2}" destId="{C1A0FF08-5591-460D-B76D-104417BE56EA}" srcOrd="0" destOrd="0" presId="urn:microsoft.com/office/officeart/2018/2/layout/IconVerticalSolidList"/>
+    <dgm:cxn modelId="{976414A8-6315-4ED4-A2BB-65F199A44440}" srcId="{D4437EC1-B5F6-49FC-A287-BEFDB1144819}" destId="{1350FB4F-3B1A-48FF-A81F-CCA4BD741C36}" srcOrd="3" destOrd="0" parTransId="{67978FA4-FAC5-48CF-BC6A-D2D12617222B}" sibTransId="{E7F24AE9-EF08-40AD-9916-38B458BFC854}"/>
+    <dgm:cxn modelId="{A8DC3D77-DCCE-EA49-91A6-4BCCF760A6FD}" type="presOf" srcId="{EB54860B-6AB9-4651-97C5-E56F0299D22F}" destId="{F399C4C8-A1DD-4004-9BB4-72E6854B131D}" srcOrd="0" destOrd="0" presId="urn:microsoft.com/office/officeart/2018/2/layout/IconVerticalSolidList"/>
+    <dgm:cxn modelId="{2A7CB127-7DA3-8F4C-A223-26366513380B}" type="presOf" srcId="{55A862EB-5F94-4877-A196-F4D3412C12F8}" destId="{CB4848EC-134B-4D0B-82A3-23D15F6E63F0}" srcOrd="0" destOrd="0" presId="urn:microsoft.com/office/officeart/2018/2/layout/IconVerticalSolidList"/>
+    <dgm:cxn modelId="{FB007FED-8382-0D42-B6FF-6D7C249030B6}" type="presOf" srcId="{BCE76A11-4181-43B8-AC91-8E7138696CE4}" destId="{1300037F-477C-4C9F-9579-F15E9E7EB8EC}" srcOrd="0" destOrd="0" presId="urn:microsoft.com/office/officeart/2018/2/layout/IconVerticalSolidList"/>
+    <dgm:cxn modelId="{7925E2D9-A0EE-4270-8E40-48542129B3B4}" srcId="{D4437EC1-B5F6-49FC-A287-BEFDB1144819}" destId="{232E2FD9-0A46-49E2-805D-A93BF881A5C5}" srcOrd="5" destOrd="0" parTransId="{D5AC07D5-3FBF-4B23-9F28-D16600C60A2C}" sibTransId="{0602BF08-0AE6-4E3C-B561-551ABBD9E8AC}"/>
+    <dgm:cxn modelId="{8C8AD439-BF84-4C3D-A71C-FB31EA37E996}" srcId="{D4437EC1-B5F6-49FC-A287-BEFDB1144819}" destId="{EB54860B-6AB9-4651-97C5-E56F0299D22F}" srcOrd="2" destOrd="0" parTransId="{3E2EF1D2-1A4A-4F1E-A36B-12863D753F3A}" sibTransId="{E65B617E-2A9C-4B05-960B-DE2E30C43C5C}"/>
     <dgm:cxn modelId="{110A6623-ECF7-8844-975F-AD543576F178}" type="presOf" srcId="{1350FB4F-3B1A-48FF-A81F-CCA4BD741C36}" destId="{7279F830-D125-4156-A5D0-4AF52833C897}" srcOrd="0" destOrd="0" presId="urn:microsoft.com/office/officeart/2018/2/layout/IconVerticalSolidList"/>
-    <dgm:cxn modelId="{2A7CB127-7DA3-8F4C-A223-26366513380B}" type="presOf" srcId="{55A862EB-5F94-4877-A196-F4D3412C12F8}" destId="{CB4848EC-134B-4D0B-82A3-23D15F6E63F0}" srcOrd="0" destOrd="0" presId="urn:microsoft.com/office/officeart/2018/2/layout/IconVerticalSolidList"/>
     <dgm:cxn modelId="{11C16D34-1327-9C42-A08D-03781591FDF6}" type="presOf" srcId="{D4437EC1-B5F6-49FC-A287-BEFDB1144819}" destId="{1ED0BA95-2A3F-47A5-9A49-2F4A9C651117}" srcOrd="0" destOrd="0" presId="urn:microsoft.com/office/officeart/2018/2/layout/IconVerticalSolidList"/>
-    <dgm:cxn modelId="{8C8AD439-BF84-4C3D-A71C-FB31EA37E996}" srcId="{D4437EC1-B5F6-49FC-A287-BEFDB1144819}" destId="{EB54860B-6AB9-4651-97C5-E56F0299D22F}" srcOrd="2" destOrd="0" parTransId="{3E2EF1D2-1A4A-4F1E-A36B-12863D753F3A}" sibTransId="{E65B617E-2A9C-4B05-960B-DE2E30C43C5C}"/>
+    <dgm:cxn modelId="{0BC1CD6B-227B-DE43-AE8D-122B9B9DB078}" type="presOf" srcId="{232E2FD9-0A46-49E2-805D-A93BF881A5C5}" destId="{375C259E-3FDB-473B-B29A-CA77C3E51C3B}" srcOrd="0" destOrd="0" presId="urn:microsoft.com/office/officeart/2018/2/layout/IconVerticalSolidList"/>
     <dgm:cxn modelId="{28506957-7DB8-4D23-AACA-D143410D2487}" srcId="{D4437EC1-B5F6-49FC-A287-BEFDB1144819}" destId="{55A862EB-5F94-4877-A196-F4D3412C12F8}" srcOrd="0" destOrd="0" parTransId="{F2942A56-B726-48DF-9092-CCC0E0E1C34D}" sibTransId="{C6C9F83D-5A0E-4B9E-BA0B-470F3E89E015}"/>
     <dgm:cxn modelId="{BAFEBC63-93F7-40BE-AEFE-A7EA6A9AD72A}" srcId="{D4437EC1-B5F6-49FC-A287-BEFDB1144819}" destId="{BCE76A11-4181-43B8-AC91-8E7138696CE4}" srcOrd="1" destOrd="0" parTransId="{94588245-11C2-4C3C-900F-EF118854F659}" sibTransId="{7ABFBF5F-DA68-473E-8B38-B2CE17C82D05}"/>
-    <dgm:cxn modelId="{0BC1CD6B-227B-DE43-AE8D-122B9B9DB078}" type="presOf" srcId="{232E2FD9-0A46-49E2-805D-A93BF881A5C5}" destId="{375C259E-3FDB-473B-B29A-CA77C3E51C3B}" srcOrd="0" destOrd="0" presId="urn:microsoft.com/office/officeart/2018/2/layout/IconVerticalSolidList"/>
-    <dgm:cxn modelId="{A8DC3D77-DCCE-EA49-91A6-4BCCF760A6FD}" type="presOf" srcId="{EB54860B-6AB9-4651-97C5-E56F0299D22F}" destId="{F399C4C8-A1DD-4004-9BB4-72E6854B131D}" srcOrd="0" destOrd="0" presId="urn:microsoft.com/office/officeart/2018/2/layout/IconVerticalSolidList"/>
-    <dgm:cxn modelId="{976414A8-6315-4ED4-A2BB-65F199A44440}" srcId="{D4437EC1-B5F6-49FC-A287-BEFDB1144819}" destId="{1350FB4F-3B1A-48FF-A81F-CCA4BD741C36}" srcOrd="3" destOrd="0" parTransId="{67978FA4-FAC5-48CF-BC6A-D2D12617222B}" sibTransId="{E7F24AE9-EF08-40AD-9916-38B458BFC854}"/>
-    <dgm:cxn modelId="{7925E2D9-A0EE-4270-8E40-48542129B3B4}" srcId="{D4437EC1-B5F6-49FC-A287-BEFDB1144819}" destId="{232E2FD9-0A46-49E2-805D-A93BF881A5C5}" srcOrd="5" destOrd="0" parTransId="{D5AC07D5-3FBF-4B23-9F28-D16600C60A2C}" sibTransId="{0602BF08-0AE6-4E3C-B561-551ABBD9E8AC}"/>
-    <dgm:cxn modelId="{FB007FED-8382-0D42-B6FF-6D7C249030B6}" type="presOf" srcId="{BCE76A11-4181-43B8-AC91-8E7138696CE4}" destId="{1300037F-477C-4C9F-9579-F15E9E7EB8EC}" srcOrd="0" destOrd="0" presId="urn:microsoft.com/office/officeart/2018/2/layout/IconVerticalSolidList"/>
+    <dgm:cxn modelId="{5940880D-51D3-4962-97BA-F502C9FF1E4E}" srcId="{D4437EC1-B5F6-49FC-A287-BEFDB1144819}" destId="{8516CCAE-9538-4351-8DB8-57A9E31D24F2}" srcOrd="4" destOrd="0" parTransId="{FA894F9B-3F1C-48DD-92D5-DA8876F36419}" sibTransId="{FE37F3BC-A087-4B36-A9CA-F16899E2A248}"/>
     <dgm:cxn modelId="{A0C45582-F844-D14B-9F56-9330C3CC31DB}" type="presParOf" srcId="{1ED0BA95-2A3F-47A5-9A49-2F4A9C651117}" destId="{2042103D-7D8C-4528-A17C-9753185A0421}" srcOrd="0" destOrd="0" presId="urn:microsoft.com/office/officeart/2018/2/layout/IconVerticalSolidList"/>
     <dgm:cxn modelId="{F08928B8-2C33-BC45-BF3F-0D30861CEBA2}" type="presParOf" srcId="{2042103D-7D8C-4528-A17C-9753185A0421}" destId="{9AE40C2D-B4A5-4C72-83F0-2BED3CEF86EA}" srcOrd="0" destOrd="0" presId="urn:microsoft.com/office/officeart/2018/2/layout/IconVerticalSolidList"/>
     <dgm:cxn modelId="{3530DD3A-CB52-714C-8756-A94E297C4C11}" type="presParOf" srcId="{2042103D-7D8C-4528-A17C-9753185A0421}" destId="{FBB35FA6-6C08-41ED-B1BE-18EBFCA395A8}" srcOrd="1" destOrd="0" presId="urn:microsoft.com/office/officeart/2018/2/layout/IconVerticalSolidList"/>
@@ -8000,6 +8124,14 @@
         </dgm:presLayoutVars>
       </dgm:prSet>
       <dgm:spPr/>
+      <dgm:t>
+        <a:bodyPr/>
+        <a:lstStyle/>
+        <a:p>
+          <a:pPr latinLnBrk="1"/>
+          <a:endParaRPr lang="ko-KR" altLang="en-US"/>
+        </a:p>
+      </dgm:t>
     </dgm:pt>
     <dgm:pt modelId="{7436C89E-5BF0-4B9D-A0C0-F8446F4E4B36}" type="pres">
       <dgm:prSet presAssocID="{E394BCF9-30F3-4EB8-8613-9102B06FA2E6}" presName="compNode" presStyleCnt="0"/>
@@ -8019,7 +8151,7 @@
                 <a14:useLocalDpi xmlns:a14="http://schemas.microsoft.com/office/drawing/2010/main" val="0"/>
               </a:ext>
               <a:ext uri="{96DAC541-7B7A-43D3-8B79-37D633B846F1}">
-                <asvg:svgBlip xmlns:asvg="http://schemas.microsoft.com/office/drawing/2016/SVG/main" r:embed="rId2"/>
+                <asvg:svgBlip xmlns:asvg="http://schemas.microsoft.com/office/drawing/2016/SVG/main" xmlns="" r:embed="rId2"/>
               </a:ext>
             </a:extLst>
           </a:blip>
@@ -8049,6 +8181,14 @@
         </dgm:presLayoutVars>
       </dgm:prSet>
       <dgm:spPr/>
+      <dgm:t>
+        <a:bodyPr/>
+        <a:lstStyle/>
+        <a:p>
+          <a:pPr latinLnBrk="1"/>
+          <a:endParaRPr lang="ko-KR" altLang="en-US"/>
+        </a:p>
+      </dgm:t>
     </dgm:pt>
     <dgm:pt modelId="{B4800BFC-C9D2-4B62-8553-6EC4B8DB078E}" type="pres">
       <dgm:prSet presAssocID="{C7594F20-9181-4BCE-9763-20F393D19948}" presName="sibTrans" presStyleCnt="0"/>
@@ -8072,7 +8212,7 @@
                 <a14:useLocalDpi xmlns:a14="http://schemas.microsoft.com/office/drawing/2010/main" val="0"/>
               </a:ext>
               <a:ext uri="{96DAC541-7B7A-43D3-8B79-37D633B846F1}">
-                <asvg:svgBlip xmlns:asvg="http://schemas.microsoft.com/office/drawing/2016/SVG/main" r:embed="rId4"/>
+                <asvg:svgBlip xmlns:asvg="http://schemas.microsoft.com/office/drawing/2016/SVG/main" xmlns="" r:embed="rId4"/>
               </a:ext>
             </a:extLst>
           </a:blip>
@@ -8102,6 +8242,14 @@
         </dgm:presLayoutVars>
       </dgm:prSet>
       <dgm:spPr/>
+      <dgm:t>
+        <a:bodyPr/>
+        <a:lstStyle/>
+        <a:p>
+          <a:pPr latinLnBrk="1"/>
+          <a:endParaRPr lang="ko-KR" altLang="en-US"/>
+        </a:p>
+      </dgm:t>
     </dgm:pt>
     <dgm:pt modelId="{7644D43F-E0DC-42E9-821A-90BE8014D9F2}" type="pres">
       <dgm:prSet presAssocID="{C5A8A4ED-ACB2-4166-93C2-7013C7494422}" presName="sibTrans" presStyleCnt="0"/>
@@ -8125,7 +8273,7 @@
                 <a14:useLocalDpi xmlns:a14="http://schemas.microsoft.com/office/drawing/2010/main" val="0"/>
               </a:ext>
               <a:ext uri="{96DAC541-7B7A-43D3-8B79-37D633B846F1}">
-                <asvg:svgBlip xmlns:asvg="http://schemas.microsoft.com/office/drawing/2016/SVG/main" r:embed="rId6"/>
+                <asvg:svgBlip xmlns:asvg="http://schemas.microsoft.com/office/drawing/2016/SVG/main" xmlns="" r:embed="rId6"/>
               </a:ext>
             </a:extLst>
           </a:blip>
@@ -8155,6 +8303,14 @@
         </dgm:presLayoutVars>
       </dgm:prSet>
       <dgm:spPr/>
+      <dgm:t>
+        <a:bodyPr/>
+        <a:lstStyle/>
+        <a:p>
+          <a:pPr latinLnBrk="1"/>
+          <a:endParaRPr lang="ko-KR" altLang="en-US"/>
+        </a:p>
+      </dgm:t>
     </dgm:pt>
     <dgm:pt modelId="{B57BF250-4BBE-4FD3-9E51-4AF7189253FD}" type="pres">
       <dgm:prSet presAssocID="{B42AFB1B-7422-4967-81C1-46361E56CB36}" presName="sibTrans" presStyleCnt="0"/>
@@ -8178,7 +8334,7 @@
                 <a14:useLocalDpi xmlns:a14="http://schemas.microsoft.com/office/drawing/2010/main" val="0"/>
               </a:ext>
               <a:ext uri="{96DAC541-7B7A-43D3-8B79-37D633B846F1}">
-                <asvg:svgBlip xmlns:asvg="http://schemas.microsoft.com/office/drawing/2016/SVG/main" r:embed="rId8"/>
+                <asvg:svgBlip xmlns:asvg="http://schemas.microsoft.com/office/drawing/2016/SVG/main" xmlns="" r:embed="rId8"/>
               </a:ext>
             </a:extLst>
           </a:blip>
@@ -8209,18 +8365,26 @@
         </dgm:presLayoutVars>
       </dgm:prSet>
       <dgm:spPr/>
+      <dgm:t>
+        <a:bodyPr/>
+        <a:lstStyle/>
+        <a:p>
+          <a:pPr latinLnBrk="1"/>
+          <a:endParaRPr lang="ko-KR" altLang="en-US"/>
+        </a:p>
+      </dgm:t>
     </dgm:pt>
   </dgm:ptLst>
   <dgm:cxnLst>
+    <dgm:cxn modelId="{31B90BEA-5122-7E47-A8FD-C453D18F0FCE}" type="presOf" srcId="{01F19122-E62A-4015-A426-4DBCD0EF3049}" destId="{67D4FD4F-B518-4635-BF1B-88C8A22B7B99}" srcOrd="0" destOrd="0" presId="urn:microsoft.com/office/officeart/2018/2/layout/IconVerticalSolidList"/>
+    <dgm:cxn modelId="{F463FA7A-1317-47E9-A55F-42E389412F0B}" srcId="{945F9791-DFF0-482E-AEEA-B7D07C2F9FAB}" destId="{4FE54206-7486-4DC4-8B5B-95811B4D181E}" srcOrd="2" destOrd="0" parTransId="{24937F4B-B3DA-48E3-9C32-5C41324B6451}" sibTransId="{B42AFB1B-7422-4967-81C1-46361E56CB36}"/>
     <dgm:cxn modelId="{9D060C0D-DB7B-B741-AF7D-ACBED7DF8F5C}" type="presOf" srcId="{E394BCF9-30F3-4EB8-8613-9102B06FA2E6}" destId="{81435162-967C-4F14-8D5F-BFBD7030CB74}" srcOrd="0" destOrd="0" presId="urn:microsoft.com/office/officeart/2018/2/layout/IconVerticalSolidList"/>
+    <dgm:cxn modelId="{2784C130-7DAE-493F-A7F8-4A248C383CE1}" srcId="{945F9791-DFF0-482E-AEEA-B7D07C2F9FAB}" destId="{01F19122-E62A-4015-A426-4DBCD0EF3049}" srcOrd="3" destOrd="0" parTransId="{C3D33F67-123E-40E2-9B86-0C3A1E126383}" sibTransId="{9DBD9056-528C-47D3-B7E1-934201B991D1}"/>
+    <dgm:cxn modelId="{8F775726-0C4C-4448-B6DB-5596A6C9C0DE}" srcId="{945F9791-DFF0-482E-AEEA-B7D07C2F9FAB}" destId="{E394BCF9-30F3-4EB8-8613-9102B06FA2E6}" srcOrd="0" destOrd="0" parTransId="{BA6A07C6-1784-454A-8C5F-AEFFF90767FA}" sibTransId="{C7594F20-9181-4BCE-9763-20F393D19948}"/>
+    <dgm:cxn modelId="{F12BB2EA-9E01-E34B-B13F-C3981D4BF982}" type="presOf" srcId="{945F9791-DFF0-482E-AEEA-B7D07C2F9FAB}" destId="{A82D3449-415E-40B2-9533-D9C5BA6EFDA1}" srcOrd="0" destOrd="0" presId="urn:microsoft.com/office/officeart/2018/2/layout/IconVerticalSolidList"/>
     <dgm:cxn modelId="{81057714-7523-42E4-920A-46768E29D37C}" srcId="{945F9791-DFF0-482E-AEEA-B7D07C2F9FAB}" destId="{CCA5358A-DFD6-4B78-BFF9-B8C440FCB880}" srcOrd="1" destOrd="0" parTransId="{941B6395-9AD5-4E45-A9DD-518A59D7CF30}" sibTransId="{C5A8A4ED-ACB2-4166-93C2-7013C7494422}"/>
-    <dgm:cxn modelId="{8F775726-0C4C-4448-B6DB-5596A6C9C0DE}" srcId="{945F9791-DFF0-482E-AEEA-B7D07C2F9FAB}" destId="{E394BCF9-30F3-4EB8-8613-9102B06FA2E6}" srcOrd="0" destOrd="0" parTransId="{BA6A07C6-1784-454A-8C5F-AEFFF90767FA}" sibTransId="{C7594F20-9181-4BCE-9763-20F393D19948}"/>
-    <dgm:cxn modelId="{2784C130-7DAE-493F-A7F8-4A248C383CE1}" srcId="{945F9791-DFF0-482E-AEEA-B7D07C2F9FAB}" destId="{01F19122-E62A-4015-A426-4DBCD0EF3049}" srcOrd="3" destOrd="0" parTransId="{C3D33F67-123E-40E2-9B86-0C3A1E126383}" sibTransId="{9DBD9056-528C-47D3-B7E1-934201B991D1}"/>
     <dgm:cxn modelId="{33C2147A-080A-9240-89A3-893703E66058}" type="presOf" srcId="{CCA5358A-DFD6-4B78-BFF9-B8C440FCB880}" destId="{03A4CF5D-2C89-4BCB-A797-05F9AD51D5AC}" srcOrd="0" destOrd="0" presId="urn:microsoft.com/office/officeart/2018/2/layout/IconVerticalSolidList"/>
-    <dgm:cxn modelId="{F463FA7A-1317-47E9-A55F-42E389412F0B}" srcId="{945F9791-DFF0-482E-AEEA-B7D07C2F9FAB}" destId="{4FE54206-7486-4DC4-8B5B-95811B4D181E}" srcOrd="2" destOrd="0" parTransId="{24937F4B-B3DA-48E3-9C32-5C41324B6451}" sibTransId="{B42AFB1B-7422-4967-81C1-46361E56CB36}"/>
     <dgm:cxn modelId="{06934DA3-0660-994B-B44F-685B42E7EF94}" type="presOf" srcId="{4FE54206-7486-4DC4-8B5B-95811B4D181E}" destId="{48BA648B-E280-4B40-9AC5-BD39D426E07F}" srcOrd="0" destOrd="0" presId="urn:microsoft.com/office/officeart/2018/2/layout/IconVerticalSolidList"/>
-    <dgm:cxn modelId="{31B90BEA-5122-7E47-A8FD-C453D18F0FCE}" type="presOf" srcId="{01F19122-E62A-4015-A426-4DBCD0EF3049}" destId="{67D4FD4F-B518-4635-BF1B-88C8A22B7B99}" srcOrd="0" destOrd="0" presId="urn:microsoft.com/office/officeart/2018/2/layout/IconVerticalSolidList"/>
-    <dgm:cxn modelId="{F12BB2EA-9E01-E34B-B13F-C3981D4BF982}" type="presOf" srcId="{945F9791-DFF0-482E-AEEA-B7D07C2F9FAB}" destId="{A82D3449-415E-40B2-9533-D9C5BA6EFDA1}" srcOrd="0" destOrd="0" presId="urn:microsoft.com/office/officeart/2018/2/layout/IconVerticalSolidList"/>
     <dgm:cxn modelId="{E2013ACF-FD78-6347-89C3-56639FD87398}" type="presParOf" srcId="{A82D3449-415E-40B2-9533-D9C5BA6EFDA1}" destId="{7436C89E-5BF0-4B9D-A0C0-F8446F4E4B36}" srcOrd="0" destOrd="0" presId="urn:microsoft.com/office/officeart/2018/2/layout/IconVerticalSolidList"/>
     <dgm:cxn modelId="{0217DE3C-5012-0348-928F-31AD6EA09D53}" type="presParOf" srcId="{7436C89E-5BF0-4B9D-A0C0-F8446F4E4B36}" destId="{5AE74EDF-2BAC-45E1-8167-2334517608FF}" srcOrd="0" destOrd="0" presId="urn:microsoft.com/office/officeart/2018/2/layout/IconVerticalSolidList"/>
     <dgm:cxn modelId="{9850B5A8-7EE9-C942-A2D9-E47746A3D4BA}" type="presParOf" srcId="{7436C89E-5BF0-4B9D-A0C0-F8446F4E4B36}" destId="{B4BFAC8E-0419-4A1E-9973-A7BD43E418DF}" srcOrd="1" destOrd="0" presId="urn:microsoft.com/office/officeart/2018/2/layout/IconVerticalSolidList"/>
@@ -8249,7 +8413,7 @@
   <dgm:whole/>
   <dgm:extLst>
     <a:ext uri="http://schemas.microsoft.com/office/drawing/2008/diagram">
-      <dsp:dataModelExt xmlns:dsp="http://schemas.microsoft.com/office/drawing/2008/diagram" relId="rId6" minVer="http://schemas.openxmlformats.org/drawingml/2006/diagram"/>
+      <dsp:dataModelExt xmlns:dsp="http://schemas.microsoft.com/office/drawing/2008/diagram" relId="rId7" minVer="http://schemas.openxmlformats.org/drawingml/2006/diagram"/>
     </a:ext>
   </dgm:extLst>
 </dgm:dataModel>
@@ -8452,6 +8616,14 @@
         </dgm:presLayoutVars>
       </dgm:prSet>
       <dgm:spPr/>
+      <dgm:t>
+        <a:bodyPr/>
+        <a:lstStyle/>
+        <a:p>
+          <a:pPr latinLnBrk="1"/>
+          <a:endParaRPr lang="ko-KR" altLang="en-US"/>
+        </a:p>
+      </dgm:t>
     </dgm:pt>
     <dgm:pt modelId="{C82A679C-1FE3-4BB0-9D8D-EF8DED71D091}" type="pres">
       <dgm:prSet presAssocID="{EE6328F5-92DC-418C-B861-70375539724E}" presName="compNode" presStyleCnt="0"/>
@@ -8464,7 +8636,7 @@
           <a:blip xmlns:r="http://schemas.openxmlformats.org/officeDocument/2006/relationships" r:embed="rId1">
             <a:extLst>
               <a:ext uri="{96DAC541-7B7A-43D3-8B79-37D633B846F1}">
-                <asvg:svgBlip xmlns:asvg="http://schemas.microsoft.com/office/drawing/2016/SVG/main" r:embed="rId2"/>
+                <asvg:svgBlip xmlns:asvg="http://schemas.microsoft.com/office/drawing/2016/SVG/main" xmlns="" r:embed="rId2"/>
               </a:ext>
             </a:extLst>
           </a:blip>
@@ -8495,6 +8667,14 @@
         </dgm:presLayoutVars>
       </dgm:prSet>
       <dgm:spPr/>
+      <dgm:t>
+        <a:bodyPr/>
+        <a:lstStyle/>
+        <a:p>
+          <a:pPr latinLnBrk="1"/>
+          <a:endParaRPr lang="ko-KR" altLang="en-US"/>
+        </a:p>
+      </dgm:t>
     </dgm:pt>
     <dgm:pt modelId="{EC6DB71C-8EC7-4C08-924D-8B458451DF4C}" type="pres">
       <dgm:prSet presAssocID="{EE6328F5-92DC-418C-B861-70375539724E}" presName="txSpace" presStyleCnt="0"/>
@@ -8505,6 +8685,14 @@
         <dgm:presLayoutVars/>
       </dgm:prSet>
       <dgm:spPr/>
+      <dgm:t>
+        <a:bodyPr/>
+        <a:lstStyle/>
+        <a:p>
+          <a:pPr latinLnBrk="1"/>
+          <a:endParaRPr lang="ko-KR" altLang="en-US"/>
+        </a:p>
+      </dgm:t>
     </dgm:pt>
     <dgm:pt modelId="{F3BFEAA9-01AE-4778-AB13-E6D91504AB73}" type="pres">
       <dgm:prSet presAssocID="{21FA598D-81EF-44D6-B6DE-E139764F5C5D}" presName="sibTrans" presStyleCnt="0"/>
@@ -8521,7 +8709,7 @@
           <a:blip xmlns:r="http://schemas.openxmlformats.org/officeDocument/2006/relationships" r:embed="rId3">
             <a:extLst>
               <a:ext uri="{96DAC541-7B7A-43D3-8B79-37D633B846F1}">
-                <asvg:svgBlip xmlns:asvg="http://schemas.microsoft.com/office/drawing/2016/SVG/main" r:embed="rId4"/>
+                <asvg:svgBlip xmlns:asvg="http://schemas.microsoft.com/office/drawing/2016/SVG/main" xmlns="" r:embed="rId4"/>
               </a:ext>
             </a:extLst>
           </a:blip>
@@ -8552,6 +8740,14 @@
         </dgm:presLayoutVars>
       </dgm:prSet>
       <dgm:spPr/>
+      <dgm:t>
+        <a:bodyPr/>
+        <a:lstStyle/>
+        <a:p>
+          <a:pPr latinLnBrk="1"/>
+          <a:endParaRPr lang="ko-KR" altLang="en-US"/>
+        </a:p>
+      </dgm:t>
     </dgm:pt>
     <dgm:pt modelId="{674B8E89-C731-4572-824F-E8446503232E}" type="pres">
       <dgm:prSet presAssocID="{14158B84-0A5C-46E1-96AE-E699426CBB80}" presName="txSpace" presStyleCnt="0"/>
@@ -8562,18 +8758,26 @@
         <dgm:presLayoutVars/>
       </dgm:prSet>
       <dgm:spPr/>
+      <dgm:t>
+        <a:bodyPr/>
+        <a:lstStyle/>
+        <a:p>
+          <a:pPr latinLnBrk="1"/>
+          <a:endParaRPr lang="ko-KR" altLang="en-US"/>
+        </a:p>
+      </dgm:t>
     </dgm:pt>
   </dgm:ptLst>
   <dgm:cxnLst>
+    <dgm:cxn modelId="{9DA6A036-D208-A14E-AA88-B4C466025B8F}" type="presOf" srcId="{EE6328F5-92DC-418C-B861-70375539724E}" destId="{4D30B03D-AF3E-43C2-A607-FB7DA95370C2}" srcOrd="0" destOrd="0" presId="urn:microsoft.com/office/officeart/2018/2/layout/IconLabelDescriptionList"/>
     <dgm:cxn modelId="{CD6DE225-5ACF-4D50-B95C-18111DCAA4E3}" srcId="{14158B84-0A5C-46E1-96AE-E699426CBB80}" destId="{C1E3794A-ABE4-4899-9AF6-FB37F3858B1E}" srcOrd="0" destOrd="0" parTransId="{7416420B-A69C-4271-B8FA-EC790F9BECEE}" sibTransId="{E8DCF375-F532-407F-A6B5-1ADF5D813890}"/>
-    <dgm:cxn modelId="{C6FA3A2F-FCB9-45D3-ADF4-6763FD5661DE}" srcId="{81DBDE8A-D34D-4AE4-BD23-7D3C0CE9D3AA}" destId="{14158B84-0A5C-46E1-96AE-E699426CBB80}" srcOrd="1" destOrd="0" parTransId="{F1AF5E97-CE0C-4769-89E4-5C03B1F2AE2B}" sibTransId="{C0211515-1CC7-40BD-AE26-BC6D6815343D}"/>
-    <dgm:cxn modelId="{77975E34-4664-491B-B557-2C4CE997A8F3}" srcId="{EE6328F5-92DC-418C-B861-70375539724E}" destId="{A5E26AE0-92FE-4663-BACD-620603405CCE}" srcOrd="0" destOrd="0" parTransId="{FC61227C-64C5-415E-BEB9-18B20BD8FCD4}" sibTransId="{1BE5729D-A47D-4783-AA11-CE8D8A9E7AD3}"/>
-    <dgm:cxn modelId="{9DA6A036-D208-A14E-AA88-B4C466025B8F}" type="presOf" srcId="{EE6328F5-92DC-418C-B861-70375539724E}" destId="{4D30B03D-AF3E-43C2-A607-FB7DA95370C2}" srcOrd="0" destOrd="0" presId="urn:microsoft.com/office/officeart/2018/2/layout/IconLabelDescriptionList"/>
-    <dgm:cxn modelId="{88B7A141-B0D5-3445-9E53-9D2586D92BE3}" type="presOf" srcId="{C1E3794A-ABE4-4899-9AF6-FB37F3858B1E}" destId="{79869CAB-48CD-41E5-9ACB-28658D8A990F}" srcOrd="0" destOrd="0" presId="urn:microsoft.com/office/officeart/2018/2/layout/IconLabelDescriptionList"/>
     <dgm:cxn modelId="{A32F6F79-8846-AF47-806A-813F6D4B5ACA}" type="presOf" srcId="{A5E26AE0-92FE-4663-BACD-620603405CCE}" destId="{9BC70B58-7092-4988-B6B1-95D7A6F73553}" srcOrd="0" destOrd="0" presId="urn:microsoft.com/office/officeart/2018/2/layout/IconLabelDescriptionList"/>
     <dgm:cxn modelId="{B8D63EC1-4FAB-40D3-A3AF-B340918AB660}" srcId="{81DBDE8A-D34D-4AE4-BD23-7D3C0CE9D3AA}" destId="{EE6328F5-92DC-418C-B861-70375539724E}" srcOrd="0" destOrd="0" parTransId="{B8B16E45-C6D6-4000-AB5B-1C27E2D0DCAC}" sibTransId="{21FA598D-81EF-44D6-B6DE-E139764F5C5D}"/>
+    <dgm:cxn modelId="{EA2781E6-5617-DC45-877B-8906624260BB}" type="presOf" srcId="{81DBDE8A-D34D-4AE4-BD23-7D3C0CE9D3AA}" destId="{C2EC898C-5099-4B02-91B8-DC832AF79193}" srcOrd="0" destOrd="0" presId="urn:microsoft.com/office/officeart/2018/2/layout/IconLabelDescriptionList"/>
     <dgm:cxn modelId="{096158D1-2A48-434C-AA93-C9AD3A050D07}" type="presOf" srcId="{14158B84-0A5C-46E1-96AE-E699426CBB80}" destId="{AD77526A-2A26-4604-97AC-133A8F9B4ED7}" srcOrd="0" destOrd="0" presId="urn:microsoft.com/office/officeart/2018/2/layout/IconLabelDescriptionList"/>
-    <dgm:cxn modelId="{EA2781E6-5617-DC45-877B-8906624260BB}" type="presOf" srcId="{81DBDE8A-D34D-4AE4-BD23-7D3C0CE9D3AA}" destId="{C2EC898C-5099-4B02-91B8-DC832AF79193}" srcOrd="0" destOrd="0" presId="urn:microsoft.com/office/officeart/2018/2/layout/IconLabelDescriptionList"/>
+    <dgm:cxn modelId="{C6FA3A2F-FCB9-45D3-ADF4-6763FD5661DE}" srcId="{81DBDE8A-D34D-4AE4-BD23-7D3C0CE9D3AA}" destId="{14158B84-0A5C-46E1-96AE-E699426CBB80}" srcOrd="1" destOrd="0" parTransId="{F1AF5E97-CE0C-4769-89E4-5C03B1F2AE2B}" sibTransId="{C0211515-1CC7-40BD-AE26-BC6D6815343D}"/>
+    <dgm:cxn modelId="{88B7A141-B0D5-3445-9E53-9D2586D92BE3}" type="presOf" srcId="{C1E3794A-ABE4-4899-9AF6-FB37F3858B1E}" destId="{79869CAB-48CD-41E5-9ACB-28658D8A990F}" srcOrd="0" destOrd="0" presId="urn:microsoft.com/office/officeart/2018/2/layout/IconLabelDescriptionList"/>
+    <dgm:cxn modelId="{77975E34-4664-491B-B557-2C4CE997A8F3}" srcId="{EE6328F5-92DC-418C-B861-70375539724E}" destId="{A5E26AE0-92FE-4663-BACD-620603405CCE}" srcOrd="0" destOrd="0" parTransId="{FC61227C-64C5-415E-BEB9-18B20BD8FCD4}" sibTransId="{1BE5729D-A47D-4783-AA11-CE8D8A9E7AD3}"/>
     <dgm:cxn modelId="{86DD9687-9A80-7746-A80C-60C350E755DB}" type="presParOf" srcId="{C2EC898C-5099-4B02-91B8-DC832AF79193}" destId="{C82A679C-1FE3-4BB0-9D8D-EF8DED71D091}" srcOrd="0" destOrd="0" presId="urn:microsoft.com/office/officeart/2018/2/layout/IconLabelDescriptionList"/>
     <dgm:cxn modelId="{2909679C-0745-CD4A-9B0E-F3D36D4CAC81}" type="presParOf" srcId="{C82A679C-1FE3-4BB0-9D8D-EF8DED71D091}" destId="{281813DD-AD46-4AF8-9D25-FA518AC40F1C}" srcOrd="0" destOrd="0" presId="urn:microsoft.com/office/officeart/2018/2/layout/IconLabelDescriptionList"/>
     <dgm:cxn modelId="{55D702B5-ADBC-4140-810D-4C748B6135B4}" type="presParOf" srcId="{C82A679C-1FE3-4BB0-9D8D-EF8DED71D091}" destId="{751446F1-FB99-4553-B361-E90DCB7EEF99}" srcOrd="1" destOrd="0" presId="urn:microsoft.com/office/officeart/2018/2/layout/IconLabelDescriptionList"/>
@@ -8592,7 +8796,7 @@
   <dgm:whole/>
   <dgm:extLst>
     <a:ext uri="http://schemas.microsoft.com/office/drawing/2008/diagram">
-      <dsp:dataModelExt xmlns:dsp="http://schemas.microsoft.com/office/drawing/2008/diagram" relId="rId6" minVer="http://schemas.openxmlformats.org/drawingml/2006/diagram"/>
+      <dsp:dataModelExt xmlns:dsp="http://schemas.microsoft.com/office/drawing/2008/diagram" relId="rId7" minVer="http://schemas.openxmlformats.org/drawingml/2006/diagram"/>
     </a:ext>
   </dgm:extLst>
 </dgm:dataModel>
@@ -8898,6 +9102,14 @@
         </dgm:presLayoutVars>
       </dgm:prSet>
       <dgm:spPr/>
+      <dgm:t>
+        <a:bodyPr/>
+        <a:lstStyle/>
+        <a:p>
+          <a:pPr latinLnBrk="1"/>
+          <a:endParaRPr lang="ko-KR" altLang="en-US"/>
+        </a:p>
+      </dgm:t>
     </dgm:pt>
     <dgm:pt modelId="{7812BB24-DFC7-48AE-86BB-084D96B8C851}" type="pres">
       <dgm:prSet presAssocID="{B213630A-900B-4D25-BF71-F4BD28E39E2F}" presName="compNode" presStyleCnt="0"/>
@@ -8910,7 +9122,7 @@
           <a:blip xmlns:r="http://schemas.openxmlformats.org/officeDocument/2006/relationships" r:embed="rId1">
             <a:extLst>
               <a:ext uri="{96DAC541-7B7A-43D3-8B79-37D633B846F1}">
-                <asvg:svgBlip xmlns:asvg="http://schemas.microsoft.com/office/drawing/2016/SVG/main" r:embed="rId2"/>
+                <asvg:svgBlip xmlns:asvg="http://schemas.microsoft.com/office/drawing/2016/SVG/main" xmlns="" r:embed="rId2"/>
               </a:ext>
             </a:extLst>
           </a:blip>
@@ -8941,6 +9153,14 @@
         </dgm:presLayoutVars>
       </dgm:prSet>
       <dgm:spPr/>
+      <dgm:t>
+        <a:bodyPr/>
+        <a:lstStyle/>
+        <a:p>
+          <a:pPr latinLnBrk="1"/>
+          <a:endParaRPr lang="ko-KR" altLang="en-US"/>
+        </a:p>
+      </dgm:t>
     </dgm:pt>
     <dgm:pt modelId="{7AA56AE0-B927-4976-A72E-45F70E579D61}" type="pres">
       <dgm:prSet presAssocID="{B213630A-900B-4D25-BF71-F4BD28E39E2F}" presName="txSpace" presStyleCnt="0"/>
@@ -8951,6 +9171,14 @@
         <dgm:presLayoutVars/>
       </dgm:prSet>
       <dgm:spPr/>
+      <dgm:t>
+        <a:bodyPr/>
+        <a:lstStyle/>
+        <a:p>
+          <a:pPr latinLnBrk="1"/>
+          <a:endParaRPr lang="ko-KR" altLang="en-US"/>
+        </a:p>
+      </dgm:t>
     </dgm:pt>
     <dgm:pt modelId="{DB3026E3-CBA4-410E-861F-E4C346E59CCF}" type="pres">
       <dgm:prSet presAssocID="{D1DA4D27-5F3A-4AFF-9C00-91816F216048}" presName="sibTrans" presStyleCnt="0"/>
@@ -8970,7 +9198,7 @@
                 <a14:useLocalDpi xmlns:a14="http://schemas.microsoft.com/office/drawing/2010/main" val="0"/>
               </a:ext>
               <a:ext uri="{96DAC541-7B7A-43D3-8B79-37D633B846F1}">
-                <asvg:svgBlip xmlns:asvg="http://schemas.microsoft.com/office/drawing/2016/SVG/main" r:embed="rId4"/>
+                <asvg:svgBlip xmlns:asvg="http://schemas.microsoft.com/office/drawing/2016/SVG/main" xmlns="" r:embed="rId4"/>
               </a:ext>
             </a:extLst>
           </a:blip>
@@ -9000,6 +9228,14 @@
         </dgm:presLayoutVars>
       </dgm:prSet>
       <dgm:spPr/>
+      <dgm:t>
+        <a:bodyPr/>
+        <a:lstStyle/>
+        <a:p>
+          <a:pPr latinLnBrk="1"/>
+          <a:endParaRPr lang="ko-KR" altLang="en-US"/>
+        </a:p>
+      </dgm:t>
     </dgm:pt>
     <dgm:pt modelId="{250A0998-1168-4603-A80E-FDDF25F93BEB}" type="pres">
       <dgm:prSet presAssocID="{1F90660D-2D6A-475B-92B2-7C4E87174EDF}" presName="txSpace" presStyleCnt="0"/>
@@ -9010,20 +9246,28 @@
         <dgm:presLayoutVars/>
       </dgm:prSet>
       <dgm:spPr/>
+      <dgm:t>
+        <a:bodyPr/>
+        <a:lstStyle/>
+        <a:p>
+          <a:pPr latinLnBrk="1"/>
+          <a:endParaRPr lang="ko-KR" altLang="en-US"/>
+        </a:p>
+      </dgm:t>
     </dgm:pt>
   </dgm:ptLst>
   <dgm:cxnLst>
     <dgm:cxn modelId="{8DD7731C-B8CF-6841-894C-286E3D9831DD}" type="presOf" srcId="{B213630A-900B-4D25-BF71-F4BD28E39E2F}" destId="{8E4DB3C5-A208-4047-895B-B0982AEA15DF}" srcOrd="0" destOrd="0" presId="urn:microsoft.com/office/officeart/2018/5/layout/CenteredIconLabelDescriptionList"/>
-    <dgm:cxn modelId="{B9EBD55B-B644-45DE-BA12-7CBB5F41E914}" srcId="{1F90660D-2D6A-475B-92B2-7C4E87174EDF}" destId="{C030B4EB-EB45-4CA1-889C-D6DF1AC45A74}" srcOrd="0" destOrd="0" parTransId="{9ADF0334-D71B-4FB4-8BAB-97F95B4CCBBE}" sibTransId="{96480DA0-45C8-445D-88D5-64CAE23E9B0B}"/>
+    <dgm:cxn modelId="{CF40C7D4-ACD1-7448-B9B8-DCEBCD24CC4D}" type="presOf" srcId="{FAD4180E-A17A-46AF-8B73-5DE84C6FCF2B}" destId="{F599775E-8CE9-4365-B2D2-4A5F21DAEE3C}" srcOrd="0" destOrd="0" presId="urn:microsoft.com/office/officeart/2018/5/layout/CenteredIconLabelDescriptionList"/>
+    <dgm:cxn modelId="{78E8A1E8-124F-47A6-B041-EA447883FE51}" srcId="{B213630A-900B-4D25-BF71-F4BD28E39E2F}" destId="{FAD4180E-A17A-46AF-8B73-5DE84C6FCF2B}" srcOrd="0" destOrd="0" parTransId="{561D1F11-6F1D-4EAA-BDC4-FF6E0B587744}" sibTransId="{558B695F-0498-451A-AEC6-5EDD93986463}"/>
     <dgm:cxn modelId="{3BEB5796-24CE-F046-88C5-A85F2F4047BB}" type="presOf" srcId="{C87872FE-E13E-4C58-B637-E9E2BE4CC511}" destId="{F599775E-8CE9-4365-B2D2-4A5F21DAEE3C}" srcOrd="0" destOrd="1" presId="urn:microsoft.com/office/officeart/2018/5/layout/CenteredIconLabelDescriptionList"/>
     <dgm:cxn modelId="{6CFD27A5-6C83-1043-8014-40ABB94D4749}" type="presOf" srcId="{0565C547-EF4A-4D3D-8A40-46B59DD8DBCB}" destId="{F16F6EFA-D57A-434B-ADFE-30864A341945}" srcOrd="0" destOrd="0" presId="urn:microsoft.com/office/officeart/2018/5/layout/CenteredIconLabelDescriptionList"/>
+    <dgm:cxn modelId="{EFA7A2DA-1E56-4EC9-8BFC-F4CCAC539582}" srcId="{0565C547-EF4A-4D3D-8A40-46B59DD8DBCB}" destId="{B213630A-900B-4D25-BF71-F4BD28E39E2F}" srcOrd="0" destOrd="0" parTransId="{66A1B8D8-E207-43BF-9184-6FEA22EEC214}" sibTransId="{D1DA4D27-5F3A-4AFF-9C00-91816F216048}"/>
+    <dgm:cxn modelId="{B9EBD55B-B644-45DE-BA12-7CBB5F41E914}" srcId="{1F90660D-2D6A-475B-92B2-7C4E87174EDF}" destId="{C030B4EB-EB45-4CA1-889C-D6DF1AC45A74}" srcOrd="0" destOrd="0" parTransId="{9ADF0334-D71B-4FB4-8BAB-97F95B4CCBBE}" sibTransId="{96480DA0-45C8-445D-88D5-64CAE23E9B0B}"/>
     <dgm:cxn modelId="{87834CB2-8D34-F841-9228-D0776556B52B}" type="presOf" srcId="{1F90660D-2D6A-475B-92B2-7C4E87174EDF}" destId="{CA5512F6-A1A9-4B6C-BF72-CF5C01211E8C}" srcOrd="0" destOrd="0" presId="urn:microsoft.com/office/officeart/2018/5/layout/CenteredIconLabelDescriptionList"/>
+    <dgm:cxn modelId="{EAF7A8DD-CABB-104D-843D-193C2D2D45E8}" type="presOf" srcId="{C030B4EB-EB45-4CA1-889C-D6DF1AC45A74}" destId="{A81FBD50-24DC-44DE-B1C9-1E26EEBA386C}" srcOrd="0" destOrd="0" presId="urn:microsoft.com/office/officeart/2018/5/layout/CenteredIconLabelDescriptionList"/>
+    <dgm:cxn modelId="{492197BA-89B9-4480-91AD-C46CD4658276}" srcId="{0565C547-EF4A-4D3D-8A40-46B59DD8DBCB}" destId="{1F90660D-2D6A-475B-92B2-7C4E87174EDF}" srcOrd="1" destOrd="0" parTransId="{FF483FA8-8FEA-491C-87AE-4C99E0E5FE08}" sibTransId="{93A8A6F2-2938-4804-B76F-F6B6D7B10924}"/>
     <dgm:cxn modelId="{238DC1B4-9D4E-43CF-AF93-269E1CDCF4F6}" srcId="{B213630A-900B-4D25-BF71-F4BD28E39E2F}" destId="{C87872FE-E13E-4C58-B637-E9E2BE4CC511}" srcOrd="1" destOrd="0" parTransId="{E6B55D50-265B-4334-97F8-B22BEADB9D68}" sibTransId="{9B48A610-5BE5-4A37-BE70-B72267EF986E}"/>
-    <dgm:cxn modelId="{492197BA-89B9-4480-91AD-C46CD4658276}" srcId="{0565C547-EF4A-4D3D-8A40-46B59DD8DBCB}" destId="{1F90660D-2D6A-475B-92B2-7C4E87174EDF}" srcOrd="1" destOrd="0" parTransId="{FF483FA8-8FEA-491C-87AE-4C99E0E5FE08}" sibTransId="{93A8A6F2-2938-4804-B76F-F6B6D7B10924}"/>
-    <dgm:cxn modelId="{CF40C7D4-ACD1-7448-B9B8-DCEBCD24CC4D}" type="presOf" srcId="{FAD4180E-A17A-46AF-8B73-5DE84C6FCF2B}" destId="{F599775E-8CE9-4365-B2D2-4A5F21DAEE3C}" srcOrd="0" destOrd="0" presId="urn:microsoft.com/office/officeart/2018/5/layout/CenteredIconLabelDescriptionList"/>
-    <dgm:cxn modelId="{EFA7A2DA-1E56-4EC9-8BFC-F4CCAC539582}" srcId="{0565C547-EF4A-4D3D-8A40-46B59DD8DBCB}" destId="{B213630A-900B-4D25-BF71-F4BD28E39E2F}" srcOrd="0" destOrd="0" parTransId="{66A1B8D8-E207-43BF-9184-6FEA22EEC214}" sibTransId="{D1DA4D27-5F3A-4AFF-9C00-91816F216048}"/>
-    <dgm:cxn modelId="{EAF7A8DD-CABB-104D-843D-193C2D2D45E8}" type="presOf" srcId="{C030B4EB-EB45-4CA1-889C-D6DF1AC45A74}" destId="{A81FBD50-24DC-44DE-B1C9-1E26EEBA386C}" srcOrd="0" destOrd="0" presId="urn:microsoft.com/office/officeart/2018/5/layout/CenteredIconLabelDescriptionList"/>
-    <dgm:cxn modelId="{78E8A1E8-124F-47A6-B041-EA447883FE51}" srcId="{B213630A-900B-4D25-BF71-F4BD28E39E2F}" destId="{FAD4180E-A17A-46AF-8B73-5DE84C6FCF2B}" srcOrd="0" destOrd="0" parTransId="{561D1F11-6F1D-4EAA-BDC4-FF6E0B587744}" sibTransId="{558B695F-0498-451A-AEC6-5EDD93986463}"/>
     <dgm:cxn modelId="{7C1CAF04-EE38-264F-9B06-937DF090C6E5}" type="presParOf" srcId="{F16F6EFA-D57A-434B-ADFE-30864A341945}" destId="{7812BB24-DFC7-48AE-86BB-084D96B8C851}" srcOrd="0" destOrd="0" presId="urn:microsoft.com/office/officeart/2018/5/layout/CenteredIconLabelDescriptionList"/>
     <dgm:cxn modelId="{4CE2816B-F4EA-414B-AC30-AA3E3B1D908A}" type="presParOf" srcId="{7812BB24-DFC7-48AE-86BB-084D96B8C851}" destId="{41448BBF-E0E3-4F66-807D-FDB5A33FF6EB}" srcOrd="0" destOrd="0" presId="urn:microsoft.com/office/officeart/2018/5/layout/CenteredIconLabelDescriptionList"/>
     <dgm:cxn modelId="{F35D59C0-0217-A44A-B546-2E7F024630CD}" type="presParOf" srcId="{7812BB24-DFC7-48AE-86BB-084D96B8C851}" destId="{B31FA2D2-173C-49F4-AD6E-59B54CC393AA}" srcOrd="1" destOrd="0" presId="urn:microsoft.com/office/officeart/2018/5/layout/CenteredIconLabelDescriptionList"/>
@@ -9042,7 +9286,7 @@
   <dgm:whole/>
   <dgm:extLst>
     <a:ext uri="http://schemas.microsoft.com/office/drawing/2008/diagram">
-      <dsp:dataModelExt xmlns:dsp="http://schemas.microsoft.com/office/drawing/2008/diagram" relId="rId6" minVer="http://schemas.openxmlformats.org/drawingml/2006/diagram"/>
+      <dsp:dataModelExt xmlns:dsp="http://schemas.microsoft.com/office/drawing/2008/diagram" relId="rId7" minVer="http://schemas.openxmlformats.org/drawingml/2006/diagram"/>
     </a:ext>
   </dgm:extLst>
 </dgm:dataModel>
@@ -9544,6 +9788,14 @@
         </dgm:presLayoutVars>
       </dgm:prSet>
       <dgm:spPr/>
+      <dgm:t>
+        <a:bodyPr/>
+        <a:lstStyle/>
+        <a:p>
+          <a:pPr latinLnBrk="1"/>
+          <a:endParaRPr lang="ko-KR" altLang="en-US"/>
+        </a:p>
+      </dgm:t>
     </dgm:pt>
     <dgm:pt modelId="{C01EC3E8-190C-4154-B124-8CEAA27B39C3}" type="pres">
       <dgm:prSet presAssocID="{C7F7DDA0-037C-4640-97D6-68466355B160}" presName="compNode" presStyleCnt="0"/>
@@ -9559,7 +9811,7 @@
                 <a14:useLocalDpi xmlns:a14="http://schemas.microsoft.com/office/drawing/2010/main" val="0"/>
               </a:ext>
               <a:ext uri="{96DAC541-7B7A-43D3-8B79-37D633B846F1}">
-                <asvg:svgBlip xmlns:asvg="http://schemas.microsoft.com/office/drawing/2016/SVG/main" r:embed="rId2"/>
+                <asvg:svgBlip xmlns:asvg="http://schemas.microsoft.com/office/drawing/2016/SVG/main" xmlns="" r:embed="rId2"/>
               </a:ext>
             </a:extLst>
           </a:blip>
@@ -9589,6 +9841,14 @@
         </dgm:presLayoutVars>
       </dgm:prSet>
       <dgm:spPr/>
+      <dgm:t>
+        <a:bodyPr/>
+        <a:lstStyle/>
+        <a:p>
+          <a:pPr latinLnBrk="1"/>
+          <a:endParaRPr lang="ko-KR" altLang="en-US"/>
+        </a:p>
+      </dgm:t>
     </dgm:pt>
     <dgm:pt modelId="{CEC10CE1-826D-471E-8CC1-48D205BD9594}" type="pres">
       <dgm:prSet presAssocID="{C7F7DDA0-037C-4640-97D6-68466355B160}" presName="txSpace" presStyleCnt="0"/>
@@ -9599,6 +9859,14 @@
         <dgm:presLayoutVars/>
       </dgm:prSet>
       <dgm:spPr/>
+      <dgm:t>
+        <a:bodyPr/>
+        <a:lstStyle/>
+        <a:p>
+          <a:pPr latinLnBrk="1"/>
+          <a:endParaRPr lang="ko-KR" altLang="en-US"/>
+        </a:p>
+      </dgm:t>
     </dgm:pt>
     <dgm:pt modelId="{EC88B317-80FE-4309-929B-54B373591059}" type="pres">
       <dgm:prSet presAssocID="{DD4FF671-FDDA-4CBA-84E7-E48425C0F791}" presName="sibTrans" presStyleCnt="0"/>
@@ -9615,7 +9883,7 @@
           <a:blip xmlns:r="http://schemas.openxmlformats.org/officeDocument/2006/relationships" r:embed="rId3">
             <a:extLst>
               <a:ext uri="{96DAC541-7B7A-43D3-8B79-37D633B846F1}">
-                <asvg:svgBlip xmlns:asvg="http://schemas.microsoft.com/office/drawing/2016/SVG/main" r:embed="rId4"/>
+                <asvg:svgBlip xmlns:asvg="http://schemas.microsoft.com/office/drawing/2016/SVG/main" xmlns="" r:embed="rId4"/>
               </a:ext>
             </a:extLst>
           </a:blip>
@@ -9646,6 +9914,14 @@
         </dgm:presLayoutVars>
       </dgm:prSet>
       <dgm:spPr/>
+      <dgm:t>
+        <a:bodyPr/>
+        <a:lstStyle/>
+        <a:p>
+          <a:pPr latinLnBrk="1"/>
+          <a:endParaRPr lang="ko-KR" altLang="en-US"/>
+        </a:p>
+      </dgm:t>
     </dgm:pt>
     <dgm:pt modelId="{C51C32B6-273E-4BBC-8D8A-64DB1F31EDF3}" type="pres">
       <dgm:prSet presAssocID="{CB182CA1-3F97-4825-A327-EB134802CC2B}" presName="txSpace" presStyleCnt="0"/>
@@ -9656,6 +9932,14 @@
         <dgm:presLayoutVars/>
       </dgm:prSet>
       <dgm:spPr/>
+      <dgm:t>
+        <a:bodyPr/>
+        <a:lstStyle/>
+        <a:p>
+          <a:pPr latinLnBrk="1"/>
+          <a:endParaRPr lang="ko-KR" altLang="en-US"/>
+        </a:p>
+      </dgm:t>
     </dgm:pt>
     <dgm:pt modelId="{F5FCCC9B-BD08-46F8-A199-44AF2C64CD8F}" type="pres">
       <dgm:prSet presAssocID="{E4685712-20A7-4EAF-A415-9A26EFC930DC}" presName="sibTrans" presStyleCnt="0"/>
@@ -9675,7 +9959,7 @@
                 <a14:useLocalDpi xmlns:a14="http://schemas.microsoft.com/office/drawing/2010/main" val="0"/>
               </a:ext>
               <a:ext uri="{96DAC541-7B7A-43D3-8B79-37D633B846F1}">
-                <asvg:svgBlip xmlns:asvg="http://schemas.microsoft.com/office/drawing/2016/SVG/main" r:embed="rId6"/>
+                <asvg:svgBlip xmlns:asvg="http://schemas.microsoft.com/office/drawing/2016/SVG/main" xmlns="" r:embed="rId6"/>
               </a:ext>
             </a:extLst>
           </a:blip>
@@ -9706,6 +9990,14 @@
         </dgm:presLayoutVars>
       </dgm:prSet>
       <dgm:spPr/>
+      <dgm:t>
+        <a:bodyPr/>
+        <a:lstStyle/>
+        <a:p>
+          <a:pPr latinLnBrk="1"/>
+          <a:endParaRPr lang="ko-KR" altLang="en-US"/>
+        </a:p>
+      </dgm:t>
     </dgm:pt>
     <dgm:pt modelId="{3B289A74-3FE5-435A-A1D5-E2F4A336D321}" type="pres">
       <dgm:prSet presAssocID="{B301ED15-F8F8-490C-A7D2-E38A6DD3F6D2}" presName="txSpace" presStyleCnt="0"/>
@@ -9716,6 +10008,14 @@
         <dgm:presLayoutVars/>
       </dgm:prSet>
       <dgm:spPr/>
+      <dgm:t>
+        <a:bodyPr/>
+        <a:lstStyle/>
+        <a:p>
+          <a:pPr latinLnBrk="1"/>
+          <a:endParaRPr lang="ko-KR" altLang="en-US"/>
+        </a:p>
+      </dgm:t>
     </dgm:pt>
     <dgm:pt modelId="{2D4CBCEE-921C-4082-9FC3-DD752493B189}" type="pres">
       <dgm:prSet presAssocID="{BF587210-3B06-47F4-97E4-2FC07778CEBD}" presName="sibTrans" presStyleCnt="0"/>
@@ -9732,7 +10032,7 @@
           <a:blip xmlns:r="http://schemas.openxmlformats.org/officeDocument/2006/relationships" r:embed="rId7">
             <a:extLst>
               <a:ext uri="{96DAC541-7B7A-43D3-8B79-37D633B846F1}">
-                <asvg:svgBlip xmlns:asvg="http://schemas.microsoft.com/office/drawing/2016/SVG/main" r:embed="rId8"/>
+                <asvg:svgBlip xmlns:asvg="http://schemas.microsoft.com/office/drawing/2016/SVG/main" xmlns="" r:embed="rId8"/>
               </a:ext>
             </a:extLst>
           </a:blip>
@@ -9763,6 +10063,14 @@
         </dgm:presLayoutVars>
       </dgm:prSet>
       <dgm:spPr/>
+      <dgm:t>
+        <a:bodyPr/>
+        <a:lstStyle/>
+        <a:p>
+          <a:pPr latinLnBrk="1"/>
+          <a:endParaRPr lang="ko-KR" altLang="en-US"/>
+        </a:p>
+      </dgm:t>
     </dgm:pt>
     <dgm:pt modelId="{679FDBD3-666A-4222-972F-62D76F91AC35}" type="pres">
       <dgm:prSet presAssocID="{2E0ACAAC-5684-417B-8DF4-C7FC27BF8710}" presName="txSpace" presStyleCnt="0"/>
@@ -9773,6 +10081,14 @@
         <dgm:presLayoutVars/>
       </dgm:prSet>
       <dgm:spPr/>
+      <dgm:t>
+        <a:bodyPr/>
+        <a:lstStyle/>
+        <a:p>
+          <a:pPr latinLnBrk="1"/>
+          <a:endParaRPr lang="ko-KR" altLang="en-US"/>
+        </a:p>
+      </dgm:t>
     </dgm:pt>
     <dgm:pt modelId="{E5BF4527-5914-44FD-A6D2-DFB330F22EEE}" type="pres">
       <dgm:prSet presAssocID="{0F34DEE0-A4D8-4912-A781-DEBC18982588}" presName="sibTrans" presStyleCnt="0"/>
@@ -9792,7 +10108,7 @@
                 <a14:useLocalDpi xmlns:a14="http://schemas.microsoft.com/office/drawing/2010/main" val="0"/>
               </a:ext>
               <a:ext uri="{96DAC541-7B7A-43D3-8B79-37D633B846F1}">
-                <asvg:svgBlip xmlns:asvg="http://schemas.microsoft.com/office/drawing/2016/SVG/main" r:embed="rId10"/>
+                <asvg:svgBlip xmlns:asvg="http://schemas.microsoft.com/office/drawing/2016/SVG/main" xmlns="" r:embed="rId10"/>
               </a:ext>
             </a:extLst>
           </a:blip>
@@ -9822,6 +10138,14 @@
         </dgm:presLayoutVars>
       </dgm:prSet>
       <dgm:spPr/>
+      <dgm:t>
+        <a:bodyPr/>
+        <a:lstStyle/>
+        <a:p>
+          <a:pPr latinLnBrk="1"/>
+          <a:endParaRPr lang="ko-KR" altLang="en-US"/>
+        </a:p>
+      </dgm:t>
     </dgm:pt>
     <dgm:pt modelId="{3E9E8CF2-521E-4C96-AABB-E3638F8D5F17}" type="pres">
       <dgm:prSet presAssocID="{B9837ADF-0E24-45EB-BB89-9F6C0179E539}" presName="txSpace" presStyleCnt="0"/>
@@ -9832,30 +10156,38 @@
         <dgm:presLayoutVars/>
       </dgm:prSet>
       <dgm:spPr/>
+      <dgm:t>
+        <a:bodyPr/>
+        <a:lstStyle/>
+        <a:p>
+          <a:pPr latinLnBrk="1"/>
+          <a:endParaRPr lang="ko-KR" altLang="en-US"/>
+        </a:p>
+      </dgm:t>
     </dgm:pt>
   </dgm:ptLst>
   <dgm:cxnLst>
     <dgm:cxn modelId="{36B1D330-B5F4-40CF-8210-2817237F0000}" srcId="{43F9F37F-4C60-4B39-8578-7C1E891F9E41}" destId="{B301ED15-F8F8-490C-A7D2-E38A6DD3F6D2}" srcOrd="2" destOrd="0" parTransId="{8F5F755C-B086-4470-91AF-67C7D20DF334}" sibTransId="{BF587210-3B06-47F4-97E4-2FC07778CEBD}"/>
+    <dgm:cxn modelId="{996D5BF0-DCA6-2E42-B76E-0E1C8E30F9C2}" type="presOf" srcId="{598C1CA3-E1AE-4D80-BBDD-FE96018C1EEA}" destId="{E6DA1C23-1443-4E28-969F-960BC2C28ED1}" srcOrd="0" destOrd="0" presId="urn:microsoft.com/office/officeart/2018/5/layout/CenteredIconLabelDescriptionList"/>
+    <dgm:cxn modelId="{4C59E265-D36B-4A92-B21B-FCEE31623FDF}" srcId="{43F9F37F-4C60-4B39-8578-7C1E891F9E41}" destId="{CB182CA1-3F97-4825-A327-EB134802CC2B}" srcOrd="1" destOrd="0" parTransId="{93EAD4C6-F90E-4C38-B9E6-6DCB1A695401}" sibTransId="{E4685712-20A7-4EAF-A415-9A26EFC930DC}"/>
+    <dgm:cxn modelId="{DF5144AB-5B35-45E9-ADFB-32612A790A1F}" srcId="{2E0ACAAC-5684-417B-8DF4-C7FC27BF8710}" destId="{3BDAB581-2B5A-4C25-BE61-24A4BD3F1A79}" srcOrd="0" destOrd="0" parTransId="{71F2154B-A902-48C8-83F8-904D57E3C23C}" sibTransId="{8269DE06-1401-43B6-AB5B-395FF932034A}"/>
+    <dgm:cxn modelId="{BF3B88AC-3595-4430-BC55-8C5970F887B0}" srcId="{43F9F37F-4C60-4B39-8578-7C1E891F9E41}" destId="{C7F7DDA0-037C-4640-97D6-68466355B160}" srcOrd="0" destOrd="0" parTransId="{26B765D8-2051-4B11-97EB-D719887CE3AA}" sibTransId="{DD4FF671-FDDA-4CBA-84E7-E48425C0F791}"/>
+    <dgm:cxn modelId="{DF65789E-A856-F845-A608-7C3FF7C215A8}" type="presOf" srcId="{CB182CA1-3F97-4825-A327-EB134802CC2B}" destId="{2B8FA94D-C41F-488C-89AB-089C554F261E}" srcOrd="0" destOrd="0" presId="urn:microsoft.com/office/officeart/2018/5/layout/CenteredIconLabelDescriptionList"/>
+    <dgm:cxn modelId="{AECDD7A5-492C-9E4A-99D1-529F7078ED00}" type="presOf" srcId="{43F9F37F-4C60-4B39-8578-7C1E891F9E41}" destId="{D4F66D34-05FC-4B1C-8242-21FD9996DBCF}" srcOrd="0" destOrd="0" presId="urn:microsoft.com/office/officeart/2018/5/layout/CenteredIconLabelDescriptionList"/>
+    <dgm:cxn modelId="{C87613B1-1A5E-EC4E-91B4-13B26B41282D}" type="presOf" srcId="{2E0ACAAC-5684-417B-8DF4-C7FC27BF8710}" destId="{4CF1224D-87F5-4FBA-961B-60ABCA104DAD}" srcOrd="0" destOrd="0" presId="urn:microsoft.com/office/officeart/2018/5/layout/CenteredIconLabelDescriptionList"/>
+    <dgm:cxn modelId="{09E0F8F3-FD95-9446-B7B0-800B218CAD3B}" type="presOf" srcId="{BE7230CD-517C-4D31-A787-85807FF08AFC}" destId="{A185CBE3-E4BF-43F3-B58C-965353F2600E}" srcOrd="0" destOrd="0" presId="urn:microsoft.com/office/officeart/2018/5/layout/CenteredIconLabelDescriptionList"/>
+    <dgm:cxn modelId="{741FF6A9-9052-4C7A-89CC-D4B0E8DE2240}" srcId="{43F9F37F-4C60-4B39-8578-7C1E891F9E41}" destId="{2E0ACAAC-5684-417B-8DF4-C7FC27BF8710}" srcOrd="3" destOrd="0" parTransId="{7E601AD6-815C-4228-B52C-EA548E729AAD}" sibTransId="{0F34DEE0-A4D8-4912-A781-DEBC18982588}"/>
+    <dgm:cxn modelId="{04D32BE6-7960-3F42-B29B-7C1CACCC2C50}" type="presOf" srcId="{2ED014A0-BF5A-42CA-BF0D-601B91338B8C}" destId="{830A7EFE-CD82-4AED-AD57-8CE2132D4C29}" srcOrd="0" destOrd="0" presId="urn:microsoft.com/office/officeart/2018/5/layout/CenteredIconLabelDescriptionList"/>
+    <dgm:cxn modelId="{D2A2F19F-A523-CA42-9764-82DF6A2A35C6}" type="presOf" srcId="{C7F7DDA0-037C-4640-97D6-68466355B160}" destId="{B1A46A3C-9907-42AA-BF1F-4E5DD7DE7CF9}" srcOrd="0" destOrd="0" presId="urn:microsoft.com/office/officeart/2018/5/layout/CenteredIconLabelDescriptionList"/>
     <dgm:cxn modelId="{8A43CF31-A57C-254E-B2F4-302C9C53CE2B}" type="presOf" srcId="{B301ED15-F8F8-490C-A7D2-E38A6DD3F6D2}" destId="{8691CB62-8BC7-4D19-80BD-964E3793DF37}" srcOrd="0" destOrd="0" presId="urn:microsoft.com/office/officeart/2018/5/layout/CenteredIconLabelDescriptionList"/>
     <dgm:cxn modelId="{24A9AA55-3159-8441-8DE0-C7216F31A394}" type="presOf" srcId="{DC22A0DC-FA41-4087-AFAB-FF72779FD176}" destId="{49980A0A-61AE-448C-89F9-3E45B4058D76}" srcOrd="0" destOrd="0" presId="urn:microsoft.com/office/officeart/2018/5/layout/CenteredIconLabelDescriptionList"/>
-    <dgm:cxn modelId="{4C59E265-D36B-4A92-B21B-FCEE31623FDF}" srcId="{43F9F37F-4C60-4B39-8578-7C1E891F9E41}" destId="{CB182CA1-3F97-4825-A327-EB134802CC2B}" srcOrd="1" destOrd="0" parTransId="{93EAD4C6-F90E-4C38-B9E6-6DCB1A695401}" sibTransId="{E4685712-20A7-4EAF-A415-9A26EFC930DC}"/>
+    <dgm:cxn modelId="{1B3A1DBF-CDF6-45BF-B4AB-5E8534D559A1}" srcId="{CB182CA1-3F97-4825-A327-EB134802CC2B}" destId="{598C1CA3-E1AE-4D80-BBDD-FE96018C1EEA}" srcOrd="0" destOrd="0" parTransId="{C484F9B4-73D4-45DB-8F34-D5E478637109}" sibTransId="{45E6A954-E64C-44E4-A719-3FC8EA22BCE0}"/>
     <dgm:cxn modelId="{BEAF4D73-AA63-4240-BB02-CD7E45986FAF}" type="presOf" srcId="{B9837ADF-0E24-45EB-BB89-9F6C0179E539}" destId="{C5669891-36E6-405B-95EF-83907B6FA45B}" srcOrd="0" destOrd="0" presId="urn:microsoft.com/office/officeart/2018/5/layout/CenteredIconLabelDescriptionList"/>
+    <dgm:cxn modelId="{4093B699-84CD-4023-BE98-FFACE1EDE76C}" srcId="{B301ED15-F8F8-490C-A7D2-E38A6DD3F6D2}" destId="{BE7230CD-517C-4D31-A787-85807FF08AFC}" srcOrd="0" destOrd="0" parTransId="{D91F89DE-7A2D-497A-9BE7-EBAB7D02E099}" sibTransId="{948389B3-7374-4A9C-B186-4BF5BF1641A0}"/>
+    <dgm:cxn modelId="{3B8337CA-CEB3-DA49-93DF-FD3FBBDE77B3}" type="presOf" srcId="{3BDAB581-2B5A-4C25-BE61-24A4BD3F1A79}" destId="{0DAAA7CF-962A-4682-A108-282A84F007C3}" srcOrd="0" destOrd="0" presId="urn:microsoft.com/office/officeart/2018/5/layout/CenteredIconLabelDescriptionList"/>
+    <dgm:cxn modelId="{7312F9AA-EC51-4706-B532-E59D80D00071}" srcId="{C7F7DDA0-037C-4640-97D6-68466355B160}" destId="{2ED014A0-BF5A-42CA-BF0D-601B91338B8C}" srcOrd="0" destOrd="0" parTransId="{2712304F-8817-4A6A-A485-AB7403E876B9}" sibTransId="{69908AA4-19CF-4267-8303-BA71E7DC0004}"/>
     <dgm:cxn modelId="{F3C68993-62A9-4C20-8BB4-DF4FF34E37F9}" srcId="{B9837ADF-0E24-45EB-BB89-9F6C0179E539}" destId="{DC22A0DC-FA41-4087-AFAB-FF72779FD176}" srcOrd="0" destOrd="0" parTransId="{3051C198-83E6-4A10-B695-81632E07C1AF}" sibTransId="{FBD31F53-0EDF-4B97-83D7-A1F496E01287}"/>
-    <dgm:cxn modelId="{4093B699-84CD-4023-BE98-FFACE1EDE76C}" srcId="{B301ED15-F8F8-490C-A7D2-E38A6DD3F6D2}" destId="{BE7230CD-517C-4D31-A787-85807FF08AFC}" srcOrd="0" destOrd="0" parTransId="{D91F89DE-7A2D-497A-9BE7-EBAB7D02E099}" sibTransId="{948389B3-7374-4A9C-B186-4BF5BF1641A0}"/>
-    <dgm:cxn modelId="{DF65789E-A856-F845-A608-7C3FF7C215A8}" type="presOf" srcId="{CB182CA1-3F97-4825-A327-EB134802CC2B}" destId="{2B8FA94D-C41F-488C-89AB-089C554F261E}" srcOrd="0" destOrd="0" presId="urn:microsoft.com/office/officeart/2018/5/layout/CenteredIconLabelDescriptionList"/>
-    <dgm:cxn modelId="{D2A2F19F-A523-CA42-9764-82DF6A2A35C6}" type="presOf" srcId="{C7F7DDA0-037C-4640-97D6-68466355B160}" destId="{B1A46A3C-9907-42AA-BF1F-4E5DD7DE7CF9}" srcOrd="0" destOrd="0" presId="urn:microsoft.com/office/officeart/2018/5/layout/CenteredIconLabelDescriptionList"/>
-    <dgm:cxn modelId="{AECDD7A5-492C-9E4A-99D1-529F7078ED00}" type="presOf" srcId="{43F9F37F-4C60-4B39-8578-7C1E891F9E41}" destId="{D4F66D34-05FC-4B1C-8242-21FD9996DBCF}" srcOrd="0" destOrd="0" presId="urn:microsoft.com/office/officeart/2018/5/layout/CenteredIconLabelDescriptionList"/>
-    <dgm:cxn modelId="{741FF6A9-9052-4C7A-89CC-D4B0E8DE2240}" srcId="{43F9F37F-4C60-4B39-8578-7C1E891F9E41}" destId="{2E0ACAAC-5684-417B-8DF4-C7FC27BF8710}" srcOrd="3" destOrd="0" parTransId="{7E601AD6-815C-4228-B52C-EA548E729AAD}" sibTransId="{0F34DEE0-A4D8-4912-A781-DEBC18982588}"/>
-    <dgm:cxn modelId="{7312F9AA-EC51-4706-B532-E59D80D00071}" srcId="{C7F7DDA0-037C-4640-97D6-68466355B160}" destId="{2ED014A0-BF5A-42CA-BF0D-601B91338B8C}" srcOrd="0" destOrd="0" parTransId="{2712304F-8817-4A6A-A485-AB7403E876B9}" sibTransId="{69908AA4-19CF-4267-8303-BA71E7DC0004}"/>
-    <dgm:cxn modelId="{DF5144AB-5B35-45E9-ADFB-32612A790A1F}" srcId="{2E0ACAAC-5684-417B-8DF4-C7FC27BF8710}" destId="{3BDAB581-2B5A-4C25-BE61-24A4BD3F1A79}" srcOrd="0" destOrd="0" parTransId="{71F2154B-A902-48C8-83F8-904D57E3C23C}" sibTransId="{8269DE06-1401-43B6-AB5B-395FF932034A}"/>
-    <dgm:cxn modelId="{BF3B88AC-3595-4430-BC55-8C5970F887B0}" srcId="{43F9F37F-4C60-4B39-8578-7C1E891F9E41}" destId="{C7F7DDA0-037C-4640-97D6-68466355B160}" srcOrd="0" destOrd="0" parTransId="{26B765D8-2051-4B11-97EB-D719887CE3AA}" sibTransId="{DD4FF671-FDDA-4CBA-84E7-E48425C0F791}"/>
-    <dgm:cxn modelId="{C87613B1-1A5E-EC4E-91B4-13B26B41282D}" type="presOf" srcId="{2E0ACAAC-5684-417B-8DF4-C7FC27BF8710}" destId="{4CF1224D-87F5-4FBA-961B-60ABCA104DAD}" srcOrd="0" destOrd="0" presId="urn:microsoft.com/office/officeart/2018/5/layout/CenteredIconLabelDescriptionList"/>
-    <dgm:cxn modelId="{1B3A1DBF-CDF6-45BF-B4AB-5E8534D559A1}" srcId="{CB182CA1-3F97-4825-A327-EB134802CC2B}" destId="{598C1CA3-E1AE-4D80-BBDD-FE96018C1EEA}" srcOrd="0" destOrd="0" parTransId="{C484F9B4-73D4-45DB-8F34-D5E478637109}" sibTransId="{45E6A954-E64C-44E4-A719-3FC8EA22BCE0}"/>
     <dgm:cxn modelId="{588582C2-3FAF-4BD1-AE74-8E9B5B9B5F28}" srcId="{43F9F37F-4C60-4B39-8578-7C1E891F9E41}" destId="{B9837ADF-0E24-45EB-BB89-9F6C0179E539}" srcOrd="4" destOrd="0" parTransId="{C7FC9A0B-D5E2-43DC-98B8-1A2E0A5A2F25}" sibTransId="{E919FEF5-D810-4E7C-9759-EA32DDBC6141}"/>
-    <dgm:cxn modelId="{3B8337CA-CEB3-DA49-93DF-FD3FBBDE77B3}" type="presOf" srcId="{3BDAB581-2B5A-4C25-BE61-24A4BD3F1A79}" destId="{0DAAA7CF-962A-4682-A108-282A84F007C3}" srcOrd="0" destOrd="0" presId="urn:microsoft.com/office/officeart/2018/5/layout/CenteredIconLabelDescriptionList"/>
-    <dgm:cxn modelId="{04D32BE6-7960-3F42-B29B-7C1CACCC2C50}" type="presOf" srcId="{2ED014A0-BF5A-42CA-BF0D-601B91338B8C}" destId="{830A7EFE-CD82-4AED-AD57-8CE2132D4C29}" srcOrd="0" destOrd="0" presId="urn:microsoft.com/office/officeart/2018/5/layout/CenteredIconLabelDescriptionList"/>
-    <dgm:cxn modelId="{996D5BF0-DCA6-2E42-B76E-0E1C8E30F9C2}" type="presOf" srcId="{598C1CA3-E1AE-4D80-BBDD-FE96018C1EEA}" destId="{E6DA1C23-1443-4E28-969F-960BC2C28ED1}" srcOrd="0" destOrd="0" presId="urn:microsoft.com/office/officeart/2018/5/layout/CenteredIconLabelDescriptionList"/>
-    <dgm:cxn modelId="{09E0F8F3-FD95-9446-B7B0-800B218CAD3B}" type="presOf" srcId="{BE7230CD-517C-4D31-A787-85807FF08AFC}" destId="{A185CBE3-E4BF-43F3-B58C-965353F2600E}" srcOrd="0" destOrd="0" presId="urn:microsoft.com/office/officeart/2018/5/layout/CenteredIconLabelDescriptionList"/>
     <dgm:cxn modelId="{4368F2E4-7202-A745-8993-AD2D293D8115}" type="presParOf" srcId="{D4F66D34-05FC-4B1C-8242-21FD9996DBCF}" destId="{C01EC3E8-190C-4154-B124-8CEAA27B39C3}" srcOrd="0" destOrd="0" presId="urn:microsoft.com/office/officeart/2018/5/layout/CenteredIconLabelDescriptionList"/>
     <dgm:cxn modelId="{6DDC7F74-6AFD-C04C-A1A4-8AD9939CDDDA}" type="presParOf" srcId="{C01EC3E8-190C-4154-B124-8CEAA27B39C3}" destId="{77DAC096-6C27-4E09-BB82-74F6DD0D6FA2}" srcOrd="0" destOrd="0" presId="urn:microsoft.com/office/officeart/2018/5/layout/CenteredIconLabelDescriptionList"/>
     <dgm:cxn modelId="{70DB787F-E135-AC4E-B811-DBE731B1FB0F}" type="presParOf" srcId="{C01EC3E8-190C-4154-B124-8CEAA27B39C3}" destId="{257EB689-54FD-4F5D-A879-069F876882E3}" srcOrd="1" destOrd="0" presId="urn:microsoft.com/office/officeart/2018/5/layout/CenteredIconLabelDescriptionList"/>
@@ -9895,7 +10227,7 @@
   <dgm:whole/>
   <dgm:extLst>
     <a:ext uri="http://schemas.microsoft.com/office/drawing/2008/diagram">
-      <dsp:dataModelExt xmlns:dsp="http://schemas.microsoft.com/office/drawing/2008/diagram" relId="rId6" minVer="http://schemas.openxmlformats.org/drawingml/2006/diagram"/>
+      <dsp:dataModelExt xmlns:dsp="http://schemas.microsoft.com/office/drawing/2008/diagram" relId="rId7" minVer="http://schemas.openxmlformats.org/drawingml/2006/diagram"/>
     </a:ext>
   </dgm:extLst>
 </dgm:dataModel>
@@ -10080,6 +10412,14 @@
         </dgm:presLayoutVars>
       </dgm:prSet>
       <dgm:spPr/>
+      <dgm:t>
+        <a:bodyPr/>
+        <a:lstStyle/>
+        <a:p>
+          <a:pPr latinLnBrk="1"/>
+          <a:endParaRPr lang="ko-KR" altLang="en-US"/>
+        </a:p>
+      </dgm:t>
     </dgm:pt>
     <dgm:pt modelId="{AA2F8427-AD39-4F1C-BDCD-8F7D9607D413}" type="pres">
       <dgm:prSet presAssocID="{FEE29B23-505A-4721-89CA-6C63E7F965ED}" presName="compNode" presStyleCnt="0"/>
@@ -10092,7 +10432,7 @@
           <a:blip xmlns:r="http://schemas.openxmlformats.org/officeDocument/2006/relationships" r:embed="rId1">
             <a:extLst>
               <a:ext uri="{96DAC541-7B7A-43D3-8B79-37D633B846F1}">
-                <asvg:svgBlip xmlns:asvg="http://schemas.microsoft.com/office/drawing/2016/SVG/main" r:embed="rId2"/>
+                <asvg:svgBlip xmlns:asvg="http://schemas.microsoft.com/office/drawing/2016/SVG/main" xmlns="" r:embed="rId2"/>
               </a:ext>
             </a:extLst>
           </a:blip>
@@ -10123,6 +10463,14 @@
         </dgm:presLayoutVars>
       </dgm:prSet>
       <dgm:spPr/>
+      <dgm:t>
+        <a:bodyPr/>
+        <a:lstStyle/>
+        <a:p>
+          <a:pPr latinLnBrk="1"/>
+          <a:endParaRPr lang="ko-KR" altLang="en-US"/>
+        </a:p>
+      </dgm:t>
     </dgm:pt>
     <dgm:pt modelId="{263E3CC0-951C-49A6-8655-D2BFE16947DC}" type="pres">
       <dgm:prSet presAssocID="{FEE29B23-505A-4721-89CA-6C63E7F965ED}" presName="txSpace" presStyleCnt="0"/>
@@ -10133,6 +10481,14 @@
         <dgm:presLayoutVars/>
       </dgm:prSet>
       <dgm:spPr/>
+      <dgm:t>
+        <a:bodyPr/>
+        <a:lstStyle/>
+        <a:p>
+          <a:pPr latinLnBrk="1"/>
+          <a:endParaRPr lang="ko-KR" altLang="en-US"/>
+        </a:p>
+      </dgm:t>
     </dgm:pt>
     <dgm:pt modelId="{6FF05E39-1DC7-4950-81A8-8945C794F48C}" type="pres">
       <dgm:prSet presAssocID="{6033F7D8-EBE9-4AD8-9B91-27F497355AE4}" presName="sibTrans" presStyleCnt="0"/>
@@ -10149,7 +10505,7 @@
           <a:blip xmlns:r="http://schemas.openxmlformats.org/officeDocument/2006/relationships" r:embed="rId3">
             <a:extLst>
               <a:ext uri="{96DAC541-7B7A-43D3-8B79-37D633B846F1}">
-                <asvg:svgBlip xmlns:asvg="http://schemas.microsoft.com/office/drawing/2016/SVG/main" r:embed="rId4"/>
+                <asvg:svgBlip xmlns:asvg="http://schemas.microsoft.com/office/drawing/2016/SVG/main" xmlns="" r:embed="rId4"/>
               </a:ext>
             </a:extLst>
           </a:blip>
@@ -10180,6 +10536,14 @@
         </dgm:presLayoutVars>
       </dgm:prSet>
       <dgm:spPr/>
+      <dgm:t>
+        <a:bodyPr/>
+        <a:lstStyle/>
+        <a:p>
+          <a:pPr latinLnBrk="1"/>
+          <a:endParaRPr lang="ko-KR" altLang="en-US"/>
+        </a:p>
+      </dgm:t>
     </dgm:pt>
     <dgm:pt modelId="{F5AA37CF-B5AA-467F-B989-2C61DB4439FF}" type="pres">
       <dgm:prSet presAssocID="{6CC4C14D-DAB7-40D3-B974-DAC92D8ADEDF}" presName="txSpace" presStyleCnt="0"/>
@@ -10190,18 +10554,26 @@
         <dgm:presLayoutVars/>
       </dgm:prSet>
       <dgm:spPr/>
+      <dgm:t>
+        <a:bodyPr/>
+        <a:lstStyle/>
+        <a:p>
+          <a:pPr latinLnBrk="1"/>
+          <a:endParaRPr lang="ko-KR" altLang="en-US"/>
+        </a:p>
+      </dgm:t>
     </dgm:pt>
   </dgm:ptLst>
   <dgm:cxnLst>
+    <dgm:cxn modelId="{B31768DC-5BED-472B-BDC2-C542B748230E}" type="presOf" srcId="{6CC4C14D-DAB7-40D3-B974-DAC92D8ADEDF}" destId="{FEAAC3BF-2416-4709-AD5B-C92C9B031B52}" srcOrd="0" destOrd="0" presId="urn:microsoft.com/office/officeart/2018/5/layout/CenteredIconLabelDescriptionList"/>
+    <dgm:cxn modelId="{8CBBDEB1-8282-424F-AD17-A12973C2274A}" type="presOf" srcId="{DF0E4429-C7A5-4C74-B141-C387746D4B63}" destId="{78B2D79F-5EA1-473E-B172-2399612AF92B}" srcOrd="0" destOrd="0" presId="urn:microsoft.com/office/officeart/2018/5/layout/CenteredIconLabelDescriptionList"/>
+    <dgm:cxn modelId="{5D0A63DD-B3DA-47FC-9167-38365F2815C0}" type="presOf" srcId="{FEE29B23-505A-4721-89CA-6C63E7F965ED}" destId="{12062AE3-C41E-484E-BAAE-0F3D1A815E72}" srcOrd="0" destOrd="0" presId="urn:microsoft.com/office/officeart/2018/5/layout/CenteredIconLabelDescriptionList"/>
+    <dgm:cxn modelId="{A4ABEEA8-E877-412C-9BE1-7F06EABE9C4D}" type="presOf" srcId="{9CBE7A1D-C705-4FDD-B566-603E4C7E2989}" destId="{867C46CD-EBC3-4AA6-8061-007006F1B0E9}" srcOrd="0" destOrd="0" presId="urn:microsoft.com/office/officeart/2018/5/layout/CenteredIconLabelDescriptionList"/>
+    <dgm:cxn modelId="{06F8879E-5E4E-46E0-9A4D-E013E6370FEB}" type="presOf" srcId="{5E1785B0-94F5-46C5-8ECD-E2F9DD039E51}" destId="{615EF102-FCDE-4673-AEB3-9310431C986B}" srcOrd="0" destOrd="0" presId="urn:microsoft.com/office/officeart/2018/5/layout/CenteredIconLabelDescriptionList"/>
     <dgm:cxn modelId="{F897E912-5FD3-4728-9FAE-8F83DC452DDF}" srcId="{DF0E4429-C7A5-4C74-B141-C387746D4B63}" destId="{6CC4C14D-DAB7-40D3-B974-DAC92D8ADEDF}" srcOrd="1" destOrd="0" parTransId="{6D03550B-E528-49AC-B531-C2F0340835AA}" sibTransId="{7BD2C8D6-6D52-45DC-8C21-F46CC50BC0C7}"/>
     <dgm:cxn modelId="{02A3C047-789D-48C7-B4B5-C4416A79F375}" srcId="{FEE29B23-505A-4721-89CA-6C63E7F965ED}" destId="{5E1785B0-94F5-46C5-8ECD-E2F9DD039E51}" srcOrd="0" destOrd="0" parTransId="{D2D56979-FC9D-46BB-9CF3-0EAC50D6C550}" sibTransId="{21660D8B-A61C-4FFA-A74B-B2B772E87CC6}"/>
+    <dgm:cxn modelId="{52AC6EA9-88E2-42EB-9EF6-A02FCEC87454}" srcId="{DF0E4429-C7A5-4C74-B141-C387746D4B63}" destId="{FEE29B23-505A-4721-89CA-6C63E7F965ED}" srcOrd="0" destOrd="0" parTransId="{2D12ED01-4552-4009-BF5B-F6CC0B9ACC90}" sibTransId="{6033F7D8-EBE9-4AD8-9B91-27F497355AE4}"/>
     <dgm:cxn modelId="{A0BFA877-98F6-47F2-94FF-7FD2CD7A65A4}" srcId="{6CC4C14D-DAB7-40D3-B974-DAC92D8ADEDF}" destId="{9CBE7A1D-C705-4FDD-B566-603E4C7E2989}" srcOrd="0" destOrd="0" parTransId="{259E2AC0-4C72-4606-AF28-7E96A03AA95C}" sibTransId="{9BBEE5C4-2A93-4A6B-A31E-D49DB9247BA2}"/>
-    <dgm:cxn modelId="{06F8879E-5E4E-46E0-9A4D-E013E6370FEB}" type="presOf" srcId="{5E1785B0-94F5-46C5-8ECD-E2F9DD039E51}" destId="{615EF102-FCDE-4673-AEB3-9310431C986B}" srcOrd="0" destOrd="0" presId="urn:microsoft.com/office/officeart/2018/5/layout/CenteredIconLabelDescriptionList"/>
-    <dgm:cxn modelId="{A4ABEEA8-E877-412C-9BE1-7F06EABE9C4D}" type="presOf" srcId="{9CBE7A1D-C705-4FDD-B566-603E4C7E2989}" destId="{867C46CD-EBC3-4AA6-8061-007006F1B0E9}" srcOrd="0" destOrd="0" presId="urn:microsoft.com/office/officeart/2018/5/layout/CenteredIconLabelDescriptionList"/>
-    <dgm:cxn modelId="{52AC6EA9-88E2-42EB-9EF6-A02FCEC87454}" srcId="{DF0E4429-C7A5-4C74-B141-C387746D4B63}" destId="{FEE29B23-505A-4721-89CA-6C63E7F965ED}" srcOrd="0" destOrd="0" parTransId="{2D12ED01-4552-4009-BF5B-F6CC0B9ACC90}" sibTransId="{6033F7D8-EBE9-4AD8-9B91-27F497355AE4}"/>
-    <dgm:cxn modelId="{8CBBDEB1-8282-424F-AD17-A12973C2274A}" type="presOf" srcId="{DF0E4429-C7A5-4C74-B141-C387746D4B63}" destId="{78B2D79F-5EA1-473E-B172-2399612AF92B}" srcOrd="0" destOrd="0" presId="urn:microsoft.com/office/officeart/2018/5/layout/CenteredIconLabelDescriptionList"/>
-    <dgm:cxn modelId="{B31768DC-5BED-472B-BDC2-C542B748230E}" type="presOf" srcId="{6CC4C14D-DAB7-40D3-B974-DAC92D8ADEDF}" destId="{FEAAC3BF-2416-4709-AD5B-C92C9B031B52}" srcOrd="0" destOrd="0" presId="urn:microsoft.com/office/officeart/2018/5/layout/CenteredIconLabelDescriptionList"/>
-    <dgm:cxn modelId="{5D0A63DD-B3DA-47FC-9167-38365F2815C0}" type="presOf" srcId="{FEE29B23-505A-4721-89CA-6C63E7F965ED}" destId="{12062AE3-C41E-484E-BAAE-0F3D1A815E72}" srcOrd="0" destOrd="0" presId="urn:microsoft.com/office/officeart/2018/5/layout/CenteredIconLabelDescriptionList"/>
     <dgm:cxn modelId="{F85C7EEF-015F-44C5-A19E-F1024E2739E4}" type="presParOf" srcId="{78B2D79F-5EA1-473E-B172-2399612AF92B}" destId="{AA2F8427-AD39-4F1C-BDCD-8F7D9607D413}" srcOrd="0" destOrd="0" presId="urn:microsoft.com/office/officeart/2018/5/layout/CenteredIconLabelDescriptionList"/>
     <dgm:cxn modelId="{083F4695-FBD7-4D3C-8B69-8D51777860A2}" type="presParOf" srcId="{AA2F8427-AD39-4F1C-BDCD-8F7D9607D413}" destId="{DEEFCDAD-3AFD-43B5-939A-036FCB6E0A31}" srcOrd="0" destOrd="0" presId="urn:microsoft.com/office/officeart/2018/5/layout/CenteredIconLabelDescriptionList"/>
     <dgm:cxn modelId="{82BFE737-9EC9-4C54-A138-2F52A972D99D}" type="presParOf" srcId="{AA2F8427-AD39-4F1C-BDCD-8F7D9607D413}" destId="{7C5B963F-4B19-46D2-9D55-BF34205B83E2}" srcOrd="1" destOrd="0" presId="urn:microsoft.com/office/officeart/2018/5/layout/CenteredIconLabelDescriptionList"/>
@@ -10220,7 +10592,7 @@
   <dgm:whole/>
   <dgm:extLst>
     <a:ext uri="http://schemas.microsoft.com/office/drawing/2008/diagram">
-      <dsp:dataModelExt xmlns:dsp="http://schemas.microsoft.com/office/drawing/2008/diagram" relId="rId6" minVer="http://schemas.openxmlformats.org/drawingml/2006/diagram"/>
+      <dsp:dataModelExt xmlns:dsp="http://schemas.microsoft.com/office/drawing/2008/diagram" relId="rId7" minVer="http://schemas.openxmlformats.org/drawingml/2006/diagram"/>
     </a:ext>
   </dgm:extLst>
 </dgm:dataModel>
@@ -10414,6 +10786,14 @@
         </dgm:presLayoutVars>
       </dgm:prSet>
       <dgm:spPr/>
+      <dgm:t>
+        <a:bodyPr/>
+        <a:lstStyle/>
+        <a:p>
+          <a:pPr latinLnBrk="1"/>
+          <a:endParaRPr lang="ko-KR" altLang="en-US"/>
+        </a:p>
+      </dgm:t>
     </dgm:pt>
     <dgm:pt modelId="{BFE54E8F-D775-4E4E-9552-5F734B5368FE}" type="pres">
       <dgm:prSet presAssocID="{93188A9C-6FD4-4FF4-8B59-128C8D8388B4}" presName="compNode" presStyleCnt="0"/>
@@ -10430,7 +10810,7 @@
           <a:blip xmlns:r="http://schemas.openxmlformats.org/officeDocument/2006/relationships" r:embed="rId1">
             <a:extLst>
               <a:ext uri="{96DAC541-7B7A-43D3-8B79-37D633B846F1}">
-                <asvg:svgBlip xmlns:asvg="http://schemas.microsoft.com/office/drawing/2016/SVG/main" r:embed="rId2"/>
+                <asvg:svgBlip xmlns:asvg="http://schemas.microsoft.com/office/drawing/2016/SVG/main" xmlns="" r:embed="rId2"/>
               </a:ext>
             </a:extLst>
           </a:blip>
@@ -10461,6 +10841,14 @@
         </dgm:presLayoutVars>
       </dgm:prSet>
       <dgm:spPr/>
+      <dgm:t>
+        <a:bodyPr/>
+        <a:lstStyle/>
+        <a:p>
+          <a:pPr latinLnBrk="1"/>
+          <a:endParaRPr lang="ko-KR" altLang="en-US"/>
+        </a:p>
+      </dgm:t>
     </dgm:pt>
     <dgm:pt modelId="{4FA103A3-CFC0-4AFB-882B-3A146FC00E65}" type="pres">
       <dgm:prSet presAssocID="{11001E0B-ED39-4D97-BACB-71B68D65BB10}" presName="sibTrans" presStyleCnt="0"/>
@@ -10484,7 +10872,7 @@
                 <a14:useLocalDpi xmlns:a14="http://schemas.microsoft.com/office/drawing/2010/main" val="0"/>
               </a:ext>
               <a:ext uri="{96DAC541-7B7A-43D3-8B79-37D633B846F1}">
-                <asvg:svgBlip xmlns:asvg="http://schemas.microsoft.com/office/drawing/2016/SVG/main" r:embed="rId4"/>
+                <asvg:svgBlip xmlns:asvg="http://schemas.microsoft.com/office/drawing/2016/SVG/main" xmlns="" r:embed="rId4"/>
               </a:ext>
             </a:extLst>
           </a:blip>
@@ -10514,6 +10902,14 @@
         </dgm:presLayoutVars>
       </dgm:prSet>
       <dgm:spPr/>
+      <dgm:t>
+        <a:bodyPr/>
+        <a:lstStyle/>
+        <a:p>
+          <a:pPr latinLnBrk="1"/>
+          <a:endParaRPr lang="ko-KR" altLang="en-US"/>
+        </a:p>
+      </dgm:t>
     </dgm:pt>
     <dgm:pt modelId="{DA599F26-A52B-439F-807F-93D639FAC188}" type="pres">
       <dgm:prSet presAssocID="{F26EA142-AA71-4946-ABF8-F1ED4C25E728}" presName="sibTrans" presStyleCnt="0"/>
@@ -10534,7 +10930,7 @@
           <a:blip xmlns:r="http://schemas.openxmlformats.org/officeDocument/2006/relationships" r:embed="rId5">
             <a:extLst>
               <a:ext uri="{96DAC541-7B7A-43D3-8B79-37D633B846F1}">
-                <asvg:svgBlip xmlns:asvg="http://schemas.microsoft.com/office/drawing/2016/SVG/main" r:embed="rId6"/>
+                <asvg:svgBlip xmlns:asvg="http://schemas.microsoft.com/office/drawing/2016/SVG/main" xmlns="" r:embed="rId6"/>
               </a:ext>
             </a:extLst>
           </a:blip>
@@ -10565,15 +10961,23 @@
         </dgm:presLayoutVars>
       </dgm:prSet>
       <dgm:spPr/>
+      <dgm:t>
+        <a:bodyPr/>
+        <a:lstStyle/>
+        <a:p>
+          <a:pPr latinLnBrk="1"/>
+          <a:endParaRPr lang="ko-KR" altLang="en-US"/>
+        </a:p>
+      </dgm:t>
     </dgm:pt>
   </dgm:ptLst>
   <dgm:cxnLst>
-    <dgm:cxn modelId="{59C26338-F089-0C47-ADC3-797F01DD8378}" type="presOf" srcId="{7E55B52F-0268-4046-ACDA-584D395ADE68}" destId="{F53EA61C-4A15-4BB2-88B7-4C0814FE8484}" srcOrd="0" destOrd="0" presId="urn:microsoft.com/office/officeart/2018/2/layout/IconVerticalSolidList"/>
+    <dgm:cxn modelId="{FE84C98A-4153-42CF-B3BD-C153BF5F8DFA}" srcId="{4122F06E-AE66-4625-AFEC-132D66B0E108}" destId="{2CCED0DE-3403-43C3-BF35-B1183A90D2E9}" srcOrd="1" destOrd="0" parTransId="{6DA173F0-6F0F-4FE1-82D5-551232C46DD3}" sibTransId="{F26EA142-AA71-4946-ABF8-F1ED4C25E728}"/>
+    <dgm:cxn modelId="{59F9264E-1C27-4FC7-B654-987BEF86AD69}" srcId="{4122F06E-AE66-4625-AFEC-132D66B0E108}" destId="{93188A9C-6FD4-4FF4-8B59-128C8D8388B4}" srcOrd="0" destOrd="0" parTransId="{474AC094-8194-4957-B342-2E632AB910C9}" sibTransId="{11001E0B-ED39-4D97-BACB-71B68D65BB10}"/>
     <dgm:cxn modelId="{7CCBAA3B-F327-4764-A688-D5AFEDC0FCE6}" srcId="{4122F06E-AE66-4625-AFEC-132D66B0E108}" destId="{7E55B52F-0268-4046-ACDA-584D395ADE68}" srcOrd="2" destOrd="0" parTransId="{A330942A-303F-4D2E-821B-44E5428216B4}" sibTransId="{3BC5D7D5-CC31-494D-900A-ECA19EE3D36F}"/>
-    <dgm:cxn modelId="{59F9264E-1C27-4FC7-B654-987BEF86AD69}" srcId="{4122F06E-AE66-4625-AFEC-132D66B0E108}" destId="{93188A9C-6FD4-4FF4-8B59-128C8D8388B4}" srcOrd="0" destOrd="0" parTransId="{474AC094-8194-4957-B342-2E632AB910C9}" sibTransId="{11001E0B-ED39-4D97-BACB-71B68D65BB10}"/>
     <dgm:cxn modelId="{FFF5A25C-CB79-4049-A0DF-7FD47F073F5E}" type="presOf" srcId="{93188A9C-6FD4-4FF4-8B59-128C8D8388B4}" destId="{B1834E12-A2B6-46A0-B2EB-F1D40A093194}" srcOrd="0" destOrd="0" presId="urn:microsoft.com/office/officeart/2018/2/layout/IconVerticalSolidList"/>
     <dgm:cxn modelId="{F8CCC584-2815-D646-BFF2-732A9091359B}" type="presOf" srcId="{4122F06E-AE66-4625-AFEC-132D66B0E108}" destId="{2513C7DC-FA80-4F86-83F6-00B6320B546F}" srcOrd="0" destOrd="0" presId="urn:microsoft.com/office/officeart/2018/2/layout/IconVerticalSolidList"/>
-    <dgm:cxn modelId="{FE84C98A-4153-42CF-B3BD-C153BF5F8DFA}" srcId="{4122F06E-AE66-4625-AFEC-132D66B0E108}" destId="{2CCED0DE-3403-43C3-BF35-B1183A90D2E9}" srcOrd="1" destOrd="0" parTransId="{6DA173F0-6F0F-4FE1-82D5-551232C46DD3}" sibTransId="{F26EA142-AA71-4946-ABF8-F1ED4C25E728}"/>
+    <dgm:cxn modelId="{59C26338-F089-0C47-ADC3-797F01DD8378}" type="presOf" srcId="{7E55B52F-0268-4046-ACDA-584D395ADE68}" destId="{F53EA61C-4A15-4BB2-88B7-4C0814FE8484}" srcOrd="0" destOrd="0" presId="urn:microsoft.com/office/officeart/2018/2/layout/IconVerticalSolidList"/>
     <dgm:cxn modelId="{26B7DABA-D353-7D41-AF01-4FC06DF6D2C0}" type="presOf" srcId="{2CCED0DE-3403-43C3-BF35-B1183A90D2E9}" destId="{9D5BDBCE-CEC1-4456-8D63-DE371C6488B5}" srcOrd="0" destOrd="0" presId="urn:microsoft.com/office/officeart/2018/2/layout/IconVerticalSolidList"/>
     <dgm:cxn modelId="{AD86BDA7-FD32-D942-9081-E15ED7B1F1EF}" type="presParOf" srcId="{2513C7DC-FA80-4F86-83F6-00B6320B546F}" destId="{BFE54E8F-D775-4E4E-9552-5F734B5368FE}" srcOrd="0" destOrd="0" presId="urn:microsoft.com/office/officeart/2018/2/layout/IconVerticalSolidList"/>
     <dgm:cxn modelId="{4419EE0B-4D4B-D447-ACFD-F4ACF318B22E}" type="presParOf" srcId="{BFE54E8F-D775-4E4E-9552-5F734B5368FE}" destId="{0722E5FB-98DF-4175-A7AB-CF816E679516}" srcOrd="0" destOrd="0" presId="urn:microsoft.com/office/officeart/2018/2/layout/IconVerticalSolidList"/>
@@ -10673,7 +11077,7 @@
                 <a14:useLocalDpi xmlns:a14="http://schemas.microsoft.com/office/drawing/2010/main" val="0"/>
               </a:ext>
               <a:ext uri="{96DAC541-7B7A-43D3-8B79-37D633B846F1}">
-                <asvg:svgBlip xmlns:asvg="http://schemas.microsoft.com/office/drawing/2016/SVG/main" r:embed="rId2"/>
+                <asvg:svgBlip xmlns:asvg="http://schemas.microsoft.com/office/drawing/2016/SVG/main" xmlns="" r:embed="rId2"/>
               </a:ext>
             </a:extLst>
           </a:blip>
@@ -10740,7 +11144,7 @@
         </a:bodyPr>
         <a:lstStyle/>
         <a:p>
-          <a:pPr marL="0" lvl="0" indent="0" algn="l" defTabSz="755650">
+          <a:pPr lvl="0" algn="l" defTabSz="755650">
             <a:lnSpc>
               <a:spcPct val="90000"/>
             </a:lnSpc>
@@ -10750,7 +11154,6 @@
             <a:spcAft>
               <a:spcPct val="35000"/>
             </a:spcAft>
-            <a:buNone/>
           </a:pPr>
           <a:r>
             <a:rPr lang="ko-KR" sz="1700" kern="1200" dirty="0"/>
@@ -10759,7 +11162,7 @@
           <a:endParaRPr lang="en-US" altLang="ko-KR" sz="1700" kern="1200" dirty="0"/>
         </a:p>
         <a:p>
-          <a:pPr marL="0" lvl="0" indent="0" algn="l" defTabSz="755650">
+          <a:pPr lvl="0" algn="l" defTabSz="755650">
             <a:lnSpc>
               <a:spcPct val="90000"/>
             </a:lnSpc>
@@ -10769,7 +11172,6 @@
             <a:spcAft>
               <a:spcPct val="35000"/>
             </a:spcAft>
-            <a:buNone/>
           </a:pPr>
           <a:r>
             <a:rPr lang="ko-KR" sz="1700" kern="1200" dirty="0"/>
@@ -10794,7 +11196,7 @@
           <a:endParaRPr lang="en-US" altLang="ko-KR" sz="1700" kern="1200" dirty="0"/>
         </a:p>
         <a:p>
-          <a:pPr marL="0" lvl="0" indent="0" algn="l" defTabSz="755650">
+          <a:pPr lvl="0" algn="l" defTabSz="755650">
             <a:lnSpc>
               <a:spcPct val="90000"/>
             </a:lnSpc>
@@ -10804,7 +11206,6 @@
             <a:spcAft>
               <a:spcPct val="35000"/>
             </a:spcAft>
-            <a:buNone/>
           </a:pPr>
           <a:r>
             <a:rPr lang="ko-KR" sz="1700" kern="1200" dirty="0" err="1"/>
@@ -10892,7 +11293,7 @@
                 <a14:useLocalDpi xmlns:a14="http://schemas.microsoft.com/office/drawing/2010/main" val="0"/>
               </a:ext>
               <a:ext uri="{96DAC541-7B7A-43D3-8B79-37D633B846F1}">
-                <asvg:svgBlip xmlns:asvg="http://schemas.microsoft.com/office/drawing/2016/SVG/main" r:embed="rId4"/>
+                <asvg:svgBlip xmlns:asvg="http://schemas.microsoft.com/office/drawing/2016/SVG/main" xmlns="" r:embed="rId4"/>
               </a:ext>
             </a:extLst>
           </a:blip>
@@ -10959,7 +11360,7 @@
         </a:bodyPr>
         <a:lstStyle/>
         <a:p>
-          <a:pPr marL="0" lvl="0" indent="0" algn="l" defTabSz="755650">
+          <a:pPr lvl="0" algn="l" defTabSz="755650">
             <a:lnSpc>
               <a:spcPct val="90000"/>
             </a:lnSpc>
@@ -10969,7 +11370,6 @@
             <a:spcAft>
               <a:spcPct val="35000"/>
             </a:spcAft>
-            <a:buNone/>
           </a:pPr>
           <a:r>
             <a:rPr lang="ko-KR" sz="1700" kern="1200" dirty="0"/>
@@ -10990,7 +11390,7 @@
           <a:endParaRPr lang="en-US" altLang="ko-KR" sz="1700" kern="1200" dirty="0"/>
         </a:p>
         <a:p>
-          <a:pPr marL="0" lvl="0" indent="0" algn="l" defTabSz="755650">
+          <a:pPr lvl="0" algn="l" defTabSz="755650">
             <a:lnSpc>
               <a:spcPct val="90000"/>
             </a:lnSpc>
@@ -11000,7 +11400,6 @@
             <a:spcAft>
               <a:spcPct val="35000"/>
             </a:spcAft>
-            <a:buNone/>
           </a:pPr>
           <a:r>
             <a:rPr lang="ko-KR" sz="1700" kern="1200" dirty="0"/>
@@ -11021,7 +11420,7 @@
           <a:endParaRPr lang="en-US" altLang="ko-KR" sz="1700" kern="1200" dirty="0"/>
         </a:p>
         <a:p>
-          <a:pPr marL="0" lvl="0" indent="0" algn="l" defTabSz="755650">
+          <a:pPr lvl="0" algn="l" defTabSz="755650">
             <a:lnSpc>
               <a:spcPct val="90000"/>
             </a:lnSpc>
@@ -11031,7 +11430,6 @@
             <a:spcAft>
               <a:spcPct val="35000"/>
             </a:spcAft>
-            <a:buNone/>
           </a:pPr>
           <a:r>
             <a:rPr lang="ko-KR" sz="1700" kern="1200" dirty="0" err="1"/>
@@ -11111,7 +11509,7 @@
                 <a14:useLocalDpi xmlns:a14="http://schemas.microsoft.com/office/drawing/2010/main" val="0"/>
               </a:ext>
               <a:ext uri="{96DAC541-7B7A-43D3-8B79-37D633B846F1}">
-                <asvg:svgBlip xmlns:asvg="http://schemas.microsoft.com/office/drawing/2016/SVG/main" r:embed="rId6"/>
+                <asvg:svgBlip xmlns:asvg="http://schemas.microsoft.com/office/drawing/2016/SVG/main" xmlns="" r:embed="rId6"/>
               </a:ext>
             </a:extLst>
           </a:blip>
@@ -11178,7 +11576,7 @@
         </a:bodyPr>
         <a:lstStyle/>
         <a:p>
-          <a:pPr marL="0" lvl="0" indent="0" algn="l" defTabSz="755650">
+          <a:pPr lvl="0" algn="l" defTabSz="755650">
             <a:lnSpc>
               <a:spcPct val="90000"/>
             </a:lnSpc>
@@ -11188,7 +11586,6 @@
             <a:spcAft>
               <a:spcPct val="35000"/>
             </a:spcAft>
-            <a:buNone/>
           </a:pPr>
           <a:r>
             <a:rPr lang="ko-KR" sz="1700" kern="1200" dirty="0" err="1"/>
@@ -11288,7 +11685,7 @@
                 <a14:useLocalDpi xmlns:a14="http://schemas.microsoft.com/office/drawing/2010/main" val="0"/>
               </a:ext>
               <a:ext uri="{96DAC541-7B7A-43D3-8B79-37D633B846F1}">
-                <asvg:svgBlip xmlns:asvg="http://schemas.microsoft.com/office/drawing/2016/SVG/main" r:embed="rId2"/>
+                <asvg:svgBlip xmlns:asvg="http://schemas.microsoft.com/office/drawing/2016/SVG/main" xmlns="" r:embed="rId2"/>
               </a:ext>
             </a:extLst>
           </a:blip>
@@ -11356,7 +11753,7 @@
         </a:bodyPr>
         <a:lstStyle/>
         <a:p>
-          <a:pPr marL="0" lvl="0" indent="0" algn="l" defTabSz="622300">
+          <a:pPr lvl="0" algn="l" defTabSz="622300">
             <a:lnSpc>
               <a:spcPct val="100000"/>
             </a:lnSpc>
@@ -11366,7 +11763,6 @@
             <a:spcAft>
               <a:spcPct val="35000"/>
             </a:spcAft>
-            <a:buNone/>
           </a:pPr>
           <a:r>
             <a:rPr lang="ko-KR" altLang="ko-KR" sz="1400" kern="1200" dirty="0"/>
@@ -11462,7 +11858,7 @@
                 <a14:useLocalDpi xmlns:a14="http://schemas.microsoft.com/office/drawing/2010/main" val="0"/>
               </a:ext>
               <a:ext uri="{96DAC541-7B7A-43D3-8B79-37D633B846F1}">
-                <asvg:svgBlip xmlns:asvg="http://schemas.microsoft.com/office/drawing/2016/SVG/main" r:embed="rId4"/>
+                <asvg:svgBlip xmlns:asvg="http://schemas.microsoft.com/office/drawing/2016/SVG/main" xmlns="" r:embed="rId4"/>
               </a:ext>
             </a:extLst>
           </a:blip>
@@ -11529,7 +11925,7 @@
         </a:bodyPr>
         <a:lstStyle/>
         <a:p>
-          <a:pPr marL="0" lvl="0" indent="0" algn="l" defTabSz="622300">
+          <a:pPr lvl="0" algn="l" defTabSz="622300">
             <a:lnSpc>
               <a:spcPct val="100000"/>
             </a:lnSpc>
@@ -11539,7 +11935,6 @@
             <a:spcAft>
               <a:spcPct val="35000"/>
             </a:spcAft>
-            <a:buNone/>
           </a:pPr>
           <a:r>
             <a:rPr lang="ko-KR" altLang="ko-KR" sz="1400" kern="1200" dirty="0"/>
@@ -11647,7 +12042,7 @@
                 <a14:useLocalDpi xmlns:a14="http://schemas.microsoft.com/office/drawing/2010/main" val="0"/>
               </a:ext>
               <a:ext uri="{96DAC541-7B7A-43D3-8B79-37D633B846F1}">
-                <asvg:svgBlip xmlns:asvg="http://schemas.microsoft.com/office/drawing/2016/SVG/main" r:embed="rId6"/>
+                <asvg:svgBlip xmlns:asvg="http://schemas.microsoft.com/office/drawing/2016/SVG/main" xmlns="" r:embed="rId6"/>
               </a:ext>
             </a:extLst>
           </a:blip>
@@ -11715,7 +12110,7 @@
         </a:bodyPr>
         <a:lstStyle/>
         <a:p>
-          <a:pPr marL="0" lvl="0" indent="0" algn="l" defTabSz="622300">
+          <a:pPr lvl="0" algn="l" defTabSz="622300">
             <a:lnSpc>
               <a:spcPct val="100000"/>
             </a:lnSpc>
@@ -11725,7 +12120,6 @@
             <a:spcAft>
               <a:spcPct val="35000"/>
             </a:spcAft>
-            <a:buNone/>
           </a:pPr>
           <a:r>
             <a:rPr lang="ko-KR" altLang="ko-KR" sz="1400" kern="1200" dirty="0"/>
@@ -11821,7 +12215,7 @@
                 <a14:useLocalDpi xmlns:a14="http://schemas.microsoft.com/office/drawing/2010/main" val="0"/>
               </a:ext>
               <a:ext uri="{96DAC541-7B7A-43D3-8B79-37D633B846F1}">
-                <asvg:svgBlip xmlns:asvg="http://schemas.microsoft.com/office/drawing/2016/SVG/main" r:embed="rId8"/>
+                <asvg:svgBlip xmlns:asvg="http://schemas.microsoft.com/office/drawing/2016/SVG/main" xmlns="" r:embed="rId8"/>
               </a:ext>
             </a:extLst>
           </a:blip>
@@ -11888,7 +12282,7 @@
         </a:bodyPr>
         <a:lstStyle/>
         <a:p>
-          <a:pPr marL="0" lvl="0" indent="0" algn="l" defTabSz="622300">
+          <a:pPr lvl="0" algn="l" defTabSz="622300">
             <a:lnSpc>
               <a:spcPct val="100000"/>
             </a:lnSpc>
@@ -11898,7 +12292,6 @@
             <a:spcAft>
               <a:spcPct val="35000"/>
             </a:spcAft>
-            <a:buNone/>
           </a:pPr>
           <a:r>
             <a:rPr lang="ko-KR" altLang="ko-KR" sz="1400" kern="1200" dirty="0" err="1"/>
@@ -11990,7 +12383,7 @@
                 <a14:useLocalDpi xmlns:a14="http://schemas.microsoft.com/office/drawing/2010/main" val="0"/>
               </a:ext>
               <a:ext uri="{96DAC541-7B7A-43D3-8B79-37D633B846F1}">
-                <asvg:svgBlip xmlns:asvg="http://schemas.microsoft.com/office/drawing/2016/SVG/main" r:embed="rId10"/>
+                <asvg:svgBlip xmlns:asvg="http://schemas.microsoft.com/office/drawing/2016/SVG/main" xmlns="" r:embed="rId10"/>
               </a:ext>
             </a:extLst>
           </a:blip>
@@ -12057,7 +12450,7 @@
         </a:bodyPr>
         <a:lstStyle/>
         <a:p>
-          <a:pPr marL="0" lvl="0" indent="0" algn="l" defTabSz="622300">
+          <a:pPr lvl="0" algn="l" defTabSz="622300">
             <a:lnSpc>
               <a:spcPct val="100000"/>
             </a:lnSpc>
@@ -12067,13 +12460,40 @@
             <a:spcAft>
               <a:spcPct val="35000"/>
             </a:spcAft>
-            <a:buNone/>
           </a:pPr>
           <a:r>
-            <a:rPr lang="ko-KR" sz="1400" kern="1200"/>
-            <a:t>비효율적인 튜터링 진행 시간 결정 과정  </a:t>
+            <a:rPr lang="ko-KR" sz="1400" kern="1200" dirty="0"/>
+            <a:t>비효율적인 </a:t>
           </a:r>
-          <a:endParaRPr lang="en-US" sz="1400" kern="1200"/>
+          <a:r>
+            <a:rPr lang="ko-KR" sz="1400" kern="1200" dirty="0" err="1"/>
+            <a:t>튜터링</a:t>
+          </a:r>
+          <a:r>
+            <a:rPr lang="ko-KR" sz="1400" kern="1200" dirty="0"/>
+            <a:t> 진행 시간 </a:t>
+          </a:r>
+          <a:r>
+            <a:rPr lang="ko-KR" sz="1400" kern="1200" dirty="0" smtClean="0"/>
+            <a:t>결정</a:t>
+          </a:r>
+          <a:r>
+            <a:rPr lang="en-US" altLang="ko-KR" sz="1400" kern="1200" dirty="0" smtClean="0"/>
+            <a:t> </a:t>
+          </a:r>
+          <a:r>
+            <a:rPr lang="ko-KR" altLang="en-US" sz="1400" kern="1200" dirty="0" smtClean="0"/>
+            <a:t>논의</a:t>
+          </a:r>
+          <a:r>
+            <a:rPr lang="ko-KR" sz="1400" kern="1200" dirty="0" smtClean="0"/>
+            <a:t> </a:t>
+          </a:r>
+          <a:r>
+            <a:rPr lang="ko-KR" sz="1400" kern="1200" dirty="0"/>
+            <a:t>과정  </a:t>
+          </a:r>
+          <a:endParaRPr lang="en-US" sz="1400" kern="1200" dirty="0"/>
         </a:p>
       </dsp:txBody>
       <dsp:txXfrm>
@@ -12143,7 +12563,7 @@
                 <a14:useLocalDpi xmlns:a14="http://schemas.microsoft.com/office/drawing/2010/main" val="0"/>
               </a:ext>
               <a:ext uri="{96DAC541-7B7A-43D3-8B79-37D633B846F1}">
-                <asvg:svgBlip xmlns:asvg="http://schemas.microsoft.com/office/drawing/2016/SVG/main" r:embed="rId12"/>
+                <asvg:svgBlip xmlns:asvg="http://schemas.microsoft.com/office/drawing/2016/SVG/main" xmlns="" r:embed="rId12"/>
               </a:ext>
             </a:extLst>
           </a:blip>
@@ -12210,7 +12630,7 @@
         </a:bodyPr>
         <a:lstStyle/>
         <a:p>
-          <a:pPr marL="0" lvl="0" indent="0" algn="l" defTabSz="622300">
+          <a:pPr lvl="0" algn="l" defTabSz="622300">
             <a:lnSpc>
               <a:spcPct val="100000"/>
             </a:lnSpc>
@@ -12220,13 +12640,20 @@
             <a:spcAft>
               <a:spcPct val="35000"/>
             </a:spcAft>
-            <a:buNone/>
           </a:pPr>
           <a:r>
-            <a:rPr lang="ko-KR" sz="1400" kern="1200"/>
-            <a:t>튜터링 진행 시간 변경 시 빈 강의실 조회 및 확보의 번거로움    </a:t>
+            <a:rPr lang="ko-KR" sz="1400" kern="1200" dirty="0" err="1"/>
+            <a:t>튜터링</a:t>
           </a:r>
-          <a:endParaRPr lang="en-US" sz="1400" kern="1200"/>
+          <a:r>
+            <a:rPr lang="ko-KR" sz="1400" kern="1200" dirty="0"/>
+            <a:t> 진행 시간 변경 시 빈 강의실 조회 및 </a:t>
+          </a:r>
+          <a:r>
+            <a:rPr lang="ko-KR" sz="1400" kern="1200" dirty="0" smtClean="0"/>
+            <a:t>확보의 번거로움    </a:t>
+          </a:r>
+          <a:endParaRPr lang="en-US" sz="1400" kern="1200" dirty="0"/>
         </a:p>
       </dsp:txBody>
       <dsp:txXfrm>
@@ -12308,7 +12735,7 @@
                 <a14:useLocalDpi xmlns:a14="http://schemas.microsoft.com/office/drawing/2010/main" val="0"/>
               </a:ext>
               <a:ext uri="{96DAC541-7B7A-43D3-8B79-37D633B846F1}">
-                <asvg:svgBlip xmlns:asvg="http://schemas.microsoft.com/office/drawing/2016/SVG/main" r:embed="rId2"/>
+                <asvg:svgBlip xmlns:asvg="http://schemas.microsoft.com/office/drawing/2016/SVG/main" xmlns="" r:embed="rId2"/>
               </a:ext>
             </a:extLst>
           </a:blip>
@@ -12375,7 +12802,7 @@
         </a:bodyPr>
         <a:lstStyle/>
         <a:p>
-          <a:pPr marL="0" lvl="0" indent="0" algn="l" defTabSz="977900">
+          <a:pPr lvl="0" algn="l" defTabSz="977900">
             <a:lnSpc>
               <a:spcPct val="100000"/>
             </a:lnSpc>
@@ -12385,7 +12812,6 @@
             <a:spcAft>
               <a:spcPct val="35000"/>
             </a:spcAft>
-            <a:buNone/>
           </a:pPr>
           <a:r>
             <a:rPr lang="ko-KR" altLang="en-US" sz="2200" kern="1200"/>
@@ -12461,7 +12887,7 @@
                 <a14:useLocalDpi xmlns:a14="http://schemas.microsoft.com/office/drawing/2010/main" val="0"/>
               </a:ext>
               <a:ext uri="{96DAC541-7B7A-43D3-8B79-37D633B846F1}">
-                <asvg:svgBlip xmlns:asvg="http://schemas.microsoft.com/office/drawing/2016/SVG/main" r:embed="rId4"/>
+                <asvg:svgBlip xmlns:asvg="http://schemas.microsoft.com/office/drawing/2016/SVG/main" xmlns="" r:embed="rId4"/>
               </a:ext>
             </a:extLst>
           </a:blip>
@@ -12528,7 +12954,7 @@
         </a:bodyPr>
         <a:lstStyle/>
         <a:p>
-          <a:pPr marL="0" lvl="0" indent="0" algn="l" defTabSz="977900">
+          <a:pPr lvl="0" algn="l" defTabSz="977900">
             <a:lnSpc>
               <a:spcPct val="100000"/>
             </a:lnSpc>
@@ -12538,7 +12964,6 @@
             <a:spcAft>
               <a:spcPct val="35000"/>
             </a:spcAft>
-            <a:buNone/>
           </a:pPr>
           <a:r>
             <a:rPr lang="ko-KR" altLang="en-US" sz="2200" kern="1200"/>
@@ -12614,7 +13039,7 @@
                 <a14:useLocalDpi xmlns:a14="http://schemas.microsoft.com/office/drawing/2010/main" val="0"/>
               </a:ext>
               <a:ext uri="{96DAC541-7B7A-43D3-8B79-37D633B846F1}">
-                <asvg:svgBlip xmlns:asvg="http://schemas.microsoft.com/office/drawing/2016/SVG/main" r:embed="rId6"/>
+                <asvg:svgBlip xmlns:asvg="http://schemas.microsoft.com/office/drawing/2016/SVG/main" xmlns="" r:embed="rId6"/>
               </a:ext>
             </a:extLst>
           </a:blip>
@@ -12681,7 +13106,7 @@
         </a:bodyPr>
         <a:lstStyle/>
         <a:p>
-          <a:pPr marL="0" lvl="0" indent="0" algn="l" defTabSz="977900">
+          <a:pPr lvl="0" algn="l" defTabSz="977900">
             <a:lnSpc>
               <a:spcPct val="100000"/>
             </a:lnSpc>
@@ -12691,7 +13116,6 @@
             <a:spcAft>
               <a:spcPct val="35000"/>
             </a:spcAft>
-            <a:buNone/>
           </a:pPr>
           <a:r>
             <a:rPr lang="ko-KR" altLang="en-US" sz="2200" kern="1200" dirty="0" err="1"/>
@@ -12767,7 +13191,7 @@
                 <a14:useLocalDpi xmlns:a14="http://schemas.microsoft.com/office/drawing/2010/main" val="0"/>
               </a:ext>
               <a:ext uri="{96DAC541-7B7A-43D3-8B79-37D633B846F1}">
-                <asvg:svgBlip xmlns:asvg="http://schemas.microsoft.com/office/drawing/2016/SVG/main" r:embed="rId8"/>
+                <asvg:svgBlip xmlns:asvg="http://schemas.microsoft.com/office/drawing/2016/SVG/main" xmlns="" r:embed="rId8"/>
               </a:ext>
             </a:extLst>
           </a:blip>
@@ -12835,7 +13259,7 @@
         </a:bodyPr>
         <a:lstStyle/>
         <a:p>
-          <a:pPr marL="0" lvl="0" indent="0" algn="l" defTabSz="977900">
+          <a:pPr lvl="0" algn="l" defTabSz="977900">
             <a:lnSpc>
               <a:spcPct val="100000"/>
             </a:lnSpc>
@@ -12845,7 +13269,6 @@
             <a:spcAft>
               <a:spcPct val="35000"/>
             </a:spcAft>
-            <a:buNone/>
           </a:pPr>
           <a:r>
             <a:rPr lang="ko-KR" altLang="en-US" sz="2200" kern="1200"/>
@@ -12888,7 +13311,7 @@
           <a:blip xmlns:r="http://schemas.openxmlformats.org/officeDocument/2006/relationships" r:embed="rId1">
             <a:extLst>
               <a:ext uri="{96DAC541-7B7A-43D3-8B79-37D633B846F1}">
-                <asvg:svgBlip xmlns:asvg="http://schemas.microsoft.com/office/drawing/2016/SVG/main" r:embed="rId2"/>
+                <asvg:svgBlip xmlns:asvg="http://schemas.microsoft.com/office/drawing/2016/SVG/main" xmlns="" r:embed="rId2"/>
               </a:ext>
             </a:extLst>
           </a:blip>
@@ -12956,7 +13379,7 @@
         </a:bodyPr>
         <a:lstStyle/>
         <a:p>
-          <a:pPr marL="0" lvl="0" indent="0" algn="ctr" defTabSz="1377950">
+          <a:pPr lvl="0" algn="ctr" defTabSz="1377950">
             <a:lnSpc>
               <a:spcPct val="90000"/>
             </a:lnSpc>
@@ -12966,7 +13389,6 @@
             <a:spcAft>
               <a:spcPct val="35000"/>
             </a:spcAft>
-            <a:buNone/>
             <a:defRPr b="1"/>
           </a:pPr>
           <a:r>
@@ -13021,7 +13443,7 @@
         </a:bodyPr>
         <a:lstStyle/>
         <a:p>
-          <a:pPr marL="0" lvl="0" indent="0" algn="ctr" defTabSz="755650">
+          <a:pPr lvl="0" algn="ctr" defTabSz="755650">
             <a:lnSpc>
               <a:spcPct val="90000"/>
             </a:lnSpc>
@@ -13031,7 +13453,6 @@
             <a:spcAft>
               <a:spcPct val="35000"/>
             </a:spcAft>
-            <a:buNone/>
           </a:pPr>
           <a:r>
             <a:rPr kumimoji="1" lang="ko-KR" sz="1700" kern="1200" dirty="0"/>
@@ -13070,7 +13491,7 @@
           <a:blip xmlns:r="http://schemas.openxmlformats.org/officeDocument/2006/relationships" r:embed="rId3">
             <a:extLst>
               <a:ext uri="{96DAC541-7B7A-43D3-8B79-37D633B846F1}">
-                <asvg:svgBlip xmlns:asvg="http://schemas.microsoft.com/office/drawing/2016/SVG/main" r:embed="rId4"/>
+                <asvg:svgBlip xmlns:asvg="http://schemas.microsoft.com/office/drawing/2016/SVG/main" xmlns="" r:embed="rId4"/>
               </a:ext>
             </a:extLst>
           </a:blip>
@@ -13138,7 +13559,7 @@
         </a:bodyPr>
         <a:lstStyle/>
         <a:p>
-          <a:pPr marL="0" lvl="0" indent="0" algn="ctr" defTabSz="1377950">
+          <a:pPr lvl="0" algn="ctr" defTabSz="1377950">
             <a:lnSpc>
               <a:spcPct val="90000"/>
             </a:lnSpc>
@@ -13148,7 +13569,6 @@
             <a:spcAft>
               <a:spcPct val="35000"/>
             </a:spcAft>
-            <a:buNone/>
             <a:defRPr b="1"/>
           </a:pPr>
           <a:r>
@@ -13200,7 +13620,7 @@
         </a:bodyPr>
         <a:lstStyle/>
         <a:p>
-          <a:pPr marL="0" lvl="0" indent="0" algn="ctr" defTabSz="755650">
+          <a:pPr lvl="0" algn="ctr" defTabSz="755650">
             <a:lnSpc>
               <a:spcPct val="90000"/>
             </a:lnSpc>
@@ -13210,7 +13630,6 @@
             <a:spcAft>
               <a:spcPct val="35000"/>
             </a:spcAft>
-            <a:buNone/>
           </a:pPr>
           <a:r>
             <a:rPr kumimoji="1" lang="ko-KR" sz="1700" kern="1200"/>
@@ -13243,7 +13662,7 @@
       </dsp:nvSpPr>
       <dsp:spPr>
         <a:xfrm>
-          <a:off x="1963800" y="404007"/>
+          <a:off x="1963800" y="415480"/>
           <a:ext cx="1512000" cy="1512000"/>
         </a:xfrm>
         <a:prstGeom prst="rect">
@@ -13253,7 +13672,7 @@
           <a:blip xmlns:r="http://schemas.openxmlformats.org/officeDocument/2006/relationships" r:embed="rId1">
             <a:extLst>
               <a:ext uri="{96DAC541-7B7A-43D3-8B79-37D633B846F1}">
-                <asvg:svgBlip xmlns:asvg="http://schemas.microsoft.com/office/drawing/2016/SVG/main" r:embed="rId2"/>
+                <asvg:svgBlip xmlns:asvg="http://schemas.microsoft.com/office/drawing/2016/SVG/main" xmlns="" r:embed="rId2"/>
               </a:ext>
             </a:extLst>
           </a:blip>
@@ -13291,7 +13710,7 @@
       </dsp:nvSpPr>
       <dsp:spPr>
         <a:xfrm>
-          <a:off x="559800" y="2068370"/>
+          <a:off x="559800" y="2078856"/>
           <a:ext cx="4320000" cy="648000"/>
         </a:xfrm>
         <a:prstGeom prst="rect">
@@ -13321,7 +13740,7 @@
         </a:bodyPr>
         <a:lstStyle/>
         <a:p>
-          <a:pPr marL="0" lvl="0" indent="0" algn="ctr" defTabSz="1377950">
+          <a:pPr lvl="0" algn="ctr" defTabSz="1377950">
             <a:lnSpc>
               <a:spcPct val="90000"/>
             </a:lnSpc>
@@ -13331,7 +13750,6 @@
             <a:spcAft>
               <a:spcPct val="35000"/>
             </a:spcAft>
-            <a:buNone/>
             <a:defRPr b="1"/>
           </a:pPr>
           <a:r>
@@ -13346,7 +13764,7 @@
         </a:p>
       </dsp:txBody>
       <dsp:txXfrm>
-        <a:off x="559800" y="2068370"/>
+        <a:off x="559800" y="2078856"/>
         <a:ext cx="4320000" cy="648000"/>
       </dsp:txXfrm>
     </dsp:sp>
@@ -13357,8 +13775,8 @@
       </dsp:nvSpPr>
       <dsp:spPr>
         <a:xfrm>
-          <a:off x="559800" y="2787236"/>
-          <a:ext cx="4320000" cy="1160094"/>
+          <a:off x="559800" y="2797264"/>
+          <a:ext cx="4320000" cy="1138593"/>
         </a:xfrm>
         <a:prstGeom prst="rect">
           <a:avLst/>
@@ -13387,7 +13805,7 @@
         </a:bodyPr>
         <a:lstStyle/>
         <a:p>
-          <a:pPr marL="0" lvl="0" indent="0" algn="ctr" defTabSz="755650">
+          <a:pPr lvl="0" algn="ctr" defTabSz="755650">
             <a:lnSpc>
               <a:spcPct val="90000"/>
             </a:lnSpc>
@@ -13397,7 +13815,6 @@
             <a:spcAft>
               <a:spcPct val="35000"/>
             </a:spcAft>
-            <a:buNone/>
           </a:pPr>
           <a:r>
             <a:rPr lang="ko-KR" sz="1700" kern="1200"/>
@@ -13414,7 +13831,7 @@
           <a:endParaRPr lang="en-US" sz="1700" kern="1200"/>
         </a:p>
         <a:p>
-          <a:pPr marL="0" lvl="0" indent="0" algn="ctr" defTabSz="755650">
+          <a:pPr lvl="0" algn="ctr" defTabSz="755650">
             <a:lnSpc>
               <a:spcPct val="90000"/>
             </a:lnSpc>
@@ -13424,7 +13841,6 @@
             <a:spcAft>
               <a:spcPct val="35000"/>
             </a:spcAft>
-            <a:buNone/>
           </a:pPr>
           <a:r>
             <a:rPr lang="ko-KR" sz="1700" kern="1200"/>
@@ -13482,8 +13898,8 @@
         </a:p>
       </dsp:txBody>
       <dsp:txXfrm>
-        <a:off x="559800" y="2787236"/>
-        <a:ext cx="4320000" cy="1160094"/>
+        <a:off x="559800" y="2797264"/>
+        <a:ext cx="4320000" cy="1138593"/>
       </dsp:txXfrm>
     </dsp:sp>
     <dsp:sp modelId="{CC3B0E2A-FDF0-4220-9BDC-D4BA1C36DDDA}">
@@ -13493,7 +13909,7 @@
       </dsp:nvSpPr>
       <dsp:spPr>
         <a:xfrm>
-          <a:off x="7039800" y="404007"/>
+          <a:off x="7039800" y="415480"/>
           <a:ext cx="1512000" cy="1512000"/>
         </a:xfrm>
         <a:prstGeom prst="rect">
@@ -13506,7 +13922,7 @@
                 <a14:useLocalDpi xmlns:a14="http://schemas.microsoft.com/office/drawing/2010/main" val="0"/>
               </a:ext>
               <a:ext uri="{96DAC541-7B7A-43D3-8B79-37D633B846F1}">
-                <asvg:svgBlip xmlns:asvg="http://schemas.microsoft.com/office/drawing/2016/SVG/main" r:embed="rId4"/>
+                <asvg:svgBlip xmlns:asvg="http://schemas.microsoft.com/office/drawing/2016/SVG/main" xmlns="" r:embed="rId4"/>
               </a:ext>
             </a:extLst>
           </a:blip>
@@ -13543,7 +13959,7 @@
       </dsp:nvSpPr>
       <dsp:spPr>
         <a:xfrm>
-          <a:off x="5635800" y="2068370"/>
+          <a:off x="5635800" y="2078856"/>
           <a:ext cx="4320000" cy="648000"/>
         </a:xfrm>
         <a:prstGeom prst="rect">
@@ -13573,7 +13989,7 @@
         </a:bodyPr>
         <a:lstStyle/>
         <a:p>
-          <a:pPr marL="0" lvl="0" indent="0" algn="ctr" defTabSz="1377950">
+          <a:pPr lvl="0" algn="ctr" defTabSz="1377950">
             <a:lnSpc>
               <a:spcPct val="90000"/>
             </a:lnSpc>
@@ -13583,7 +13999,6 @@
             <a:spcAft>
               <a:spcPct val="35000"/>
             </a:spcAft>
-            <a:buNone/>
             <a:defRPr b="1"/>
           </a:pPr>
           <a:r>
@@ -13602,7 +14017,7 @@
         </a:p>
       </dsp:txBody>
       <dsp:txXfrm>
-        <a:off x="5635800" y="2068370"/>
+        <a:off x="5635800" y="2078856"/>
         <a:ext cx="4320000" cy="648000"/>
       </dsp:txXfrm>
     </dsp:sp>
@@ -13613,8 +14028,8 @@
       </dsp:nvSpPr>
       <dsp:spPr>
         <a:xfrm>
-          <a:off x="5635800" y="2787236"/>
-          <a:ext cx="4320000" cy="1160094"/>
+          <a:off x="5635800" y="2797264"/>
+          <a:ext cx="4320000" cy="1138593"/>
         </a:xfrm>
         <a:prstGeom prst="rect">
           <a:avLst/>
@@ -13643,7 +14058,7 @@
         </a:bodyPr>
         <a:lstStyle/>
         <a:p>
-          <a:pPr marL="0" lvl="0" indent="0" algn="ctr" defTabSz="755650">
+          <a:pPr lvl="0" algn="ctr" defTabSz="755650">
             <a:lnSpc>
               <a:spcPct val="90000"/>
             </a:lnSpc>
@@ -13653,7 +14068,6 @@
             <a:spcAft>
               <a:spcPct val="35000"/>
             </a:spcAft>
-            <a:buNone/>
           </a:pPr>
           <a:r>
             <a:rPr lang="ko-KR" sz="1700" kern="1200" dirty="0"/>
@@ -13682,8 +14096,8 @@
         </a:p>
       </dsp:txBody>
       <dsp:txXfrm>
-        <a:off x="5635800" y="2787236"/>
-        <a:ext cx="4320000" cy="1160094"/>
+        <a:off x="5635800" y="2797264"/>
+        <a:ext cx="4320000" cy="1138593"/>
       </dsp:txXfrm>
     </dsp:sp>
   </dsp:spTree>
@@ -13718,7 +14132,7 @@
                 <a14:useLocalDpi xmlns:a14="http://schemas.microsoft.com/office/drawing/2010/main" val="0"/>
               </a:ext>
               <a:ext uri="{96DAC541-7B7A-43D3-8B79-37D633B846F1}">
-                <asvg:svgBlip xmlns:asvg="http://schemas.microsoft.com/office/drawing/2016/SVG/main" r:embed="rId2"/>
+                <asvg:svgBlip xmlns:asvg="http://schemas.microsoft.com/office/drawing/2016/SVG/main" xmlns="" r:embed="rId2"/>
               </a:ext>
             </a:extLst>
           </a:blip>
@@ -13785,7 +14199,7 @@
         </a:bodyPr>
         <a:lstStyle/>
         <a:p>
-          <a:pPr marL="0" lvl="0" indent="0" algn="ctr" defTabSz="622300">
+          <a:pPr lvl="0" algn="ctr" defTabSz="622300">
             <a:lnSpc>
               <a:spcPct val="100000"/>
             </a:lnSpc>
@@ -13795,7 +14209,6 @@
             <a:spcAft>
               <a:spcPct val="35000"/>
             </a:spcAft>
-            <a:buNone/>
             <a:defRPr b="1"/>
           </a:pPr>
           <a:r>
@@ -13847,7 +14260,7 @@
         </a:bodyPr>
         <a:lstStyle/>
         <a:p>
-          <a:pPr marL="0" lvl="0" indent="0" algn="ctr" defTabSz="488950">
+          <a:pPr lvl="0" algn="ctr" defTabSz="488950">
             <a:lnSpc>
               <a:spcPct val="100000"/>
             </a:lnSpc>
@@ -13857,7 +14270,6 @@
             <a:spcAft>
               <a:spcPct val="35000"/>
             </a:spcAft>
-            <a:buNone/>
           </a:pPr>
           <a:r>
             <a:rPr lang="ko-KR" sz="1100" kern="1200"/>
@@ -13899,7 +14311,7 @@
           <a:blip xmlns:r="http://schemas.openxmlformats.org/officeDocument/2006/relationships" r:embed="rId3">
             <a:extLst>
               <a:ext uri="{96DAC541-7B7A-43D3-8B79-37D633B846F1}">
-                <asvg:svgBlip xmlns:asvg="http://schemas.microsoft.com/office/drawing/2016/SVG/main" r:embed="rId4"/>
+                <asvg:svgBlip xmlns:asvg="http://schemas.microsoft.com/office/drawing/2016/SVG/main" xmlns="" r:embed="rId4"/>
               </a:ext>
             </a:extLst>
           </a:blip>
@@ -13967,7 +14379,7 @@
         </a:bodyPr>
         <a:lstStyle/>
         <a:p>
-          <a:pPr marL="0" lvl="0" indent="0" algn="ctr" defTabSz="622300">
+          <a:pPr lvl="0" algn="ctr" defTabSz="622300">
             <a:lnSpc>
               <a:spcPct val="100000"/>
             </a:lnSpc>
@@ -13977,7 +14389,6 @@
             <a:spcAft>
               <a:spcPct val="35000"/>
             </a:spcAft>
-            <a:buNone/>
             <a:defRPr b="1"/>
           </a:pPr>
           <a:r>
@@ -14041,7 +14452,7 @@
         </a:bodyPr>
         <a:lstStyle/>
         <a:p>
-          <a:pPr marL="0" lvl="0" indent="0" algn="ctr" defTabSz="488950">
+          <a:pPr lvl="0" algn="ctr" defTabSz="488950">
             <a:lnSpc>
               <a:spcPct val="100000"/>
             </a:lnSpc>
@@ -14051,7 +14462,6 @@
             <a:spcAft>
               <a:spcPct val="35000"/>
             </a:spcAft>
-            <a:buNone/>
           </a:pPr>
           <a:r>
             <a:rPr lang="ko-KR" sz="1100" kern="1200"/>
@@ -14096,7 +14506,7 @@
                 <a14:useLocalDpi xmlns:a14="http://schemas.microsoft.com/office/drawing/2010/main" val="0"/>
               </a:ext>
               <a:ext uri="{96DAC541-7B7A-43D3-8B79-37D633B846F1}">
-                <asvg:svgBlip xmlns:asvg="http://schemas.microsoft.com/office/drawing/2016/SVG/main" r:embed="rId6"/>
+                <asvg:svgBlip xmlns:asvg="http://schemas.microsoft.com/office/drawing/2016/SVG/main" xmlns="" r:embed="rId6"/>
               </a:ext>
             </a:extLst>
           </a:blip>
@@ -14164,7 +14574,7 @@
         </a:bodyPr>
         <a:lstStyle/>
         <a:p>
-          <a:pPr marL="0" lvl="0" indent="0" algn="ctr" defTabSz="622300">
+          <a:pPr lvl="0" algn="ctr" defTabSz="622300">
             <a:lnSpc>
               <a:spcPct val="100000"/>
             </a:lnSpc>
@@ -14174,7 +14584,6 @@
             <a:spcAft>
               <a:spcPct val="35000"/>
             </a:spcAft>
-            <a:buNone/>
             <a:defRPr b="1"/>
           </a:pPr>
           <a:r>
@@ -14234,7 +14643,7 @@
         </a:bodyPr>
         <a:lstStyle/>
         <a:p>
-          <a:pPr marL="0" lvl="0" indent="0" algn="ctr" defTabSz="488950">
+          <a:pPr lvl="0" algn="ctr" defTabSz="488950">
             <a:lnSpc>
               <a:spcPct val="100000"/>
             </a:lnSpc>
@@ -14244,7 +14653,6 @@
             <a:spcAft>
               <a:spcPct val="35000"/>
             </a:spcAft>
-            <a:buNone/>
           </a:pPr>
           <a:r>
             <a:rPr lang="ko-KR" sz="1100" kern="1200"/>
@@ -14275,7 +14683,7 @@
           <a:blip xmlns:r="http://schemas.openxmlformats.org/officeDocument/2006/relationships" r:embed="rId7">
             <a:extLst>
               <a:ext uri="{96DAC541-7B7A-43D3-8B79-37D633B846F1}">
-                <asvg:svgBlip xmlns:asvg="http://schemas.microsoft.com/office/drawing/2016/SVG/main" r:embed="rId8"/>
+                <asvg:svgBlip xmlns:asvg="http://schemas.microsoft.com/office/drawing/2016/SVG/main" xmlns="" r:embed="rId8"/>
               </a:ext>
             </a:extLst>
           </a:blip>
@@ -14343,7 +14751,7 @@
         </a:bodyPr>
         <a:lstStyle/>
         <a:p>
-          <a:pPr marL="0" lvl="0" indent="0" algn="ctr" defTabSz="622300">
+          <a:pPr lvl="0" algn="ctr" defTabSz="622300">
             <a:lnSpc>
               <a:spcPct val="100000"/>
             </a:lnSpc>
@@ -14353,7 +14761,6 @@
             <a:spcAft>
               <a:spcPct val="35000"/>
             </a:spcAft>
-            <a:buNone/>
             <a:defRPr b="1"/>
           </a:pPr>
           <a:r>
@@ -14409,7 +14816,7 @@
         </a:bodyPr>
         <a:lstStyle/>
         <a:p>
-          <a:pPr marL="0" lvl="0" indent="0" algn="ctr" defTabSz="488950">
+          <a:pPr lvl="0" algn="ctr" defTabSz="488950">
             <a:lnSpc>
               <a:spcPct val="100000"/>
             </a:lnSpc>
@@ -14419,7 +14826,6 @@
             <a:spcAft>
               <a:spcPct val="35000"/>
             </a:spcAft>
-            <a:buNone/>
           </a:pPr>
           <a:r>
             <a:rPr lang="ko-KR" sz="1100" kern="1200"/>
@@ -14453,7 +14859,7 @@
                 <a14:useLocalDpi xmlns:a14="http://schemas.microsoft.com/office/drawing/2010/main" val="0"/>
               </a:ext>
               <a:ext uri="{96DAC541-7B7A-43D3-8B79-37D633B846F1}">
-                <asvg:svgBlip xmlns:asvg="http://schemas.microsoft.com/office/drawing/2016/SVG/main" r:embed="rId10"/>
+                <asvg:svgBlip xmlns:asvg="http://schemas.microsoft.com/office/drawing/2016/SVG/main" xmlns="" r:embed="rId10"/>
               </a:ext>
             </a:extLst>
           </a:blip>
@@ -14520,7 +14926,7 @@
         </a:bodyPr>
         <a:lstStyle/>
         <a:p>
-          <a:pPr marL="0" lvl="0" indent="0" algn="ctr" defTabSz="622300">
+          <a:pPr lvl="0" algn="ctr" defTabSz="622300">
             <a:lnSpc>
               <a:spcPct val="100000"/>
             </a:lnSpc>
@@ -14530,7 +14936,6 @@
             <a:spcAft>
               <a:spcPct val="35000"/>
             </a:spcAft>
-            <a:buNone/>
             <a:defRPr b="1"/>
           </a:pPr>
           <a:r>
@@ -14582,7 +14987,7 @@
         </a:bodyPr>
         <a:lstStyle/>
         <a:p>
-          <a:pPr marL="0" lvl="0" indent="0" algn="ctr" defTabSz="488950">
+          <a:pPr lvl="0" algn="ctr" defTabSz="488950">
             <a:lnSpc>
               <a:spcPct val="100000"/>
             </a:lnSpc>
@@ -14592,7 +14997,6 @@
             <a:spcAft>
               <a:spcPct val="35000"/>
             </a:spcAft>
-            <a:buNone/>
           </a:pPr>
           <a:r>
             <a:rPr lang="ko-KR" sz="1100" kern="1200"/>
@@ -14628,7 +15032,7 @@
       </dsp:nvSpPr>
       <dsp:spPr>
         <a:xfrm>
-          <a:off x="1963800" y="657817"/>
+          <a:off x="1963800" y="663450"/>
           <a:ext cx="1512000" cy="1512000"/>
         </a:xfrm>
         <a:prstGeom prst="rect">
@@ -14638,7 +15042,7 @@
           <a:blip xmlns:r="http://schemas.openxmlformats.org/officeDocument/2006/relationships" r:embed="rId1">
             <a:extLst>
               <a:ext uri="{96DAC541-7B7A-43D3-8B79-37D633B846F1}">
-                <asvg:svgBlip xmlns:asvg="http://schemas.microsoft.com/office/drawing/2016/SVG/main" r:embed="rId2"/>
+                <asvg:svgBlip xmlns:asvg="http://schemas.microsoft.com/office/drawing/2016/SVG/main" xmlns="" r:embed="rId2"/>
               </a:ext>
             </a:extLst>
           </a:blip>
@@ -14676,7 +15080,7 @@
       </dsp:nvSpPr>
       <dsp:spPr>
         <a:xfrm>
-          <a:off x="559800" y="2300352"/>
+          <a:off x="559800" y="2305501"/>
           <a:ext cx="4320000" cy="648000"/>
         </a:xfrm>
         <a:prstGeom prst="rect">
@@ -14706,7 +15110,7 @@
         </a:bodyPr>
         <a:lstStyle/>
         <a:p>
-          <a:pPr marL="0" lvl="0" indent="0" algn="ctr" defTabSz="1377950">
+          <a:pPr lvl="0" algn="ctr" defTabSz="1377950">
             <a:lnSpc>
               <a:spcPct val="90000"/>
             </a:lnSpc>
@@ -14716,7 +15120,6 @@
             <a:spcAft>
               <a:spcPct val="35000"/>
             </a:spcAft>
-            <a:buNone/>
             <a:defRPr b="1"/>
           </a:pPr>
           <a:r>
@@ -14727,7 +15130,7 @@
         </a:p>
       </dsp:txBody>
       <dsp:txXfrm>
-        <a:off x="559800" y="2300352"/>
+        <a:off x="559800" y="2305501"/>
         <a:ext cx="4320000" cy="648000"/>
       </dsp:txXfrm>
     </dsp:sp>
@@ -14738,8 +15141,8 @@
       </dsp:nvSpPr>
       <dsp:spPr>
         <a:xfrm>
-          <a:off x="559800" y="3009066"/>
-          <a:ext cx="4320000" cy="684453"/>
+          <a:off x="559800" y="3013990"/>
+          <a:ext cx="4320000" cy="673897"/>
         </a:xfrm>
         <a:prstGeom prst="rect">
           <a:avLst/>
@@ -14768,7 +15171,7 @@
         </a:bodyPr>
         <a:lstStyle/>
         <a:p>
-          <a:pPr marL="0" lvl="0" indent="0" algn="ctr" defTabSz="755650">
+          <a:pPr lvl="0" algn="ctr" defTabSz="755650">
             <a:lnSpc>
               <a:spcPct val="90000"/>
             </a:lnSpc>
@@ -14778,7 +15181,6 @@
             <a:spcAft>
               <a:spcPct val="35000"/>
             </a:spcAft>
-            <a:buNone/>
           </a:pPr>
           <a:r>
             <a:rPr lang="ko-KR" sz="1700" kern="1200"/>
@@ -14791,8 +15193,8 @@
         </a:p>
       </dsp:txBody>
       <dsp:txXfrm>
-        <a:off x="559800" y="3009066"/>
-        <a:ext cx="4320000" cy="684453"/>
+        <a:off x="559800" y="3013990"/>
+        <a:ext cx="4320000" cy="673897"/>
       </dsp:txXfrm>
     </dsp:sp>
     <dsp:sp modelId="{15972E33-E2E4-4312-92BD-C0E0E9193DCF}">
@@ -14802,7 +15204,7 @@
       </dsp:nvSpPr>
       <dsp:spPr>
         <a:xfrm>
-          <a:off x="7039800" y="657817"/>
+          <a:off x="7039800" y="663450"/>
           <a:ext cx="1512000" cy="1512000"/>
         </a:xfrm>
         <a:prstGeom prst="rect">
@@ -14812,7 +15214,7 @@
           <a:blip xmlns:r="http://schemas.openxmlformats.org/officeDocument/2006/relationships" r:embed="rId3">
             <a:extLst>
               <a:ext uri="{96DAC541-7B7A-43D3-8B79-37D633B846F1}">
-                <asvg:svgBlip xmlns:asvg="http://schemas.microsoft.com/office/drawing/2016/SVG/main" r:embed="rId4"/>
+                <asvg:svgBlip xmlns:asvg="http://schemas.microsoft.com/office/drawing/2016/SVG/main" xmlns="" r:embed="rId4"/>
               </a:ext>
             </a:extLst>
           </a:blip>
@@ -14850,7 +15252,7 @@
       </dsp:nvSpPr>
       <dsp:spPr>
         <a:xfrm>
-          <a:off x="5635800" y="2300352"/>
+          <a:off x="5635800" y="2305501"/>
           <a:ext cx="4320000" cy="648000"/>
         </a:xfrm>
         <a:prstGeom prst="rect">
@@ -14880,7 +15282,7 @@
         </a:bodyPr>
         <a:lstStyle/>
         <a:p>
-          <a:pPr marL="0" lvl="0" indent="0" algn="ctr" defTabSz="1377950">
+          <a:pPr lvl="0" algn="ctr" defTabSz="1377950">
             <a:lnSpc>
               <a:spcPct val="90000"/>
             </a:lnSpc>
@@ -14890,7 +15292,6 @@
             <a:spcAft>
               <a:spcPct val="35000"/>
             </a:spcAft>
-            <a:buNone/>
             <a:defRPr b="1"/>
           </a:pPr>
           <a:r>
@@ -14901,7 +15302,7 @@
         </a:p>
       </dsp:txBody>
       <dsp:txXfrm>
-        <a:off x="5635800" y="2300352"/>
+        <a:off x="5635800" y="2305501"/>
         <a:ext cx="4320000" cy="648000"/>
       </dsp:txXfrm>
     </dsp:sp>
@@ -14912,8 +15313,8 @@
       </dsp:nvSpPr>
       <dsp:spPr>
         <a:xfrm>
-          <a:off x="5635800" y="3009066"/>
-          <a:ext cx="4320000" cy="684453"/>
+          <a:off x="5635800" y="3013990"/>
+          <a:ext cx="4320000" cy="673897"/>
         </a:xfrm>
         <a:prstGeom prst="rect">
           <a:avLst/>
@@ -14942,7 +15343,7 @@
         </a:bodyPr>
         <a:lstStyle/>
         <a:p>
-          <a:pPr marL="0" lvl="0" indent="0" algn="ctr" defTabSz="755650">
+          <a:pPr lvl="0" algn="ctr" defTabSz="755650">
             <a:lnSpc>
               <a:spcPct val="90000"/>
             </a:lnSpc>
@@ -14952,7 +15353,6 @@
             <a:spcAft>
               <a:spcPct val="35000"/>
             </a:spcAft>
-            <a:buNone/>
           </a:pPr>
           <a:r>
             <a:rPr lang="ko-KR" sz="1700" kern="1200"/>
@@ -14962,8 +15362,8 @@
         </a:p>
       </dsp:txBody>
       <dsp:txXfrm>
-        <a:off x="5635800" y="3009066"/>
-        <a:ext cx="4320000" cy="684453"/>
+        <a:off x="5635800" y="3013990"/>
+        <a:ext cx="4320000" cy="673897"/>
       </dsp:txXfrm>
     </dsp:sp>
   </dsp:spTree>
@@ -15037,7 +15437,7 @@
           <a:blip xmlns:r="http://schemas.openxmlformats.org/officeDocument/2006/relationships" r:embed="rId1">
             <a:extLst>
               <a:ext uri="{96DAC541-7B7A-43D3-8B79-37D633B846F1}">
-                <asvg:svgBlip xmlns:asvg="http://schemas.microsoft.com/office/drawing/2016/SVG/main" r:embed="rId2"/>
+                <asvg:svgBlip xmlns:asvg="http://schemas.microsoft.com/office/drawing/2016/SVG/main" xmlns="" r:embed="rId2"/>
               </a:ext>
             </a:extLst>
           </a:blip>
@@ -15105,7 +15505,7 @@
         </a:bodyPr>
         <a:lstStyle/>
         <a:p>
-          <a:pPr marL="0" lvl="0" indent="0" algn="l" defTabSz="1111250">
+          <a:pPr lvl="0" algn="l" defTabSz="1111250">
             <a:lnSpc>
               <a:spcPct val="100000"/>
             </a:lnSpc>
@@ -15115,7 +15515,6 @@
             <a:spcAft>
               <a:spcPct val="35000"/>
             </a:spcAft>
-            <a:buNone/>
           </a:pPr>
           <a:r>
             <a:rPr kumimoji="1" lang="ko-KR" sz="2500" kern="1200" dirty="0"/>
@@ -15219,7 +15618,7 @@
                 <a14:useLocalDpi xmlns:a14="http://schemas.microsoft.com/office/drawing/2010/main" val="0"/>
               </a:ext>
               <a:ext uri="{96DAC541-7B7A-43D3-8B79-37D633B846F1}">
-                <asvg:svgBlip xmlns:asvg="http://schemas.microsoft.com/office/drawing/2016/SVG/main" r:embed="rId4"/>
+                <asvg:svgBlip xmlns:asvg="http://schemas.microsoft.com/office/drawing/2016/SVG/main" xmlns="" r:embed="rId4"/>
               </a:ext>
             </a:extLst>
           </a:blip>
@@ -15286,7 +15685,7 @@
         </a:bodyPr>
         <a:lstStyle/>
         <a:p>
-          <a:pPr marL="0" lvl="0" indent="0" algn="l" defTabSz="1111250">
+          <a:pPr lvl="0" algn="l" defTabSz="1111250">
             <a:lnSpc>
               <a:spcPct val="100000"/>
             </a:lnSpc>
@@ -15296,7 +15695,6 @@
             <a:spcAft>
               <a:spcPct val="35000"/>
             </a:spcAft>
-            <a:buNone/>
           </a:pPr>
           <a:r>
             <a:rPr kumimoji="1" lang="ko-KR" sz="2500" kern="1200" dirty="0" err="1"/>
@@ -15373,7 +15771,7 @@
           <a:blip xmlns:r="http://schemas.openxmlformats.org/officeDocument/2006/relationships" r:embed="rId5">
             <a:extLst>
               <a:ext uri="{96DAC541-7B7A-43D3-8B79-37D633B846F1}">
-                <asvg:svgBlip xmlns:asvg="http://schemas.microsoft.com/office/drawing/2016/SVG/main" r:embed="rId6"/>
+                <asvg:svgBlip xmlns:asvg="http://schemas.microsoft.com/office/drawing/2016/SVG/main" xmlns="" r:embed="rId6"/>
               </a:ext>
             </a:extLst>
           </a:blip>
@@ -15441,7 +15839,7 @@
         </a:bodyPr>
         <a:lstStyle/>
         <a:p>
-          <a:pPr marL="0" lvl="0" indent="0" algn="l" defTabSz="1111250">
+          <a:pPr lvl="0" algn="l" defTabSz="1111250">
             <a:lnSpc>
               <a:spcPct val="100000"/>
             </a:lnSpc>
@@ -15451,7 +15849,6 @@
             <a:spcAft>
               <a:spcPct val="35000"/>
             </a:spcAft>
-            <a:buNone/>
           </a:pPr>
           <a:r>
             <a:rPr kumimoji="1" lang="ko-KR" sz="2500" kern="1200" dirty="0"/>
@@ -15754,7 +16151,7 @@
   </dgm:layoutNode>
   <dgm:extLst>
     <a:ext uri="{68A01E43-0DF5-4B5B-8FA6-DAF915123BFB}">
-      <dgm1612:lstStyle xmlns:dgm1612="http://schemas.microsoft.com/office/drawing/2016/12/diagram">
+      <dgm1612:lstStyle xmlns:dgm1612="http://schemas.microsoft.com/office/drawing/2016/12/diagram" xmlns="">
         <a:lvl1pPr>
           <a:lnSpc>
             <a:spcPct val="100000"/>
@@ -16048,7 +16445,7 @@
   </dgm:layoutNode>
   <dgm:extLst>
     <a:ext uri="{68A01E43-0DF5-4B5B-8FA6-DAF915123BFB}">
-      <dgm1612:lstStyle xmlns:dgm1612="http://schemas.microsoft.com/office/drawing/2016/12/diagram">
+      <dgm1612:lstStyle xmlns:dgm1612="http://schemas.microsoft.com/office/drawing/2016/12/diagram" xmlns="">
         <a:lvl1pPr>
           <a:lnSpc>
             <a:spcPct val="100000"/>
@@ -16342,7 +16739,7 @@
   </dgm:layoutNode>
   <dgm:extLst>
     <a:ext uri="{68A01E43-0DF5-4B5B-8FA6-DAF915123BFB}">
-      <dgm1612:lstStyle xmlns:dgm1612="http://schemas.microsoft.com/office/drawing/2016/12/diagram">
+      <dgm1612:lstStyle xmlns:dgm1612="http://schemas.microsoft.com/office/drawing/2016/12/diagram" xmlns="">
         <a:lvl1pPr>
           <a:lnSpc>
             <a:spcPct val="100000"/>
@@ -16550,7 +16947,7 @@
   </dgm:layoutNode>
   <dgm:extLst>
     <a:ext uri="{68A01E43-0DF5-4B5B-8FA6-DAF915123BFB}">
-      <dgm1612:lstStyle xmlns:dgm1612="http://schemas.microsoft.com/office/drawing/2016/12/diagram">
+      <dgm1612:lstStyle xmlns:dgm1612="http://schemas.microsoft.com/office/drawing/2016/12/diagram" xmlns="">
         <a:lvl1pPr>
           <a:lnSpc>
             <a:spcPct val="100000"/>
@@ -16751,7 +17148,7 @@
   </dgm:layoutNode>
   <dgm:extLst>
     <a:ext uri="{68A01E43-0DF5-4B5B-8FA6-DAF915123BFB}">
-      <dgm1612:lstStyle xmlns:dgm1612="http://schemas.microsoft.com/office/drawing/2016/12/diagram">
+      <dgm1612:lstStyle xmlns:dgm1612="http://schemas.microsoft.com/office/drawing/2016/12/diagram" xmlns="">
         <a:lvl1pPr>
           <a:lnSpc>
             <a:spcPct val="100000"/>
@@ -16952,7 +17349,7 @@
   </dgm:layoutNode>
   <dgm:extLst>
     <a:ext uri="{68A01E43-0DF5-4B5B-8FA6-DAF915123BFB}">
-      <dgm1612:lstStyle xmlns:dgm1612="http://schemas.microsoft.com/office/drawing/2016/12/diagram">
+      <dgm1612:lstStyle xmlns:dgm1612="http://schemas.microsoft.com/office/drawing/2016/12/diagram" xmlns="">
         <a:lvl1pPr>
           <a:lnSpc>
             <a:spcPct val="100000"/>
@@ -17153,7 +17550,7 @@
   </dgm:layoutNode>
   <dgm:extLst>
     <a:ext uri="{68A01E43-0DF5-4B5B-8FA6-DAF915123BFB}">
-      <dgm1612:lstStyle xmlns:dgm1612="http://schemas.microsoft.com/office/drawing/2016/12/diagram">
+      <dgm1612:lstStyle xmlns:dgm1612="http://schemas.microsoft.com/office/drawing/2016/12/diagram" xmlns="">
         <a:lvl1pPr>
           <a:lnSpc>
             <a:spcPct val="100000"/>
@@ -17448,7 +17845,7 @@
   </dgm:layoutNode>
   <dgm:extLst>
     <a:ext uri="{68A01E43-0DF5-4B5B-8FA6-DAF915123BFB}">
-      <dgm1612:lstStyle xmlns:dgm1612="http://schemas.microsoft.com/office/drawing/2016/12/diagram">
+      <dgm1612:lstStyle xmlns:dgm1612="http://schemas.microsoft.com/office/drawing/2016/12/diagram" xmlns="">
         <a:lvl1pPr>
           <a:lnSpc>
             <a:spcPct val="100000"/>
@@ -25819,7 +26216,7 @@
           <a:p>
             <a:fld id="{3D002A7E-E038-0B4A-81C8-6A136A1FCA12}" type="datetimeFigureOut">
               <a:rPr kumimoji="1" lang="ko-KR" altLang="en-US" smtClean="0"/>
-              <a:t>2019. 10. 22.</a:t>
+              <a:t>2019-10-22</a:t>
             </a:fld>
             <a:endParaRPr kumimoji="1" lang="ko-KR" altLang="en-US"/>
           </a:p>
@@ -26130,83 +26527,43 @@
           <a:bodyPr/>
           <a:lstStyle/>
           <a:p>
-            <a:pPr marL="0" marR="0" lvl="0" indent="0" algn="l" defTabSz="914400" rtl="0" eaLnBrk="1" fontAlgn="auto" latinLnBrk="1" hangingPunct="1">
-              <a:lnSpc>
-                <a:spcPct val="100000"/>
-              </a:lnSpc>
-              <a:spcBef>
-                <a:spcPts val="0"/>
-              </a:spcBef>
-              <a:spcAft>
-                <a:spcPts val="0"/>
-              </a:spcAft>
-              <a:buClrTx/>
-              <a:buSzTx/>
-              <a:buFontTx/>
-              <a:buNone/>
-              <a:tabLst/>
-              <a:defRPr/>
-            </a:pPr>
             <a:r>
-              <a:rPr lang="ko-KR" altLang="ko-KR" dirty="0"/>
-              <a:t> </a:t>
+              <a:rPr lang="ko-KR" altLang="en-US" dirty="0" smtClean="0"/>
+              <a:t>저희 </a:t>
             </a:r>
             <a:r>
-              <a:rPr kumimoji="1" lang="en-US" altLang="ko-KR" dirty="0"/>
-              <a:t>ppt </a:t>
+              <a:rPr lang="en-US" altLang="ko-KR" dirty="0" smtClean="0"/>
+              <a:t>3</a:t>
             </a:r>
             <a:r>
-              <a:rPr kumimoji="1" lang="ko-KR" altLang="en-US" dirty="0"/>
-              <a:t>읽고</a:t>
-            </a:r>
-            <a:endParaRPr kumimoji="1" lang="en-US" altLang="ko-KR" dirty="0"/>
-          </a:p>
-          <a:p>
-            <a:pPr marL="0" marR="0" lvl="0" indent="0" algn="l" defTabSz="914400" rtl="0" eaLnBrk="1" fontAlgn="auto" latinLnBrk="1" hangingPunct="1">
-              <a:lnSpc>
-                <a:spcPct val="100000"/>
-              </a:lnSpc>
-              <a:spcBef>
-                <a:spcPts val="0"/>
-              </a:spcBef>
-              <a:spcAft>
-                <a:spcPts val="0"/>
-              </a:spcAft>
-              <a:buClrTx/>
-              <a:buSzTx/>
-              <a:buFontTx/>
-              <a:buNone/>
-              <a:tabLst/>
-              <a:defRPr/>
-            </a:pPr>
-            <a:r>
-              <a:rPr kumimoji="1" lang="en-US" altLang="ko-KR" dirty="0"/>
-              <a:t>~</a:t>
+              <a:rPr lang="ko-KR" altLang="en-US" dirty="0" smtClean="0"/>
+              <a:t>팀이 만들 모바일 앱은 </a:t>
             </a:r>
             <a:r>
-              <a:rPr kumimoji="1" lang="ko-KR" altLang="en-US" dirty="0"/>
-              <a:t>등의 문제점을 수정 및 보완하여 체계적인 </a:t>
+              <a:rPr lang="en-US" altLang="ko-KR" dirty="0" smtClean="0"/>
+              <a:t>&lt;</a:t>
             </a:r>
             <a:r>
-              <a:rPr kumimoji="1" lang="ko-KR" altLang="en-US" dirty="0" err="1"/>
-              <a:t>튜터</a:t>
+              <a:rPr lang="ko-KR" altLang="en-US" dirty="0" err="1" smtClean="0"/>
+              <a:t>튜터링</a:t>
             </a:r>
             <a:r>
-              <a:rPr kumimoji="1" lang="ko-KR" altLang="en-US" dirty="0"/>
-              <a:t> </a:t>
+              <a:rPr lang="ko-KR" altLang="en-US" dirty="0" smtClean="0"/>
+              <a:t> 매칭 어플리케이션</a:t>
             </a:r>
             <a:r>
-              <a:rPr kumimoji="1" lang="ko-KR" altLang="en-US" dirty="0" err="1"/>
-              <a:t>튜티</a:t>
+              <a:rPr lang="en-US" altLang="ko-KR" dirty="0" smtClean="0"/>
+              <a:t>&gt; </a:t>
             </a:r>
             <a:r>
-              <a:rPr kumimoji="1" lang="ko-KR" altLang="en-US" dirty="0"/>
-              <a:t> 매칭 시스템 앱을 개발하는 것이 최종 목표입니다</a:t>
+              <a:rPr lang="ko-KR" altLang="en-US" dirty="0" smtClean="0"/>
+              <a:t>입니다</a:t>
             </a:r>
             <a:r>
-              <a:rPr kumimoji="1" lang="en-US" altLang="ko-KR" dirty="0"/>
+              <a:rPr lang="en-US" altLang="ko-KR" dirty="0" smtClean="0"/>
               <a:t>.</a:t>
             </a:r>
+            <a:endParaRPr lang="ko-KR" altLang="en-US" dirty="0"/>
           </a:p>
         </p:txBody>
       </p:sp>
@@ -26217,7 +26574,7 @@
             <a:spLocks noGrp="1"/>
           </p:cNvSpPr>
           <p:nvPr>
-            <p:ph type="sldNum" sz="quarter" idx="5"/>
+            <p:ph type="sldNum" sz="quarter" idx="10"/>
           </p:nvPr>
         </p:nvSpPr>
         <p:spPr/>
@@ -26227,7 +26584,7 @@
           <a:p>
             <a:fld id="{3F2870DF-1766-6D46-B7DA-F6A280D3D812}" type="slidenum">
               <a:rPr kumimoji="1" lang="ko-KR" altLang="en-US" smtClean="0"/>
-              <a:t>3</a:t>
+              <a:t>1</a:t>
             </a:fld>
             <a:endParaRPr kumimoji="1" lang="ko-KR" altLang="en-US"/>
           </a:p>
@@ -26236,7 +26593,7 @@
     </p:spTree>
     <p:extLst>
       <p:ext uri="{BB962C8B-B14F-4D97-AF65-F5344CB8AC3E}">
-        <p14:creationId xmlns:p14="http://schemas.microsoft.com/office/powerpoint/2010/main" val="3316953291"/>
+        <p14:creationId xmlns:p14="http://schemas.microsoft.com/office/powerpoint/2010/main" val="556693619"/>
       </p:ext>
     </p:extLst>
   </p:cSld>
@@ -26246,91 +26603,7 @@
 </p:notes>
 </file>
 
-<file path=ppt/notesSlides/notesSlide2.xml><?xml version="1.0" encoding="utf-8"?>
-<p:notes xmlns:a="http://schemas.openxmlformats.org/drawingml/2006/main" xmlns:r="http://schemas.openxmlformats.org/officeDocument/2006/relationships" xmlns:p="http://schemas.openxmlformats.org/presentationml/2006/main">
-  <p:cSld>
-    <p:spTree>
-      <p:nvGrpSpPr>
-        <p:cNvPr id="1" name=""/>
-        <p:cNvGrpSpPr/>
-        <p:nvPr/>
-      </p:nvGrpSpPr>
-      <p:grpSpPr>
-        <a:xfrm>
-          <a:off x="0" y="0"/>
-          <a:ext cx="0" cy="0"/>
-          <a:chOff x="0" y="0"/>
-          <a:chExt cx="0" cy="0"/>
-        </a:xfrm>
-      </p:grpSpPr>
-      <p:sp>
-        <p:nvSpPr>
-          <p:cNvPr id="2" name="슬라이드 이미지 개체 틀 1"/>
-          <p:cNvSpPr>
-            <a:spLocks noGrp="1" noRot="1" noChangeAspect="1"/>
-          </p:cNvSpPr>
-          <p:nvPr>
-            <p:ph type="sldImg"/>
-          </p:nvPr>
-        </p:nvSpPr>
-        <p:spPr/>
-      </p:sp>
-      <p:sp>
-        <p:nvSpPr>
-          <p:cNvPr id="3" name="슬라이드 노트 개체 틀 2"/>
-          <p:cNvSpPr>
-            <a:spLocks noGrp="1"/>
-          </p:cNvSpPr>
-          <p:nvPr>
-            <p:ph type="body" idx="1"/>
-          </p:nvPr>
-        </p:nvSpPr>
-        <p:spPr/>
-        <p:txBody>
-          <a:bodyPr/>
-          <a:lstStyle/>
-          <a:p>
-            <a:endParaRPr kumimoji="1" lang="ko-KR" altLang="en-US" dirty="0"/>
-          </a:p>
-        </p:txBody>
-      </p:sp>
-      <p:sp>
-        <p:nvSpPr>
-          <p:cNvPr id="4" name="슬라이드 번호 개체 틀 3"/>
-          <p:cNvSpPr>
-            <a:spLocks noGrp="1"/>
-          </p:cNvSpPr>
-          <p:nvPr>
-            <p:ph type="sldNum" sz="quarter" idx="5"/>
-          </p:nvPr>
-        </p:nvSpPr>
-        <p:spPr/>
-        <p:txBody>
-          <a:bodyPr/>
-          <a:lstStyle/>
-          <a:p>
-            <a:fld id="{3F2870DF-1766-6D46-B7DA-F6A280D3D812}" type="slidenum">
-              <a:rPr kumimoji="1" lang="ko-KR" altLang="en-US" smtClean="0"/>
-              <a:t>9</a:t>
-            </a:fld>
-            <a:endParaRPr kumimoji="1" lang="ko-KR" altLang="en-US"/>
-          </a:p>
-        </p:txBody>
-      </p:sp>
-    </p:spTree>
-    <p:extLst>
-      <p:ext uri="{BB962C8B-B14F-4D97-AF65-F5344CB8AC3E}">
-        <p14:creationId xmlns:p14="http://schemas.microsoft.com/office/powerpoint/2010/main" val="4108750151"/>
-      </p:ext>
-    </p:extLst>
-  </p:cSld>
-  <p:clrMapOvr>
-    <a:masterClrMapping/>
-  </p:clrMapOvr>
-</p:notes>
-</file>
-
-<file path=ppt/notesSlides/notesSlide3.xml><?xml version="1.0" encoding="utf-8"?>
+<file path=ppt/notesSlides/notesSlide10.xml><?xml version="1.0" encoding="utf-8"?>
 <p:notes xmlns:a="http://schemas.openxmlformats.org/drawingml/2006/main" xmlns:r="http://schemas.openxmlformats.org/officeDocument/2006/relationships" xmlns:p="http://schemas.openxmlformats.org/presentationml/2006/main">
   <p:cSld>
     <p:spTree>
@@ -26475,10 +26748,9 @@
               <a:t>튜티</a:t>
             </a:r>
             <a:r>
-              <a:rPr kumimoji="1" lang="ko-KR" altLang="en-US"/>
+              <a:rPr kumimoji="1" lang="ko-KR" altLang="en-US" dirty="0"/>
               <a:t> 권한 분리  </a:t>
             </a:r>
-            <a:endParaRPr kumimoji="1" lang="ko-KR" altLang="en-US" dirty="0"/>
           </a:p>
         </p:txBody>
       </p:sp>
@@ -26509,6 +26781,1641 @@
     <p:extLst>
       <p:ext uri="{BB962C8B-B14F-4D97-AF65-F5344CB8AC3E}">
         <p14:creationId xmlns:p14="http://schemas.microsoft.com/office/powerpoint/2010/main" val="375002049"/>
+      </p:ext>
+    </p:extLst>
+  </p:cSld>
+  <p:clrMapOvr>
+    <a:masterClrMapping/>
+  </p:clrMapOvr>
+</p:notes>
+</file>
+
+<file path=ppt/notesSlides/notesSlide2.xml><?xml version="1.0" encoding="utf-8"?>
+<p:notes xmlns:a="http://schemas.openxmlformats.org/drawingml/2006/main" xmlns:r="http://schemas.openxmlformats.org/officeDocument/2006/relationships" xmlns:p="http://schemas.openxmlformats.org/presentationml/2006/main">
+  <p:cSld>
+    <p:spTree>
+      <p:nvGrpSpPr>
+        <p:cNvPr id="1" name=""/>
+        <p:cNvGrpSpPr/>
+        <p:nvPr/>
+      </p:nvGrpSpPr>
+      <p:grpSpPr>
+        <a:xfrm>
+          <a:off x="0" y="0"/>
+          <a:ext cx="0" cy="0"/>
+          <a:chOff x="0" y="0"/>
+          <a:chExt cx="0" cy="0"/>
+        </a:xfrm>
+      </p:grpSpPr>
+      <p:sp>
+        <p:nvSpPr>
+          <p:cNvPr id="2" name="슬라이드 이미지 개체 틀 1"/>
+          <p:cNvSpPr>
+            <a:spLocks noGrp="1" noRot="1" noChangeAspect="1"/>
+          </p:cNvSpPr>
+          <p:nvPr>
+            <p:ph type="sldImg"/>
+          </p:nvPr>
+        </p:nvSpPr>
+        <p:spPr/>
+      </p:sp>
+      <p:sp>
+        <p:nvSpPr>
+          <p:cNvPr id="3" name="슬라이드 노트 개체 틀 2"/>
+          <p:cNvSpPr>
+            <a:spLocks noGrp="1"/>
+          </p:cNvSpPr>
+          <p:nvPr>
+            <p:ph type="body" idx="1"/>
+          </p:nvPr>
+        </p:nvSpPr>
+        <p:spPr/>
+        <p:txBody>
+          <a:bodyPr/>
+          <a:lstStyle/>
+          <a:p>
+            <a:r>
+              <a:rPr lang="en-US" altLang="ko-KR" dirty="0" smtClean="0"/>
+              <a:t>&lt;</a:t>
+            </a:r>
+            <a:r>
+              <a:rPr lang="ko-KR" altLang="en-US" dirty="0" err="1" smtClean="0"/>
+              <a:t>튜터링</a:t>
+            </a:r>
+            <a:r>
+              <a:rPr lang="ko-KR" altLang="en-US" dirty="0" smtClean="0"/>
+              <a:t> 매칭 앱</a:t>
+            </a:r>
+            <a:r>
+              <a:rPr lang="en-US" altLang="ko-KR" dirty="0" smtClean="0"/>
+              <a:t>&gt; </a:t>
+            </a:r>
+            <a:r>
+              <a:rPr lang="ko-KR" altLang="en-US" dirty="0" smtClean="0"/>
+              <a:t>은 </a:t>
+            </a:r>
+            <a:endParaRPr lang="en-US" altLang="ko-KR" dirty="0" smtClean="0"/>
+          </a:p>
+          <a:p>
+            <a:pPr marL="228600" indent="-228600">
+              <a:buAutoNum type="arabicPeriod"/>
+            </a:pPr>
+            <a:r>
+              <a:rPr lang="ko-KR" altLang="en-US" dirty="0" smtClean="0"/>
+              <a:t>한성 대학교에서 진행하는 학과</a:t>
+            </a:r>
+            <a:r>
+              <a:rPr lang="en-US" altLang="ko-KR" dirty="0" smtClean="0"/>
+              <a:t>/</a:t>
+            </a:r>
+            <a:r>
+              <a:rPr lang="ko-KR" altLang="en-US" dirty="0" smtClean="0"/>
+              <a:t>한성 </a:t>
+            </a:r>
+            <a:r>
+              <a:rPr lang="ko-KR" altLang="en-US" dirty="0" err="1" smtClean="0"/>
+              <a:t>튜터링</a:t>
+            </a:r>
+            <a:r>
+              <a:rPr lang="ko-KR" altLang="en-US" dirty="0" smtClean="0"/>
+              <a:t> 프로그램의 </a:t>
+            </a:r>
+            <a:r>
+              <a:rPr lang="ko-KR" altLang="en-US" dirty="0" err="1" smtClean="0"/>
+              <a:t>튜터</a:t>
+            </a:r>
+            <a:r>
+              <a:rPr lang="en-US" altLang="ko-KR" dirty="0" smtClean="0"/>
+              <a:t>, </a:t>
+            </a:r>
+            <a:r>
+              <a:rPr lang="ko-KR" altLang="en-US" dirty="0" err="1" smtClean="0"/>
+              <a:t>튜티</a:t>
+            </a:r>
+            <a:r>
+              <a:rPr lang="ko-KR" altLang="en-US" dirty="0" smtClean="0"/>
+              <a:t> 지원자들을 대상으로</a:t>
+            </a:r>
+            <a:endParaRPr lang="en-US" altLang="ko-KR" dirty="0" smtClean="0"/>
+          </a:p>
+          <a:p>
+            <a:pPr marL="228600" indent="-228600">
+              <a:buAutoNum type="arabicPeriod"/>
+            </a:pPr>
+            <a:r>
+              <a:rPr lang="ko-KR" altLang="en-US" dirty="0" smtClean="0"/>
+              <a:t>상호간의 정보 공유로</a:t>
+            </a:r>
+            <a:endParaRPr lang="en-US" altLang="ko-KR" dirty="0" smtClean="0"/>
+          </a:p>
+          <a:p>
+            <a:pPr marL="685800" lvl="1" indent="-228600">
+              <a:buAutoNum type="arabicPeriod"/>
+            </a:pPr>
+            <a:r>
+              <a:rPr lang="ko-KR" altLang="en-US" baseline="0" dirty="0" err="1" smtClean="0"/>
+              <a:t>튜티</a:t>
+            </a:r>
+            <a:r>
+              <a:rPr lang="ko-KR" altLang="en-US" baseline="0" dirty="0" smtClean="0"/>
+              <a:t> 최종 명단 확정</a:t>
+            </a:r>
+            <a:endParaRPr lang="en-US" altLang="ko-KR" baseline="0" dirty="0" smtClean="0"/>
+          </a:p>
+          <a:p>
+            <a:pPr marL="685800" lvl="1" indent="-228600">
+              <a:buAutoNum type="arabicPeriod"/>
+            </a:pPr>
+            <a:r>
+              <a:rPr lang="ko-KR" altLang="en-US" baseline="0" dirty="0" err="1" smtClean="0"/>
+              <a:t>튜터링</a:t>
+            </a:r>
+            <a:r>
+              <a:rPr lang="ko-KR" altLang="en-US" baseline="0" dirty="0" smtClean="0"/>
+              <a:t> 진행 시간을 관리하는</a:t>
+            </a:r>
+            <a:endParaRPr lang="en-US" altLang="ko-KR" dirty="0" smtClean="0"/>
+          </a:p>
+          <a:p>
+            <a:pPr marL="228600" indent="-228600">
+              <a:buAutoNum type="arabicPeriod"/>
+            </a:pPr>
+            <a:r>
+              <a:rPr lang="ko-KR" altLang="en-US" dirty="0" err="1" smtClean="0"/>
+              <a:t>튜터</a:t>
+            </a:r>
+            <a:r>
+              <a:rPr lang="en-US" altLang="ko-KR" dirty="0" smtClean="0"/>
+              <a:t>-</a:t>
+            </a:r>
+            <a:r>
+              <a:rPr lang="ko-KR" altLang="en-US" dirty="0" err="1" smtClean="0"/>
+              <a:t>튜티</a:t>
+            </a:r>
+            <a:r>
+              <a:rPr lang="ko-KR" altLang="en-US" dirty="0" smtClean="0"/>
+              <a:t> 간의 매칭 어플리케이션입니다</a:t>
+            </a:r>
+            <a:r>
+              <a:rPr lang="en-US" altLang="ko-KR" dirty="0" smtClean="0"/>
+              <a:t>. </a:t>
+            </a:r>
+          </a:p>
+          <a:p>
+            <a:endParaRPr lang="en-US" altLang="ko-KR" dirty="0" smtClean="0"/>
+          </a:p>
+          <a:p>
+            <a:endParaRPr lang="ko-KR" altLang="en-US" dirty="0"/>
+          </a:p>
+        </p:txBody>
+      </p:sp>
+      <p:sp>
+        <p:nvSpPr>
+          <p:cNvPr id="4" name="슬라이드 번호 개체 틀 3"/>
+          <p:cNvSpPr>
+            <a:spLocks noGrp="1"/>
+          </p:cNvSpPr>
+          <p:nvPr>
+            <p:ph type="sldNum" sz="quarter" idx="10"/>
+          </p:nvPr>
+        </p:nvSpPr>
+        <p:spPr/>
+        <p:txBody>
+          <a:bodyPr/>
+          <a:lstStyle/>
+          <a:p>
+            <a:fld id="{3F2870DF-1766-6D46-B7DA-F6A280D3D812}" type="slidenum">
+              <a:rPr kumimoji="1" lang="ko-KR" altLang="en-US" smtClean="0"/>
+              <a:t>2</a:t>
+            </a:fld>
+            <a:endParaRPr kumimoji="1" lang="ko-KR" altLang="en-US"/>
+          </a:p>
+        </p:txBody>
+      </p:sp>
+    </p:spTree>
+    <p:extLst>
+      <p:ext uri="{BB962C8B-B14F-4D97-AF65-F5344CB8AC3E}">
+        <p14:creationId xmlns:p14="http://schemas.microsoft.com/office/powerpoint/2010/main" val="2549625769"/>
+      </p:ext>
+    </p:extLst>
+  </p:cSld>
+  <p:clrMapOvr>
+    <a:masterClrMapping/>
+  </p:clrMapOvr>
+</p:notes>
+</file>
+
+<file path=ppt/notesSlides/notesSlide3.xml><?xml version="1.0" encoding="utf-8"?>
+<p:notes xmlns:a="http://schemas.openxmlformats.org/drawingml/2006/main" xmlns:r="http://schemas.openxmlformats.org/officeDocument/2006/relationships" xmlns:p="http://schemas.openxmlformats.org/presentationml/2006/main">
+  <p:cSld>
+    <p:spTree>
+      <p:nvGrpSpPr>
+        <p:cNvPr id="1" name=""/>
+        <p:cNvGrpSpPr/>
+        <p:nvPr/>
+      </p:nvGrpSpPr>
+      <p:grpSpPr>
+        <a:xfrm>
+          <a:off x="0" y="0"/>
+          <a:ext cx="0" cy="0"/>
+          <a:chOff x="0" y="0"/>
+          <a:chExt cx="0" cy="0"/>
+        </a:xfrm>
+      </p:grpSpPr>
+      <p:sp>
+        <p:nvSpPr>
+          <p:cNvPr id="2" name="슬라이드 이미지 개체 틀 1"/>
+          <p:cNvSpPr>
+            <a:spLocks noGrp="1" noRot="1" noChangeAspect="1"/>
+          </p:cNvSpPr>
+          <p:nvPr>
+            <p:ph type="sldImg"/>
+          </p:nvPr>
+        </p:nvSpPr>
+        <p:spPr/>
+      </p:sp>
+      <p:sp>
+        <p:nvSpPr>
+          <p:cNvPr id="3" name="슬라이드 노트 개체 틀 2"/>
+          <p:cNvSpPr>
+            <a:spLocks noGrp="1"/>
+          </p:cNvSpPr>
+          <p:nvPr>
+            <p:ph type="body" idx="1"/>
+          </p:nvPr>
+        </p:nvSpPr>
+        <p:spPr/>
+        <p:txBody>
+          <a:bodyPr/>
+          <a:lstStyle/>
+          <a:p>
+            <a:pPr marL="0" marR="0" lvl="0" indent="0" algn="l" defTabSz="914400" rtl="0" eaLnBrk="1" fontAlgn="auto" latinLnBrk="1" hangingPunct="1">
+              <a:lnSpc>
+                <a:spcPct val="100000"/>
+              </a:lnSpc>
+              <a:spcBef>
+                <a:spcPts val="0"/>
+              </a:spcBef>
+              <a:spcAft>
+                <a:spcPts val="0"/>
+              </a:spcAft>
+              <a:buClrTx/>
+              <a:buSzTx/>
+              <a:buFontTx/>
+              <a:buNone/>
+              <a:tabLst/>
+              <a:defRPr/>
+            </a:pPr>
+            <a:r>
+              <a:rPr kumimoji="1" lang="ko-KR" altLang="en-US" dirty="0" smtClean="0"/>
+              <a:t>기존 </a:t>
+            </a:r>
+            <a:r>
+              <a:rPr kumimoji="1" lang="ko-KR" altLang="en-US" dirty="0" err="1" smtClean="0"/>
+              <a:t>튜터링의</a:t>
+            </a:r>
+            <a:endParaRPr kumimoji="1" lang="en-US" altLang="ko-KR" dirty="0" smtClean="0"/>
+          </a:p>
+          <a:p>
+            <a:pPr marL="228600" marR="0" lvl="0" indent="-228600" algn="l" defTabSz="914400" rtl="0" eaLnBrk="1" fontAlgn="auto" latinLnBrk="1" hangingPunct="1">
+              <a:lnSpc>
+                <a:spcPct val="100000"/>
+              </a:lnSpc>
+              <a:spcBef>
+                <a:spcPts val="0"/>
+              </a:spcBef>
+              <a:spcAft>
+                <a:spcPts val="0"/>
+              </a:spcAft>
+              <a:buClrTx/>
+              <a:buSzTx/>
+              <a:buFontTx/>
+              <a:buAutoNum type="arabicPeriod"/>
+              <a:tabLst/>
+              <a:defRPr/>
+            </a:pPr>
+            <a:r>
+              <a:rPr kumimoji="1" lang="ko-KR" altLang="en-US" baseline="0" dirty="0" smtClean="0"/>
+              <a:t>각 </a:t>
+            </a:r>
+            <a:r>
+              <a:rPr kumimoji="1" lang="ko-KR" altLang="en-US" baseline="0" dirty="0" err="1" smtClean="0"/>
+              <a:t>강의마다</a:t>
+            </a:r>
+            <a:r>
+              <a:rPr kumimoji="1" lang="ko-KR" altLang="en-US" baseline="0" dirty="0" smtClean="0"/>
+              <a:t> </a:t>
+            </a:r>
+            <a:r>
+              <a:rPr kumimoji="1" lang="ko-KR" altLang="en-US" baseline="0" dirty="0" err="1" smtClean="0"/>
+              <a:t>튜티</a:t>
+            </a:r>
+            <a:r>
+              <a:rPr kumimoji="1" lang="ko-KR" altLang="en-US" baseline="0" dirty="0" smtClean="0"/>
+              <a:t> 지원자 명단을 개별 확보해야 하는 번거로움</a:t>
+            </a:r>
+            <a:endParaRPr kumimoji="1" lang="en-US" altLang="ko-KR" baseline="0" dirty="0" smtClean="0"/>
+          </a:p>
+          <a:p>
+            <a:pPr marL="228600" marR="0" lvl="0" indent="-228600" algn="l" defTabSz="914400" rtl="0" eaLnBrk="1" fontAlgn="auto" latinLnBrk="1" hangingPunct="1">
+              <a:lnSpc>
+                <a:spcPct val="100000"/>
+              </a:lnSpc>
+              <a:spcBef>
+                <a:spcPts val="0"/>
+              </a:spcBef>
+              <a:spcAft>
+                <a:spcPts val="0"/>
+              </a:spcAft>
+              <a:buClrTx/>
+              <a:buSzTx/>
+              <a:buFontTx/>
+              <a:buAutoNum type="arabicPeriod"/>
+              <a:tabLst/>
+              <a:defRPr/>
+            </a:pPr>
+            <a:r>
+              <a:rPr kumimoji="1" lang="ko-KR" altLang="en-US" baseline="0" dirty="0" smtClean="0"/>
+              <a:t>카카오톡으로  </a:t>
+            </a:r>
+            <a:r>
+              <a:rPr kumimoji="1" lang="ko-KR" altLang="en-US" baseline="0" dirty="0" err="1" smtClean="0"/>
+              <a:t>튜터</a:t>
+            </a:r>
+            <a:r>
+              <a:rPr kumimoji="1" lang="en-US" altLang="ko-KR" baseline="0" dirty="0" smtClean="0"/>
+              <a:t>-</a:t>
+            </a:r>
+            <a:r>
+              <a:rPr kumimoji="1" lang="ko-KR" altLang="en-US" baseline="0" dirty="0" err="1" smtClean="0"/>
+              <a:t>튜티의</a:t>
+            </a:r>
+            <a:r>
+              <a:rPr kumimoji="1" lang="ko-KR" altLang="en-US" baseline="0" dirty="0" smtClean="0"/>
+              <a:t> 사전 정보를 확인해야 하기 때문에 한눈에 정보 확인이 힘듦</a:t>
+            </a:r>
+            <a:endParaRPr kumimoji="1" lang="en-US" altLang="ko-KR" baseline="0" dirty="0" smtClean="0"/>
+          </a:p>
+          <a:p>
+            <a:pPr marL="228600" marR="0" lvl="0" indent="-228600" algn="l" defTabSz="914400" rtl="0" eaLnBrk="1" fontAlgn="auto" latinLnBrk="1" hangingPunct="1">
+              <a:lnSpc>
+                <a:spcPct val="100000"/>
+              </a:lnSpc>
+              <a:spcBef>
+                <a:spcPts val="0"/>
+              </a:spcBef>
+              <a:spcAft>
+                <a:spcPts val="0"/>
+              </a:spcAft>
+              <a:buClrTx/>
+              <a:buSzTx/>
+              <a:buFontTx/>
+              <a:buAutoNum type="arabicPeriod"/>
+              <a:tabLst/>
+              <a:defRPr/>
+            </a:pPr>
+            <a:r>
+              <a:rPr kumimoji="1" lang="ko-KR" altLang="en-US" baseline="0" dirty="0" smtClean="0"/>
+              <a:t>최종 </a:t>
+            </a:r>
+            <a:r>
+              <a:rPr kumimoji="1" lang="ko-KR" altLang="en-US" baseline="0" dirty="0" err="1" smtClean="0"/>
+              <a:t>튜티</a:t>
+            </a:r>
+            <a:r>
+              <a:rPr kumimoji="1" lang="ko-KR" altLang="en-US" baseline="0" dirty="0" smtClean="0"/>
+              <a:t> 명단 확정이 어려움</a:t>
+            </a:r>
+            <a:endParaRPr kumimoji="1" lang="en-US" altLang="ko-KR" baseline="0" dirty="0" smtClean="0"/>
+          </a:p>
+          <a:p>
+            <a:pPr marL="228600" marR="0" lvl="0" indent="-228600" algn="l" defTabSz="914400" rtl="0" eaLnBrk="1" fontAlgn="auto" latinLnBrk="1" hangingPunct="1">
+              <a:lnSpc>
+                <a:spcPct val="100000"/>
+              </a:lnSpc>
+              <a:spcBef>
+                <a:spcPts val="0"/>
+              </a:spcBef>
+              <a:spcAft>
+                <a:spcPts val="0"/>
+              </a:spcAft>
+              <a:buClrTx/>
+              <a:buSzTx/>
+              <a:buFontTx/>
+              <a:buAutoNum type="arabicPeriod"/>
+              <a:tabLst/>
+              <a:defRPr/>
+            </a:pPr>
+            <a:r>
+              <a:rPr kumimoji="1" lang="ko-KR" altLang="en-US" dirty="0" err="1" smtClean="0"/>
+              <a:t>튜티</a:t>
+            </a:r>
+            <a:r>
+              <a:rPr kumimoji="1" lang="ko-KR" altLang="en-US" dirty="0" smtClean="0"/>
+              <a:t> 명단에</a:t>
+            </a:r>
+            <a:r>
+              <a:rPr kumimoji="1" lang="ko-KR" altLang="en-US" baseline="0" dirty="0" smtClean="0"/>
+              <a:t> 변동사항이 있을 시 조교에게 전달 과정이 복잡</a:t>
+            </a:r>
+            <a:endParaRPr kumimoji="1" lang="en-US" altLang="ko-KR" baseline="0" dirty="0" smtClean="0"/>
+          </a:p>
+          <a:p>
+            <a:pPr marL="228600" marR="0" lvl="0" indent="-228600" algn="l" defTabSz="914400" rtl="0" eaLnBrk="1" fontAlgn="auto" latinLnBrk="1" hangingPunct="1">
+              <a:lnSpc>
+                <a:spcPct val="100000"/>
+              </a:lnSpc>
+              <a:spcBef>
+                <a:spcPts val="0"/>
+              </a:spcBef>
+              <a:spcAft>
+                <a:spcPts val="0"/>
+              </a:spcAft>
+              <a:buClrTx/>
+              <a:buSzTx/>
+              <a:buFontTx/>
+              <a:buAutoNum type="arabicPeriod"/>
+              <a:tabLst/>
+              <a:defRPr/>
+            </a:pPr>
+            <a:r>
+              <a:rPr kumimoji="1" lang="ko-KR" altLang="en-US" baseline="0" dirty="0" smtClean="0"/>
+              <a:t>비효율적인 </a:t>
+            </a:r>
+            <a:r>
+              <a:rPr kumimoji="1" lang="ko-KR" altLang="en-US" baseline="0" dirty="0" err="1" smtClean="0"/>
+              <a:t>튜터</a:t>
+            </a:r>
+            <a:r>
+              <a:rPr kumimoji="1" lang="en-US" altLang="ko-KR" baseline="0" dirty="0" smtClean="0"/>
+              <a:t>-</a:t>
+            </a:r>
+            <a:r>
+              <a:rPr kumimoji="1" lang="ko-KR" altLang="en-US" baseline="0" dirty="0" err="1" smtClean="0"/>
+              <a:t>튜티간의</a:t>
+            </a:r>
+            <a:r>
+              <a:rPr kumimoji="1" lang="ko-KR" altLang="en-US" baseline="0" dirty="0" smtClean="0"/>
+              <a:t> </a:t>
+            </a:r>
+            <a:r>
+              <a:rPr kumimoji="1" lang="ko-KR" altLang="en-US" baseline="0" dirty="0" err="1" smtClean="0"/>
+              <a:t>튜터링</a:t>
+            </a:r>
+            <a:r>
+              <a:rPr kumimoji="1" lang="ko-KR" altLang="en-US" baseline="0" dirty="0" smtClean="0"/>
+              <a:t> 진행 시간 결정 논의 과정</a:t>
+            </a:r>
+            <a:endParaRPr kumimoji="1" lang="en-US" altLang="ko-KR" baseline="0" dirty="0" smtClean="0"/>
+          </a:p>
+          <a:p>
+            <a:pPr marL="228600" marR="0" lvl="0" indent="-228600" algn="l" defTabSz="914400" rtl="0" eaLnBrk="1" fontAlgn="auto" latinLnBrk="1" hangingPunct="1">
+              <a:lnSpc>
+                <a:spcPct val="100000"/>
+              </a:lnSpc>
+              <a:spcBef>
+                <a:spcPts val="0"/>
+              </a:spcBef>
+              <a:spcAft>
+                <a:spcPts val="0"/>
+              </a:spcAft>
+              <a:buClrTx/>
+              <a:buSzTx/>
+              <a:buFontTx/>
+              <a:buAutoNum type="arabicPeriod"/>
+              <a:tabLst/>
+              <a:defRPr/>
+            </a:pPr>
+            <a:r>
+              <a:rPr kumimoji="1" lang="ko-KR" altLang="en-US" baseline="0" dirty="0" err="1" smtClean="0"/>
+              <a:t>튜터링</a:t>
+            </a:r>
+            <a:r>
+              <a:rPr kumimoji="1" lang="ko-KR" altLang="en-US" baseline="0" dirty="0" smtClean="0"/>
+              <a:t> 진행 시간 변경 시 빈 강의실의 조회 및 확보의 </a:t>
+            </a:r>
+            <a:endParaRPr kumimoji="1" lang="en-US" altLang="ko-KR" baseline="0" dirty="0" smtClean="0"/>
+          </a:p>
+          <a:p>
+            <a:pPr marL="0" marR="0" lvl="0" indent="0" algn="l" defTabSz="914400" rtl="0" eaLnBrk="1" fontAlgn="auto" latinLnBrk="1" hangingPunct="1">
+              <a:lnSpc>
+                <a:spcPct val="100000"/>
+              </a:lnSpc>
+              <a:spcBef>
+                <a:spcPts val="0"/>
+              </a:spcBef>
+              <a:spcAft>
+                <a:spcPts val="0"/>
+              </a:spcAft>
+              <a:buClrTx/>
+              <a:buSzTx/>
+              <a:buFontTx/>
+              <a:buNone/>
+              <a:tabLst/>
+              <a:defRPr/>
+            </a:pPr>
+            <a:endParaRPr kumimoji="1" lang="en-US" altLang="ko-KR" dirty="0" smtClean="0"/>
+          </a:p>
+          <a:p>
+            <a:pPr marL="0" marR="0" lvl="0" indent="0" algn="l" defTabSz="914400" rtl="0" eaLnBrk="1" fontAlgn="auto" latinLnBrk="1" hangingPunct="1">
+              <a:lnSpc>
+                <a:spcPct val="100000"/>
+              </a:lnSpc>
+              <a:spcBef>
+                <a:spcPts val="0"/>
+              </a:spcBef>
+              <a:spcAft>
+                <a:spcPts val="0"/>
+              </a:spcAft>
+              <a:buClrTx/>
+              <a:buSzTx/>
+              <a:buFontTx/>
+              <a:buNone/>
+              <a:tabLst/>
+              <a:defRPr/>
+            </a:pPr>
+            <a:r>
+              <a:rPr kumimoji="1" lang="en-US" altLang="ko-KR" dirty="0" smtClean="0"/>
+              <a:t>~</a:t>
+            </a:r>
+            <a:r>
+              <a:rPr kumimoji="1" lang="ko-KR" altLang="en-US" dirty="0"/>
+              <a:t>등의 문제점을 수정 및 보완하여 체계적인 </a:t>
+            </a:r>
+            <a:r>
+              <a:rPr kumimoji="1" lang="ko-KR" altLang="en-US" dirty="0" err="1"/>
+              <a:t>튜터</a:t>
+            </a:r>
+            <a:r>
+              <a:rPr kumimoji="1" lang="ko-KR" altLang="en-US" dirty="0"/>
+              <a:t> </a:t>
+            </a:r>
+            <a:r>
+              <a:rPr kumimoji="1" lang="ko-KR" altLang="en-US" dirty="0" err="1"/>
+              <a:t>튜티</a:t>
+            </a:r>
+            <a:r>
+              <a:rPr kumimoji="1" lang="ko-KR" altLang="en-US" dirty="0"/>
+              <a:t> 매칭 시스템 앱을 개발하는 것이 최종 목표입니다</a:t>
+            </a:r>
+            <a:r>
+              <a:rPr kumimoji="1" lang="en-US" altLang="ko-KR" dirty="0"/>
+              <a:t>.</a:t>
+            </a:r>
+          </a:p>
+        </p:txBody>
+      </p:sp>
+      <p:sp>
+        <p:nvSpPr>
+          <p:cNvPr id="4" name="슬라이드 번호 개체 틀 3"/>
+          <p:cNvSpPr>
+            <a:spLocks noGrp="1"/>
+          </p:cNvSpPr>
+          <p:nvPr>
+            <p:ph type="sldNum" sz="quarter" idx="5"/>
+          </p:nvPr>
+        </p:nvSpPr>
+        <p:spPr/>
+        <p:txBody>
+          <a:bodyPr/>
+          <a:lstStyle/>
+          <a:p>
+            <a:fld id="{3F2870DF-1766-6D46-B7DA-F6A280D3D812}" type="slidenum">
+              <a:rPr kumimoji="1" lang="ko-KR" altLang="en-US" smtClean="0"/>
+              <a:t>3</a:t>
+            </a:fld>
+            <a:endParaRPr kumimoji="1" lang="ko-KR" altLang="en-US"/>
+          </a:p>
+        </p:txBody>
+      </p:sp>
+    </p:spTree>
+    <p:extLst>
+      <p:ext uri="{BB962C8B-B14F-4D97-AF65-F5344CB8AC3E}">
+        <p14:creationId xmlns:p14="http://schemas.microsoft.com/office/powerpoint/2010/main" val="3316953291"/>
+      </p:ext>
+    </p:extLst>
+  </p:cSld>
+  <p:clrMapOvr>
+    <a:masterClrMapping/>
+  </p:clrMapOvr>
+</p:notes>
+</file>
+
+<file path=ppt/notesSlides/notesSlide4.xml><?xml version="1.0" encoding="utf-8"?>
+<p:notes xmlns:a="http://schemas.openxmlformats.org/drawingml/2006/main" xmlns:r="http://schemas.openxmlformats.org/officeDocument/2006/relationships" xmlns:p="http://schemas.openxmlformats.org/presentationml/2006/main">
+  <p:cSld>
+    <p:spTree>
+      <p:nvGrpSpPr>
+        <p:cNvPr id="1" name=""/>
+        <p:cNvGrpSpPr/>
+        <p:nvPr/>
+      </p:nvGrpSpPr>
+      <p:grpSpPr>
+        <a:xfrm>
+          <a:off x="0" y="0"/>
+          <a:ext cx="0" cy="0"/>
+          <a:chOff x="0" y="0"/>
+          <a:chExt cx="0" cy="0"/>
+        </a:xfrm>
+      </p:grpSpPr>
+      <p:sp>
+        <p:nvSpPr>
+          <p:cNvPr id="2" name="슬라이드 이미지 개체 틀 1"/>
+          <p:cNvSpPr>
+            <a:spLocks noGrp="1" noRot="1" noChangeAspect="1"/>
+          </p:cNvSpPr>
+          <p:nvPr>
+            <p:ph type="sldImg"/>
+          </p:nvPr>
+        </p:nvSpPr>
+        <p:spPr/>
+      </p:sp>
+      <p:sp>
+        <p:nvSpPr>
+          <p:cNvPr id="3" name="슬라이드 노트 개체 틀 2"/>
+          <p:cNvSpPr>
+            <a:spLocks noGrp="1"/>
+          </p:cNvSpPr>
+          <p:nvPr>
+            <p:ph type="body" idx="1"/>
+          </p:nvPr>
+        </p:nvSpPr>
+        <p:spPr/>
+        <p:txBody>
+          <a:bodyPr/>
+          <a:lstStyle/>
+          <a:p>
+            <a:r>
+              <a:rPr lang="ko-KR" altLang="en-US" dirty="0" smtClean="0"/>
+              <a:t>기능</a:t>
+            </a:r>
+            <a:r>
+              <a:rPr lang="ko-KR" altLang="en-US" baseline="0" dirty="0" smtClean="0"/>
+              <a:t>은 크게 </a:t>
+            </a:r>
+            <a:endParaRPr lang="en-US" altLang="ko-KR" baseline="0" dirty="0" smtClean="0"/>
+          </a:p>
+          <a:p>
+            <a:pPr marL="228600" indent="-228600">
+              <a:buAutoNum type="arabicPeriod"/>
+            </a:pPr>
+            <a:r>
+              <a:rPr lang="ko-KR" altLang="en-US" baseline="0" dirty="0" err="1" smtClean="0"/>
+              <a:t>튜터링</a:t>
+            </a:r>
+            <a:r>
+              <a:rPr lang="ko-KR" altLang="en-US" baseline="0" dirty="0" smtClean="0"/>
+              <a:t> 카테고리</a:t>
+            </a:r>
+            <a:endParaRPr lang="en-US" altLang="ko-KR" baseline="0" dirty="0" smtClean="0"/>
+          </a:p>
+          <a:p>
+            <a:pPr marL="228600" indent="-228600">
+              <a:buAutoNum type="arabicPeriod"/>
+            </a:pPr>
+            <a:r>
+              <a:rPr lang="ko-KR" altLang="en-US" baseline="0" dirty="0" smtClean="0"/>
+              <a:t>사용자</a:t>
+            </a:r>
+            <a:endParaRPr lang="en-US" altLang="ko-KR" baseline="0" dirty="0" smtClean="0"/>
+          </a:p>
+          <a:p>
+            <a:pPr marL="228600" indent="-228600">
+              <a:buAutoNum type="arabicPeriod"/>
+            </a:pPr>
+            <a:r>
+              <a:rPr lang="ko-KR" altLang="en-US" baseline="0" dirty="0" err="1" smtClean="0"/>
+              <a:t>튜터</a:t>
+            </a:r>
+            <a:endParaRPr lang="en-US" altLang="ko-KR" baseline="0" dirty="0" smtClean="0"/>
+          </a:p>
+          <a:p>
+            <a:pPr marL="228600" indent="-228600">
+              <a:buAutoNum type="arabicPeriod"/>
+            </a:pPr>
+            <a:r>
+              <a:rPr lang="ko-KR" altLang="en-US" baseline="0" dirty="0" smtClean="0"/>
+              <a:t>그룹</a:t>
+            </a:r>
+            <a:endParaRPr lang="en-US" altLang="ko-KR" baseline="0" dirty="0" smtClean="0"/>
+          </a:p>
+          <a:p>
+            <a:pPr marL="0" indent="0">
+              <a:buNone/>
+            </a:pPr>
+            <a:endParaRPr lang="en-US" altLang="ko-KR" baseline="0" dirty="0" smtClean="0"/>
+          </a:p>
+          <a:p>
+            <a:pPr marL="0" indent="0">
+              <a:buNone/>
+            </a:pPr>
+            <a:r>
+              <a:rPr lang="ko-KR" altLang="en-US" baseline="0" dirty="0" err="1" smtClean="0"/>
+              <a:t>으로</a:t>
+            </a:r>
+            <a:r>
+              <a:rPr lang="ko-KR" altLang="en-US" baseline="0" dirty="0" smtClean="0"/>
+              <a:t> 나뉩니다</a:t>
+            </a:r>
+            <a:r>
+              <a:rPr lang="en-US" altLang="ko-KR" baseline="0" dirty="0" smtClean="0"/>
+              <a:t>. </a:t>
+            </a:r>
+          </a:p>
+        </p:txBody>
+      </p:sp>
+      <p:sp>
+        <p:nvSpPr>
+          <p:cNvPr id="4" name="슬라이드 번호 개체 틀 3"/>
+          <p:cNvSpPr>
+            <a:spLocks noGrp="1"/>
+          </p:cNvSpPr>
+          <p:nvPr>
+            <p:ph type="sldNum" sz="quarter" idx="10"/>
+          </p:nvPr>
+        </p:nvSpPr>
+        <p:spPr/>
+        <p:txBody>
+          <a:bodyPr/>
+          <a:lstStyle/>
+          <a:p>
+            <a:fld id="{3F2870DF-1766-6D46-B7DA-F6A280D3D812}" type="slidenum">
+              <a:rPr kumimoji="1" lang="ko-KR" altLang="en-US" smtClean="0"/>
+              <a:t>4</a:t>
+            </a:fld>
+            <a:endParaRPr kumimoji="1" lang="ko-KR" altLang="en-US"/>
+          </a:p>
+        </p:txBody>
+      </p:sp>
+    </p:spTree>
+    <p:extLst>
+      <p:ext uri="{BB962C8B-B14F-4D97-AF65-F5344CB8AC3E}">
+        <p14:creationId xmlns:p14="http://schemas.microsoft.com/office/powerpoint/2010/main" val="3877833079"/>
+      </p:ext>
+    </p:extLst>
+  </p:cSld>
+  <p:clrMapOvr>
+    <a:masterClrMapping/>
+  </p:clrMapOvr>
+</p:notes>
+</file>
+
+<file path=ppt/notesSlides/notesSlide5.xml><?xml version="1.0" encoding="utf-8"?>
+<p:notes xmlns:a="http://schemas.openxmlformats.org/drawingml/2006/main" xmlns:r="http://schemas.openxmlformats.org/officeDocument/2006/relationships" xmlns:p="http://schemas.openxmlformats.org/presentationml/2006/main">
+  <p:cSld>
+    <p:spTree>
+      <p:nvGrpSpPr>
+        <p:cNvPr id="1" name=""/>
+        <p:cNvGrpSpPr/>
+        <p:nvPr/>
+      </p:nvGrpSpPr>
+      <p:grpSpPr>
+        <a:xfrm>
+          <a:off x="0" y="0"/>
+          <a:ext cx="0" cy="0"/>
+          <a:chOff x="0" y="0"/>
+          <a:chExt cx="0" cy="0"/>
+        </a:xfrm>
+      </p:grpSpPr>
+      <p:sp>
+        <p:nvSpPr>
+          <p:cNvPr id="2" name="슬라이드 이미지 개체 틀 1"/>
+          <p:cNvSpPr>
+            <a:spLocks noGrp="1" noRot="1" noChangeAspect="1"/>
+          </p:cNvSpPr>
+          <p:nvPr>
+            <p:ph type="sldImg"/>
+          </p:nvPr>
+        </p:nvSpPr>
+        <p:spPr/>
+      </p:sp>
+      <p:sp>
+        <p:nvSpPr>
+          <p:cNvPr id="3" name="슬라이드 노트 개체 틀 2"/>
+          <p:cNvSpPr>
+            <a:spLocks noGrp="1"/>
+          </p:cNvSpPr>
+          <p:nvPr>
+            <p:ph type="body" idx="1"/>
+          </p:nvPr>
+        </p:nvSpPr>
+        <p:spPr/>
+        <p:txBody>
+          <a:bodyPr/>
+          <a:lstStyle/>
+          <a:p>
+            <a:r>
+              <a:rPr lang="ko-KR" altLang="en-US" dirty="0" err="1" smtClean="0"/>
+              <a:t>튜터링</a:t>
+            </a:r>
+            <a:r>
+              <a:rPr lang="ko-KR" altLang="en-US" dirty="0" smtClean="0"/>
+              <a:t> 카테고리는 </a:t>
+            </a:r>
+            <a:endParaRPr lang="en-US" altLang="ko-KR" dirty="0" smtClean="0"/>
+          </a:p>
+          <a:p>
+            <a:endParaRPr lang="en-US" altLang="ko-KR" dirty="0" smtClean="0"/>
+          </a:p>
+          <a:p>
+            <a:pPr marL="228600" indent="-228600">
+              <a:buAutoNum type="arabicPeriod"/>
+            </a:pPr>
+            <a:r>
+              <a:rPr lang="ko-KR" altLang="en-US" dirty="0" smtClean="0"/>
+              <a:t>학과 </a:t>
+            </a:r>
+            <a:r>
+              <a:rPr lang="ko-KR" altLang="en-US" dirty="0" err="1" smtClean="0"/>
+              <a:t>튜터링</a:t>
+            </a:r>
+            <a:r>
+              <a:rPr lang="ko-KR" altLang="en-US" dirty="0" smtClean="0"/>
+              <a:t> 대상 카테고리와</a:t>
+            </a:r>
+            <a:endParaRPr lang="en-US" altLang="ko-KR" dirty="0" smtClean="0"/>
+          </a:p>
+          <a:p>
+            <a:pPr marL="228600" indent="-228600">
+              <a:buAutoNum type="arabicPeriod"/>
+            </a:pPr>
+            <a:r>
+              <a:rPr lang="ko-KR" altLang="en-US" dirty="0" smtClean="0"/>
+              <a:t>한성 </a:t>
+            </a:r>
+            <a:r>
+              <a:rPr lang="ko-KR" altLang="en-US" dirty="0" err="1" smtClean="0"/>
+              <a:t>튜터링</a:t>
+            </a:r>
+            <a:r>
+              <a:rPr lang="ko-KR" altLang="en-US" dirty="0" smtClean="0"/>
+              <a:t> 대상 카테고리로 나뉩니다</a:t>
+            </a:r>
+            <a:r>
+              <a:rPr lang="en-US" altLang="ko-KR" dirty="0" smtClean="0"/>
+              <a:t>. </a:t>
+            </a:r>
+          </a:p>
+          <a:p>
+            <a:pPr marL="228600" indent="-228600">
+              <a:buAutoNum type="arabicPeriod"/>
+            </a:pPr>
+            <a:endParaRPr lang="en-US" altLang="ko-KR" dirty="0" smtClean="0"/>
+          </a:p>
+          <a:p>
+            <a:pPr marL="228600" indent="-228600">
+              <a:buAutoNum type="arabicParenR"/>
+            </a:pPr>
+            <a:r>
+              <a:rPr lang="ko-KR" altLang="en-US" baseline="0" dirty="0" smtClean="0"/>
+              <a:t>학과 </a:t>
+            </a:r>
+            <a:r>
+              <a:rPr lang="ko-KR" altLang="en-US" baseline="0" dirty="0" err="1" smtClean="0"/>
+              <a:t>튜터링</a:t>
+            </a:r>
+            <a:r>
+              <a:rPr lang="ko-KR" altLang="en-US" baseline="0" dirty="0" smtClean="0"/>
+              <a:t> 카테고리에서는 학과에서 개설된 강의에 한해 </a:t>
+            </a:r>
+            <a:r>
+              <a:rPr lang="ko-KR" altLang="en-US" baseline="0" dirty="0" err="1" smtClean="0"/>
+              <a:t>채팅방</a:t>
+            </a:r>
+            <a:r>
+              <a:rPr lang="ko-KR" altLang="en-US" baseline="0" dirty="0" smtClean="0"/>
+              <a:t> 개설이 가능하며</a:t>
+            </a:r>
+            <a:endParaRPr lang="en-US" altLang="ko-KR" baseline="0" dirty="0" smtClean="0"/>
+          </a:p>
+          <a:p>
+            <a:pPr marL="228600" indent="-228600">
+              <a:buAutoNum type="arabicParenR"/>
+            </a:pPr>
+            <a:r>
+              <a:rPr lang="ko-KR" altLang="en-US" baseline="0" dirty="0" smtClean="0"/>
+              <a:t>한성 </a:t>
+            </a:r>
+            <a:r>
+              <a:rPr lang="ko-KR" altLang="en-US" baseline="0" dirty="0" err="1" smtClean="0"/>
+              <a:t>튜터링은</a:t>
+            </a:r>
+            <a:r>
+              <a:rPr lang="ko-KR" altLang="en-US" baseline="0" dirty="0" smtClean="0"/>
+              <a:t> </a:t>
+            </a:r>
+            <a:r>
+              <a:rPr lang="ko-KR" altLang="en-US" baseline="0" dirty="0" err="1" smtClean="0"/>
+              <a:t>튜터의</a:t>
+            </a:r>
+            <a:r>
+              <a:rPr lang="ko-KR" altLang="en-US" baseline="0" dirty="0" smtClean="0"/>
+              <a:t> 자율로 </a:t>
+            </a:r>
+            <a:r>
+              <a:rPr lang="ko-KR" altLang="en-US" baseline="0" dirty="0" err="1" smtClean="0"/>
+              <a:t>채팅방</a:t>
+            </a:r>
+            <a:r>
+              <a:rPr lang="ko-KR" altLang="en-US" baseline="0" dirty="0" smtClean="0"/>
+              <a:t> 개설이 가능합니다</a:t>
+            </a:r>
+            <a:r>
+              <a:rPr lang="en-US" altLang="ko-KR" baseline="0" dirty="0" smtClean="0"/>
+              <a:t>. </a:t>
+            </a:r>
+            <a:endParaRPr lang="ko-KR" altLang="en-US" dirty="0"/>
+          </a:p>
+        </p:txBody>
+      </p:sp>
+      <p:sp>
+        <p:nvSpPr>
+          <p:cNvPr id="4" name="슬라이드 번호 개체 틀 3"/>
+          <p:cNvSpPr>
+            <a:spLocks noGrp="1"/>
+          </p:cNvSpPr>
+          <p:nvPr>
+            <p:ph type="sldNum" sz="quarter" idx="10"/>
+          </p:nvPr>
+        </p:nvSpPr>
+        <p:spPr/>
+        <p:txBody>
+          <a:bodyPr/>
+          <a:lstStyle/>
+          <a:p>
+            <a:fld id="{3F2870DF-1766-6D46-B7DA-F6A280D3D812}" type="slidenum">
+              <a:rPr kumimoji="1" lang="ko-KR" altLang="en-US" smtClean="0"/>
+              <a:t>5</a:t>
+            </a:fld>
+            <a:endParaRPr kumimoji="1" lang="ko-KR" altLang="en-US"/>
+          </a:p>
+        </p:txBody>
+      </p:sp>
+    </p:spTree>
+    <p:extLst>
+      <p:ext uri="{BB962C8B-B14F-4D97-AF65-F5344CB8AC3E}">
+        <p14:creationId xmlns:p14="http://schemas.microsoft.com/office/powerpoint/2010/main" val="2971671594"/>
+      </p:ext>
+    </p:extLst>
+  </p:cSld>
+  <p:clrMapOvr>
+    <a:masterClrMapping/>
+  </p:clrMapOvr>
+</p:notes>
+</file>
+
+<file path=ppt/notesSlides/notesSlide6.xml><?xml version="1.0" encoding="utf-8"?>
+<p:notes xmlns:a="http://schemas.openxmlformats.org/drawingml/2006/main" xmlns:r="http://schemas.openxmlformats.org/officeDocument/2006/relationships" xmlns:p="http://schemas.openxmlformats.org/presentationml/2006/main">
+  <p:cSld>
+    <p:spTree>
+      <p:nvGrpSpPr>
+        <p:cNvPr id="1" name=""/>
+        <p:cNvGrpSpPr/>
+        <p:nvPr/>
+      </p:nvGrpSpPr>
+      <p:grpSpPr>
+        <a:xfrm>
+          <a:off x="0" y="0"/>
+          <a:ext cx="0" cy="0"/>
+          <a:chOff x="0" y="0"/>
+          <a:chExt cx="0" cy="0"/>
+        </a:xfrm>
+      </p:grpSpPr>
+      <p:sp>
+        <p:nvSpPr>
+          <p:cNvPr id="2" name="슬라이드 이미지 개체 틀 1"/>
+          <p:cNvSpPr>
+            <a:spLocks noGrp="1" noRot="1" noChangeAspect="1"/>
+          </p:cNvSpPr>
+          <p:nvPr>
+            <p:ph type="sldImg"/>
+          </p:nvPr>
+        </p:nvSpPr>
+        <p:spPr/>
+      </p:sp>
+      <p:sp>
+        <p:nvSpPr>
+          <p:cNvPr id="3" name="슬라이드 노트 개체 틀 2"/>
+          <p:cNvSpPr>
+            <a:spLocks noGrp="1"/>
+          </p:cNvSpPr>
+          <p:nvPr>
+            <p:ph type="body" idx="1"/>
+          </p:nvPr>
+        </p:nvSpPr>
+        <p:spPr/>
+        <p:txBody>
+          <a:bodyPr/>
+          <a:lstStyle/>
+          <a:p>
+            <a:r>
+              <a:rPr lang="ko-KR" altLang="en-US" dirty="0" smtClean="0"/>
+              <a:t>사용자 기능은 </a:t>
+            </a:r>
+            <a:endParaRPr lang="en-US" altLang="ko-KR" dirty="0" smtClean="0"/>
+          </a:p>
+          <a:p>
+            <a:endParaRPr lang="en-US" altLang="ko-KR" dirty="0" smtClean="0"/>
+          </a:p>
+          <a:p>
+            <a:pPr marL="228600" indent="-228600">
+              <a:buAutoNum type="arabicPeriod"/>
+            </a:pPr>
+            <a:r>
+              <a:rPr lang="ko-KR" altLang="en-US" dirty="0" smtClean="0"/>
+              <a:t>회원가입과 </a:t>
+            </a:r>
+            <a:endParaRPr lang="en-US" altLang="ko-KR" dirty="0" smtClean="0"/>
+          </a:p>
+          <a:p>
+            <a:pPr marL="228600" indent="-228600">
+              <a:buAutoNum type="arabicPeriod"/>
+            </a:pPr>
+            <a:r>
+              <a:rPr lang="ko-KR" altLang="en-US" dirty="0" err="1" smtClean="0"/>
+              <a:t>채팅방</a:t>
+            </a:r>
+            <a:r>
+              <a:rPr lang="ko-KR" altLang="en-US" dirty="0" smtClean="0"/>
+              <a:t> 목록 조회가 있습니다</a:t>
+            </a:r>
+            <a:r>
+              <a:rPr lang="en-US" altLang="ko-KR" dirty="0" smtClean="0"/>
+              <a:t>. </a:t>
+            </a:r>
+          </a:p>
+          <a:p>
+            <a:pPr marL="228600" indent="-228600">
+              <a:buAutoNum type="arabicPeriod"/>
+            </a:pPr>
+            <a:endParaRPr lang="en-US" altLang="ko-KR" dirty="0" smtClean="0"/>
+          </a:p>
+          <a:p>
+            <a:pPr marL="0" indent="0">
+              <a:buNone/>
+            </a:pPr>
+            <a:endParaRPr lang="en-US" altLang="ko-KR" dirty="0" smtClean="0"/>
+          </a:p>
+          <a:p>
+            <a:pPr marL="228600" indent="-228600">
+              <a:buAutoNum type="arabicParenR"/>
+            </a:pPr>
+            <a:r>
+              <a:rPr lang="ko-KR" altLang="en-US" dirty="0" smtClean="0"/>
+              <a:t>회원가입의 필수 기입 항목은 </a:t>
+            </a:r>
+            <a:r>
+              <a:rPr lang="en-US" altLang="ko-KR" dirty="0" smtClean="0"/>
+              <a:t>&lt;</a:t>
+            </a:r>
+            <a:r>
+              <a:rPr lang="ko-KR" altLang="en-US" dirty="0" smtClean="0"/>
+              <a:t>이름</a:t>
+            </a:r>
+            <a:r>
+              <a:rPr lang="en-US" altLang="ko-KR" dirty="0" smtClean="0"/>
+              <a:t>&gt;, &lt;</a:t>
+            </a:r>
+            <a:r>
+              <a:rPr lang="ko-KR" altLang="en-US" dirty="0" smtClean="0"/>
+              <a:t>학과</a:t>
+            </a:r>
+            <a:r>
+              <a:rPr lang="en-US" altLang="ko-KR" dirty="0" smtClean="0"/>
+              <a:t>, </a:t>
+            </a:r>
+            <a:r>
+              <a:rPr lang="ko-KR" altLang="en-US" dirty="0" smtClean="0"/>
+              <a:t>학번</a:t>
+            </a:r>
+            <a:r>
+              <a:rPr lang="en-US" altLang="ko-KR" dirty="0" smtClean="0"/>
+              <a:t>&gt;, &lt;</a:t>
+            </a:r>
+            <a:r>
+              <a:rPr lang="ko-KR" altLang="en-US" dirty="0" smtClean="0"/>
+              <a:t>비밀번호</a:t>
+            </a:r>
+            <a:r>
+              <a:rPr lang="en-US" altLang="ko-KR" dirty="0" smtClean="0"/>
+              <a:t>&gt;,</a:t>
+            </a:r>
+            <a:r>
+              <a:rPr lang="en-US" altLang="ko-KR" baseline="0" dirty="0" smtClean="0"/>
+              <a:t> &lt;</a:t>
+            </a:r>
+            <a:r>
+              <a:rPr lang="ko-KR" altLang="en-US" baseline="0" dirty="0" smtClean="0"/>
+              <a:t>비밀번호 재입력</a:t>
+            </a:r>
+            <a:r>
+              <a:rPr lang="en-US" altLang="ko-KR" baseline="0" dirty="0" smtClean="0"/>
+              <a:t>&gt; </a:t>
+            </a:r>
+            <a:r>
+              <a:rPr lang="ko-KR" altLang="en-US" baseline="0" dirty="0" smtClean="0"/>
+              <a:t>으로 나뉩니다</a:t>
+            </a:r>
+            <a:r>
+              <a:rPr lang="en-US" altLang="ko-KR" baseline="0" dirty="0" smtClean="0"/>
+              <a:t>. </a:t>
+            </a:r>
+          </a:p>
+          <a:p>
+            <a:pPr marL="228600" indent="-228600">
+              <a:buAutoNum type="arabicParenR"/>
+            </a:pPr>
+            <a:r>
+              <a:rPr lang="ko-KR" altLang="en-US" baseline="0" dirty="0" err="1" smtClean="0"/>
+              <a:t>채팅방</a:t>
+            </a:r>
+            <a:r>
+              <a:rPr lang="ko-KR" altLang="en-US" baseline="0" dirty="0" smtClean="0"/>
+              <a:t> 목록 조회는 현재 개설되어 있는 </a:t>
+            </a:r>
+            <a:r>
+              <a:rPr lang="ko-KR" altLang="en-US" baseline="0" dirty="0" err="1" smtClean="0"/>
+              <a:t>튜터링</a:t>
+            </a:r>
+            <a:r>
+              <a:rPr lang="ko-KR" altLang="en-US" baseline="0" dirty="0" smtClean="0"/>
+              <a:t> </a:t>
+            </a:r>
+            <a:r>
+              <a:rPr lang="ko-KR" altLang="en-US" baseline="0" dirty="0" err="1" smtClean="0"/>
+              <a:t>채팅방</a:t>
+            </a:r>
+            <a:r>
+              <a:rPr lang="ko-KR" altLang="en-US" baseline="0" dirty="0" smtClean="0"/>
+              <a:t> 목록을 조회할 수 있는 기능입니다</a:t>
+            </a:r>
+            <a:r>
+              <a:rPr lang="en-US" altLang="ko-KR" baseline="0" dirty="0" smtClean="0"/>
+              <a:t>. </a:t>
+            </a:r>
+          </a:p>
+          <a:p>
+            <a:pPr marL="0" indent="0">
+              <a:buNone/>
+            </a:pPr>
+            <a:endParaRPr lang="ko-KR" altLang="en-US" dirty="0"/>
+          </a:p>
+        </p:txBody>
+      </p:sp>
+      <p:sp>
+        <p:nvSpPr>
+          <p:cNvPr id="4" name="슬라이드 번호 개체 틀 3"/>
+          <p:cNvSpPr>
+            <a:spLocks noGrp="1"/>
+          </p:cNvSpPr>
+          <p:nvPr>
+            <p:ph type="sldNum" sz="quarter" idx="10"/>
+          </p:nvPr>
+        </p:nvSpPr>
+        <p:spPr/>
+        <p:txBody>
+          <a:bodyPr/>
+          <a:lstStyle/>
+          <a:p>
+            <a:fld id="{3F2870DF-1766-6D46-B7DA-F6A280D3D812}" type="slidenum">
+              <a:rPr kumimoji="1" lang="ko-KR" altLang="en-US" smtClean="0"/>
+              <a:t>6</a:t>
+            </a:fld>
+            <a:endParaRPr kumimoji="1" lang="ko-KR" altLang="en-US"/>
+          </a:p>
+        </p:txBody>
+      </p:sp>
+    </p:spTree>
+    <p:extLst>
+      <p:ext uri="{BB962C8B-B14F-4D97-AF65-F5344CB8AC3E}">
+        <p14:creationId xmlns:p14="http://schemas.microsoft.com/office/powerpoint/2010/main" val="3352283156"/>
+      </p:ext>
+    </p:extLst>
+  </p:cSld>
+  <p:clrMapOvr>
+    <a:masterClrMapping/>
+  </p:clrMapOvr>
+</p:notes>
+</file>
+
+<file path=ppt/notesSlides/notesSlide7.xml><?xml version="1.0" encoding="utf-8"?>
+<p:notes xmlns:a="http://schemas.openxmlformats.org/drawingml/2006/main" xmlns:r="http://schemas.openxmlformats.org/officeDocument/2006/relationships" xmlns:p="http://schemas.openxmlformats.org/presentationml/2006/main">
+  <p:cSld>
+    <p:spTree>
+      <p:nvGrpSpPr>
+        <p:cNvPr id="1" name=""/>
+        <p:cNvGrpSpPr/>
+        <p:nvPr/>
+      </p:nvGrpSpPr>
+      <p:grpSpPr>
+        <a:xfrm>
+          <a:off x="0" y="0"/>
+          <a:ext cx="0" cy="0"/>
+          <a:chOff x="0" y="0"/>
+          <a:chExt cx="0" cy="0"/>
+        </a:xfrm>
+      </p:grpSpPr>
+      <p:sp>
+        <p:nvSpPr>
+          <p:cNvPr id="2" name="슬라이드 이미지 개체 틀 1"/>
+          <p:cNvSpPr>
+            <a:spLocks noGrp="1" noRot="1" noChangeAspect="1"/>
+          </p:cNvSpPr>
+          <p:nvPr>
+            <p:ph type="sldImg"/>
+          </p:nvPr>
+        </p:nvSpPr>
+        <p:spPr/>
+      </p:sp>
+      <p:sp>
+        <p:nvSpPr>
+          <p:cNvPr id="3" name="슬라이드 노트 개체 틀 2"/>
+          <p:cNvSpPr>
+            <a:spLocks noGrp="1"/>
+          </p:cNvSpPr>
+          <p:nvPr>
+            <p:ph type="body" idx="1"/>
+          </p:nvPr>
+        </p:nvSpPr>
+        <p:spPr/>
+        <p:txBody>
+          <a:bodyPr/>
+          <a:lstStyle/>
+          <a:p>
+            <a:r>
+              <a:rPr lang="ko-KR" altLang="en-US" dirty="0" err="1" smtClean="0"/>
+              <a:t>튜터의</a:t>
+            </a:r>
+            <a:r>
+              <a:rPr lang="ko-KR" altLang="en-US" dirty="0" smtClean="0"/>
+              <a:t> 기능은</a:t>
+            </a:r>
+            <a:endParaRPr lang="en-US" altLang="ko-KR" dirty="0" smtClean="0"/>
+          </a:p>
+          <a:p>
+            <a:endParaRPr lang="en-US" altLang="ko-KR" dirty="0" smtClean="0"/>
+          </a:p>
+          <a:p>
+            <a:pPr marL="228600" indent="-228600">
+              <a:buAutoNum type="arabicPeriod"/>
+            </a:pPr>
+            <a:r>
+              <a:rPr lang="ko-KR" altLang="en-US" dirty="0" err="1" smtClean="0"/>
+              <a:t>채팅방</a:t>
+            </a:r>
+            <a:r>
+              <a:rPr lang="ko-KR" altLang="en-US" dirty="0" smtClean="0"/>
+              <a:t> 개설 </a:t>
+            </a:r>
+            <a:endParaRPr lang="en-US" altLang="ko-KR" dirty="0" smtClean="0"/>
+          </a:p>
+          <a:p>
+            <a:pPr marL="228600" indent="-228600">
+              <a:buAutoNum type="arabicPeriod"/>
+            </a:pPr>
+            <a:r>
+              <a:rPr lang="ko-KR" altLang="en-US" dirty="0" err="1" smtClean="0"/>
+              <a:t>채팅방</a:t>
+            </a:r>
+            <a:r>
+              <a:rPr lang="ko-KR" altLang="en-US" dirty="0" smtClean="0"/>
+              <a:t> 입장 수락 </a:t>
+            </a:r>
+            <a:endParaRPr lang="en-US" altLang="ko-KR" dirty="0" smtClean="0"/>
+          </a:p>
+          <a:p>
+            <a:pPr marL="228600" indent="-228600">
+              <a:buAutoNum type="arabicPeriod"/>
+            </a:pPr>
+            <a:r>
+              <a:rPr lang="ko-KR" altLang="en-US" dirty="0" err="1" smtClean="0"/>
+              <a:t>튜티</a:t>
+            </a:r>
+            <a:r>
+              <a:rPr lang="ko-KR" altLang="en-US" dirty="0" smtClean="0"/>
+              <a:t> 퇴출</a:t>
+            </a:r>
+            <a:endParaRPr lang="en-US" altLang="ko-KR" dirty="0" smtClean="0"/>
+          </a:p>
+          <a:p>
+            <a:pPr marL="228600" indent="-228600">
+              <a:buAutoNum type="arabicPeriod"/>
+            </a:pPr>
+            <a:r>
+              <a:rPr lang="ko-KR" altLang="en-US" dirty="0" err="1" smtClean="0"/>
+              <a:t>튜티</a:t>
+            </a:r>
+            <a:r>
+              <a:rPr lang="ko-KR" altLang="en-US" dirty="0" smtClean="0"/>
+              <a:t> 시간표 조회</a:t>
+            </a:r>
+            <a:endParaRPr lang="en-US" altLang="ko-KR" dirty="0" smtClean="0"/>
+          </a:p>
+          <a:p>
+            <a:pPr marL="228600" indent="-228600">
+              <a:buAutoNum type="arabicPeriod"/>
+            </a:pPr>
+            <a:r>
+              <a:rPr lang="ko-KR" altLang="en-US" dirty="0" smtClean="0"/>
+              <a:t>빈 강의실 조회</a:t>
+            </a:r>
+            <a:endParaRPr lang="en-US" altLang="ko-KR" dirty="0" smtClean="0"/>
+          </a:p>
+          <a:p>
+            <a:pPr marL="0" indent="0">
+              <a:buNone/>
+            </a:pPr>
+            <a:r>
+              <a:rPr lang="ko-KR" altLang="en-US" dirty="0" smtClean="0"/>
+              <a:t>가 있습니다</a:t>
+            </a:r>
+            <a:r>
+              <a:rPr lang="en-US" altLang="ko-KR" dirty="0" smtClean="0"/>
+              <a:t>. </a:t>
+            </a:r>
+          </a:p>
+          <a:p>
+            <a:pPr marL="0" indent="0">
+              <a:buNone/>
+            </a:pPr>
+            <a:endParaRPr lang="en-US" altLang="ko-KR" dirty="0" smtClean="0"/>
+          </a:p>
+          <a:p>
+            <a:pPr marL="0" indent="0">
+              <a:buNone/>
+            </a:pPr>
+            <a:r>
+              <a:rPr lang="en-US" altLang="ko-KR" dirty="0" smtClean="0"/>
+              <a:t>(</a:t>
+            </a:r>
+            <a:r>
+              <a:rPr lang="ko-KR" altLang="en-US" dirty="0" smtClean="0"/>
+              <a:t>이후 각 기능 설명</a:t>
+            </a:r>
+            <a:r>
+              <a:rPr lang="en-US" altLang="ko-KR" dirty="0" smtClean="0"/>
+              <a:t>)</a:t>
+            </a:r>
+          </a:p>
+        </p:txBody>
+      </p:sp>
+      <p:sp>
+        <p:nvSpPr>
+          <p:cNvPr id="4" name="슬라이드 번호 개체 틀 3"/>
+          <p:cNvSpPr>
+            <a:spLocks noGrp="1"/>
+          </p:cNvSpPr>
+          <p:nvPr>
+            <p:ph type="sldNum" sz="quarter" idx="10"/>
+          </p:nvPr>
+        </p:nvSpPr>
+        <p:spPr/>
+        <p:txBody>
+          <a:bodyPr/>
+          <a:lstStyle/>
+          <a:p>
+            <a:fld id="{3F2870DF-1766-6D46-B7DA-F6A280D3D812}" type="slidenum">
+              <a:rPr kumimoji="1" lang="ko-KR" altLang="en-US" smtClean="0"/>
+              <a:t>7</a:t>
+            </a:fld>
+            <a:endParaRPr kumimoji="1" lang="ko-KR" altLang="en-US"/>
+          </a:p>
+        </p:txBody>
+      </p:sp>
+    </p:spTree>
+    <p:extLst>
+      <p:ext uri="{BB962C8B-B14F-4D97-AF65-F5344CB8AC3E}">
+        <p14:creationId xmlns:p14="http://schemas.microsoft.com/office/powerpoint/2010/main" val="1228781540"/>
+      </p:ext>
+    </p:extLst>
+  </p:cSld>
+  <p:clrMapOvr>
+    <a:masterClrMapping/>
+  </p:clrMapOvr>
+</p:notes>
+</file>
+
+<file path=ppt/notesSlides/notesSlide8.xml><?xml version="1.0" encoding="utf-8"?>
+<p:notes xmlns:a="http://schemas.openxmlformats.org/drawingml/2006/main" xmlns:r="http://schemas.openxmlformats.org/officeDocument/2006/relationships" xmlns:p="http://schemas.openxmlformats.org/presentationml/2006/main">
+  <p:cSld>
+    <p:spTree>
+      <p:nvGrpSpPr>
+        <p:cNvPr id="1" name=""/>
+        <p:cNvGrpSpPr/>
+        <p:nvPr/>
+      </p:nvGrpSpPr>
+      <p:grpSpPr>
+        <a:xfrm>
+          <a:off x="0" y="0"/>
+          <a:ext cx="0" cy="0"/>
+          <a:chOff x="0" y="0"/>
+          <a:chExt cx="0" cy="0"/>
+        </a:xfrm>
+      </p:grpSpPr>
+      <p:sp>
+        <p:nvSpPr>
+          <p:cNvPr id="2" name="슬라이드 이미지 개체 틀 1"/>
+          <p:cNvSpPr>
+            <a:spLocks noGrp="1" noRot="1" noChangeAspect="1"/>
+          </p:cNvSpPr>
+          <p:nvPr>
+            <p:ph type="sldImg"/>
+          </p:nvPr>
+        </p:nvSpPr>
+        <p:spPr/>
+      </p:sp>
+      <p:sp>
+        <p:nvSpPr>
+          <p:cNvPr id="3" name="슬라이드 노트 개체 틀 2"/>
+          <p:cNvSpPr>
+            <a:spLocks noGrp="1"/>
+          </p:cNvSpPr>
+          <p:nvPr>
+            <p:ph type="body" idx="1"/>
+          </p:nvPr>
+        </p:nvSpPr>
+        <p:spPr/>
+        <p:txBody>
+          <a:bodyPr/>
+          <a:lstStyle/>
+          <a:p>
+            <a:r>
+              <a:rPr lang="ko-KR" altLang="en-US" dirty="0" err="1" smtClean="0"/>
+              <a:t>튜티의</a:t>
+            </a:r>
+            <a:r>
+              <a:rPr lang="ko-KR" altLang="en-US" dirty="0" smtClean="0"/>
+              <a:t> 기능에는</a:t>
+            </a:r>
+            <a:endParaRPr lang="en-US" altLang="ko-KR" dirty="0" smtClean="0"/>
+          </a:p>
+          <a:p>
+            <a:endParaRPr lang="en-US" altLang="ko-KR" dirty="0" smtClean="0"/>
+          </a:p>
+          <a:p>
+            <a:pPr marL="228600" indent="-228600">
+              <a:buAutoNum type="arabicPeriod"/>
+            </a:pPr>
+            <a:r>
+              <a:rPr lang="ko-KR" altLang="en-US" dirty="0" smtClean="0"/>
+              <a:t>시간표 업로드</a:t>
+            </a:r>
+            <a:endParaRPr lang="en-US" altLang="ko-KR" dirty="0" smtClean="0"/>
+          </a:p>
+          <a:p>
+            <a:pPr marL="228600" indent="-228600">
+              <a:buAutoNum type="arabicPeriod"/>
+            </a:pPr>
+            <a:r>
+              <a:rPr lang="ko-KR" altLang="en-US" dirty="0" err="1" smtClean="0"/>
+              <a:t>채팅방</a:t>
+            </a:r>
+            <a:r>
+              <a:rPr lang="ko-KR" altLang="en-US" dirty="0" smtClean="0"/>
+              <a:t> 입장 신청 기능 이 있습니다</a:t>
+            </a:r>
+            <a:r>
+              <a:rPr lang="en-US" altLang="ko-KR" dirty="0" smtClean="0"/>
+              <a:t>. </a:t>
+            </a:r>
+          </a:p>
+          <a:p>
+            <a:pPr marL="228600" indent="-228600">
+              <a:buAutoNum type="arabicPeriod"/>
+            </a:pPr>
+            <a:endParaRPr lang="en-US" altLang="ko-KR" dirty="0" smtClean="0"/>
+          </a:p>
+          <a:p>
+            <a:pPr marL="0" indent="0">
+              <a:buNone/>
+            </a:pPr>
+            <a:r>
+              <a:rPr lang="en-US" altLang="ko-KR" dirty="0" smtClean="0"/>
+              <a:t>(</a:t>
+            </a:r>
+            <a:r>
+              <a:rPr lang="ko-KR" altLang="en-US" dirty="0" smtClean="0"/>
+              <a:t>이하 기능 설명</a:t>
+            </a:r>
+            <a:r>
+              <a:rPr lang="en-US" altLang="ko-KR" dirty="0" smtClean="0"/>
+              <a:t>)</a:t>
+            </a:r>
+            <a:endParaRPr lang="ko-KR" altLang="en-US" dirty="0"/>
+          </a:p>
+        </p:txBody>
+      </p:sp>
+      <p:sp>
+        <p:nvSpPr>
+          <p:cNvPr id="4" name="슬라이드 번호 개체 틀 3"/>
+          <p:cNvSpPr>
+            <a:spLocks noGrp="1"/>
+          </p:cNvSpPr>
+          <p:nvPr>
+            <p:ph type="sldNum" sz="quarter" idx="10"/>
+          </p:nvPr>
+        </p:nvSpPr>
+        <p:spPr/>
+        <p:txBody>
+          <a:bodyPr/>
+          <a:lstStyle/>
+          <a:p>
+            <a:fld id="{3F2870DF-1766-6D46-B7DA-F6A280D3D812}" type="slidenum">
+              <a:rPr kumimoji="1" lang="ko-KR" altLang="en-US" smtClean="0"/>
+              <a:t>8</a:t>
+            </a:fld>
+            <a:endParaRPr kumimoji="1" lang="ko-KR" altLang="en-US"/>
+          </a:p>
+        </p:txBody>
+      </p:sp>
+    </p:spTree>
+    <p:extLst>
+      <p:ext uri="{BB962C8B-B14F-4D97-AF65-F5344CB8AC3E}">
+        <p14:creationId xmlns:p14="http://schemas.microsoft.com/office/powerpoint/2010/main" val="4059351218"/>
+      </p:ext>
+    </p:extLst>
+  </p:cSld>
+  <p:clrMapOvr>
+    <a:masterClrMapping/>
+  </p:clrMapOvr>
+</p:notes>
+</file>
+
+<file path=ppt/notesSlides/notesSlide9.xml><?xml version="1.0" encoding="utf-8"?>
+<p:notes xmlns:a="http://schemas.openxmlformats.org/drawingml/2006/main" xmlns:r="http://schemas.openxmlformats.org/officeDocument/2006/relationships" xmlns:p="http://schemas.openxmlformats.org/presentationml/2006/main">
+  <p:cSld>
+    <p:spTree>
+      <p:nvGrpSpPr>
+        <p:cNvPr id="1" name=""/>
+        <p:cNvGrpSpPr/>
+        <p:nvPr/>
+      </p:nvGrpSpPr>
+      <p:grpSpPr>
+        <a:xfrm>
+          <a:off x="0" y="0"/>
+          <a:ext cx="0" cy="0"/>
+          <a:chOff x="0" y="0"/>
+          <a:chExt cx="0" cy="0"/>
+        </a:xfrm>
+      </p:grpSpPr>
+      <p:sp>
+        <p:nvSpPr>
+          <p:cNvPr id="2" name="슬라이드 이미지 개체 틀 1"/>
+          <p:cNvSpPr>
+            <a:spLocks noGrp="1" noRot="1" noChangeAspect="1"/>
+          </p:cNvSpPr>
+          <p:nvPr>
+            <p:ph type="sldImg"/>
+          </p:nvPr>
+        </p:nvSpPr>
+        <p:spPr/>
+      </p:sp>
+      <p:sp>
+        <p:nvSpPr>
+          <p:cNvPr id="3" name="슬라이드 노트 개체 틀 2"/>
+          <p:cNvSpPr>
+            <a:spLocks noGrp="1"/>
+          </p:cNvSpPr>
+          <p:nvPr>
+            <p:ph type="body" idx="1"/>
+          </p:nvPr>
+        </p:nvSpPr>
+        <p:spPr/>
+        <p:txBody>
+          <a:bodyPr/>
+          <a:lstStyle/>
+          <a:p>
+            <a:endParaRPr kumimoji="1" lang="ko-KR" altLang="en-US" dirty="0"/>
+          </a:p>
+        </p:txBody>
+      </p:sp>
+      <p:sp>
+        <p:nvSpPr>
+          <p:cNvPr id="4" name="슬라이드 번호 개체 틀 3"/>
+          <p:cNvSpPr>
+            <a:spLocks noGrp="1"/>
+          </p:cNvSpPr>
+          <p:nvPr>
+            <p:ph type="sldNum" sz="quarter" idx="5"/>
+          </p:nvPr>
+        </p:nvSpPr>
+        <p:spPr/>
+        <p:txBody>
+          <a:bodyPr/>
+          <a:lstStyle/>
+          <a:p>
+            <a:fld id="{3F2870DF-1766-6D46-B7DA-F6A280D3D812}" type="slidenum">
+              <a:rPr kumimoji="1" lang="ko-KR" altLang="en-US" smtClean="0"/>
+              <a:t>9</a:t>
+            </a:fld>
+            <a:endParaRPr kumimoji="1" lang="ko-KR" altLang="en-US"/>
+          </a:p>
+        </p:txBody>
+      </p:sp>
+    </p:spTree>
+    <p:extLst>
+      <p:ext uri="{BB962C8B-B14F-4D97-AF65-F5344CB8AC3E}">
+        <p14:creationId xmlns:p14="http://schemas.microsoft.com/office/powerpoint/2010/main" val="4108750151"/>
       </p:ext>
     </p:extLst>
   </p:cSld>
@@ -26665,7 +28572,7 @@
           <a:p>
             <a:fld id="{8AB9749B-DD2C-8943-9A48-406AFB7C1061}" type="datetimeFigureOut">
               <a:rPr kumimoji="1" lang="ko-KR" altLang="en-US" smtClean="0"/>
-              <a:t>2019. 10. 22.</a:t>
+              <a:t>2019-10-22</a:t>
             </a:fld>
             <a:endParaRPr kumimoji="1" lang="ko-KR" altLang="en-US"/>
           </a:p>
@@ -26863,7 +28770,7 @@
           <a:p>
             <a:fld id="{8AB9749B-DD2C-8943-9A48-406AFB7C1061}" type="datetimeFigureOut">
               <a:rPr kumimoji="1" lang="ko-KR" altLang="en-US" smtClean="0"/>
-              <a:t>2019. 10. 22.</a:t>
+              <a:t>2019-10-22</a:t>
             </a:fld>
             <a:endParaRPr kumimoji="1" lang="ko-KR" altLang="en-US"/>
           </a:p>
@@ -27071,7 +28978,7 @@
           <a:p>
             <a:fld id="{8AB9749B-DD2C-8943-9A48-406AFB7C1061}" type="datetimeFigureOut">
               <a:rPr kumimoji="1" lang="ko-KR" altLang="en-US" smtClean="0"/>
-              <a:t>2019. 10. 22.</a:t>
+              <a:t>2019-10-22</a:t>
             </a:fld>
             <a:endParaRPr kumimoji="1" lang="ko-KR" altLang="en-US"/>
           </a:p>
@@ -27269,7 +29176,7 @@
           <a:p>
             <a:fld id="{8AB9749B-DD2C-8943-9A48-406AFB7C1061}" type="datetimeFigureOut">
               <a:rPr kumimoji="1" lang="ko-KR" altLang="en-US" smtClean="0"/>
-              <a:t>2019. 10. 22.</a:t>
+              <a:t>2019-10-22</a:t>
             </a:fld>
             <a:endParaRPr kumimoji="1" lang="ko-KR" altLang="en-US"/>
           </a:p>
@@ -27544,7 +29451,7 @@
           <a:p>
             <a:fld id="{8AB9749B-DD2C-8943-9A48-406AFB7C1061}" type="datetimeFigureOut">
               <a:rPr kumimoji="1" lang="ko-KR" altLang="en-US" smtClean="0"/>
-              <a:t>2019. 10. 22.</a:t>
+              <a:t>2019-10-22</a:t>
             </a:fld>
             <a:endParaRPr kumimoji="1" lang="ko-KR" altLang="en-US"/>
           </a:p>
@@ -27809,7 +29716,7 @@
           <a:p>
             <a:fld id="{8AB9749B-DD2C-8943-9A48-406AFB7C1061}" type="datetimeFigureOut">
               <a:rPr kumimoji="1" lang="ko-KR" altLang="en-US" smtClean="0"/>
-              <a:t>2019. 10. 22.</a:t>
+              <a:t>2019-10-22</a:t>
             </a:fld>
             <a:endParaRPr kumimoji="1" lang="ko-KR" altLang="en-US"/>
           </a:p>
@@ -28221,7 +30128,7 @@
           <a:p>
             <a:fld id="{8AB9749B-DD2C-8943-9A48-406AFB7C1061}" type="datetimeFigureOut">
               <a:rPr kumimoji="1" lang="ko-KR" altLang="en-US" smtClean="0"/>
-              <a:t>2019. 10. 22.</a:t>
+              <a:t>2019-10-22</a:t>
             </a:fld>
             <a:endParaRPr kumimoji="1" lang="ko-KR" altLang="en-US"/>
           </a:p>
@@ -28362,7 +30269,7 @@
           <a:p>
             <a:fld id="{8AB9749B-DD2C-8943-9A48-406AFB7C1061}" type="datetimeFigureOut">
               <a:rPr kumimoji="1" lang="ko-KR" altLang="en-US" smtClean="0"/>
-              <a:t>2019. 10. 22.</a:t>
+              <a:t>2019-10-22</a:t>
             </a:fld>
             <a:endParaRPr kumimoji="1" lang="ko-KR" altLang="en-US"/>
           </a:p>
@@ -28475,7 +30382,7 @@
           <a:p>
             <a:fld id="{8AB9749B-DD2C-8943-9A48-406AFB7C1061}" type="datetimeFigureOut">
               <a:rPr kumimoji="1" lang="ko-KR" altLang="en-US" smtClean="0"/>
-              <a:t>2019. 10. 22.</a:t>
+              <a:t>2019-10-22</a:t>
             </a:fld>
             <a:endParaRPr kumimoji="1" lang="ko-KR" altLang="en-US"/>
           </a:p>
@@ -28786,7 +30693,7 @@
           <a:p>
             <a:fld id="{8AB9749B-DD2C-8943-9A48-406AFB7C1061}" type="datetimeFigureOut">
               <a:rPr kumimoji="1" lang="ko-KR" altLang="en-US" smtClean="0"/>
-              <a:t>2019. 10. 22.</a:t>
+              <a:t>2019-10-22</a:t>
             </a:fld>
             <a:endParaRPr kumimoji="1" lang="ko-KR" altLang="en-US"/>
           </a:p>
@@ -29074,7 +30981,7 @@
           <a:p>
             <a:fld id="{8AB9749B-DD2C-8943-9A48-406AFB7C1061}" type="datetimeFigureOut">
               <a:rPr kumimoji="1" lang="ko-KR" altLang="en-US" smtClean="0"/>
-              <a:t>2019. 10. 22.</a:t>
+              <a:t>2019-10-22</a:t>
             </a:fld>
             <a:endParaRPr kumimoji="1" lang="ko-KR" altLang="en-US"/>
           </a:p>
@@ -29315,7 +31222,7 @@
           <a:p>
             <a:fld id="{8AB9749B-DD2C-8943-9A48-406AFB7C1061}" type="datetimeFigureOut">
               <a:rPr kumimoji="1" lang="ko-KR" altLang="en-US" smtClean="0"/>
-              <a:t>2019. 10. 22.</a:t>
+              <a:t>2019-10-22</a:t>
             </a:fld>
             <a:endParaRPr kumimoji="1" lang="ko-KR" altLang="en-US"/>
           </a:p>
@@ -29800,7 +31707,7 @@
                 <a16:creationId xmlns:a16="http://schemas.microsoft.com/office/drawing/2014/main" id="{C66F2F30-5DC0-44A0-BFA6-E12F46ED16DA}"/>
               </a:ext>
               <a:ext uri="{C183D7F6-B498-43B3-948B-1728B52AA6E4}">
-                <adec:decorative xmlns:adec="http://schemas.microsoft.com/office/drawing/2017/decorative" val="1"/>
+                <adec:decorative xmlns:adec="http://schemas.microsoft.com/office/drawing/2017/decorative" xmlns="" val="1"/>
               </a:ext>
             </a:extLst>
           </p:cNvPr>
@@ -29924,7 +31831,7 @@
                 <a16:creationId xmlns:a16="http://schemas.microsoft.com/office/drawing/2014/main" id="{85872F57-7F42-4F97-8391-DDC8D0054C03}"/>
               </a:ext>
               <a:ext uri="{C183D7F6-B498-43B3-948B-1728B52AA6E4}">
-                <adec:decorative xmlns:adec="http://schemas.microsoft.com/office/drawing/2017/decorative" val="1"/>
+                <adec:decorative xmlns:adec="http://schemas.microsoft.com/office/drawing/2017/decorative" xmlns="" val="1"/>
               </a:ext>
             </a:extLst>
           </p:cNvPr>
@@ -30080,7 +31987,7 @@
                 <a16:creationId xmlns:a16="http://schemas.microsoft.com/office/drawing/2014/main" id="{04DC2037-48A0-4F22-B9D4-8EAEBC780AB4}"/>
               </a:ext>
               <a:ext uri="{C183D7F6-B498-43B3-948B-1728B52AA6E4}">
-                <adec:decorative xmlns:adec="http://schemas.microsoft.com/office/drawing/2017/decorative" val="1"/>
+                <adec:decorative xmlns:adec="http://schemas.microsoft.com/office/drawing/2017/decorative" xmlns="" val="1"/>
               </a:ext>
             </a:extLst>
           </p:cNvPr>
@@ -30185,7 +32092,7 @@
                 <a16:creationId xmlns:a16="http://schemas.microsoft.com/office/drawing/2014/main" id="{0006CBFD-ADA0-43D1-9332-9C34CA1C76ED}"/>
               </a:ext>
               <a:ext uri="{C183D7F6-B498-43B3-948B-1728B52AA6E4}">
-                <adec:decorative xmlns:adec="http://schemas.microsoft.com/office/drawing/2017/decorative" val="1"/>
+                <adec:decorative xmlns:adec="http://schemas.microsoft.com/office/drawing/2017/decorative" xmlns="" val="1"/>
               </a:ext>
             </a:extLst>
           </p:cNvPr>
@@ -30293,7 +32200,7 @@
                 <a16:creationId xmlns:a16="http://schemas.microsoft.com/office/drawing/2014/main" id="{2B931666-F28F-45F3-A074-66D2272D580B}"/>
               </a:ext>
               <a:ext uri="{C183D7F6-B498-43B3-948B-1728B52AA6E4}">
-                <adec:decorative xmlns:adec="http://schemas.microsoft.com/office/drawing/2017/decorative" val="1"/>
+                <adec:decorative xmlns:adec="http://schemas.microsoft.com/office/drawing/2017/decorative" xmlns="" val="1"/>
               </a:ext>
             </a:extLst>
           </p:cNvPr>
@@ -30554,7 +32461,7 @@
                 <a16:creationId xmlns:a16="http://schemas.microsoft.com/office/drawing/2014/main" id="{2A8AA5BC-4F7A-4226-8F99-6D824B226A97}"/>
               </a:ext>
               <a:ext uri="{C183D7F6-B498-43B3-948B-1728B52AA6E4}">
-                <adec:decorative xmlns:adec="http://schemas.microsoft.com/office/drawing/2017/decorative" val="1"/>
+                <adec:decorative xmlns:adec="http://schemas.microsoft.com/office/drawing/2017/decorative" xmlns="" val="1"/>
               </a:ext>
             </a:extLst>
           </p:cNvPr>
@@ -30617,7 +32524,7 @@
                 <a16:creationId xmlns:a16="http://schemas.microsoft.com/office/drawing/2014/main" id="{3E5445C6-DD42-4979-86FF-03730E8C6DB0}"/>
               </a:ext>
               <a:ext uri="{C183D7F6-B498-43B3-948B-1728B52AA6E4}">
-                <adec:decorative xmlns:adec="http://schemas.microsoft.com/office/drawing/2017/decorative" val="1"/>
+                <adec:decorative xmlns:adec="http://schemas.microsoft.com/office/drawing/2017/decorative" xmlns="" val="1"/>
               </a:ext>
             </a:extLst>
           </p:cNvPr>
@@ -30742,7 +32649,7 @@
                 <a16:creationId xmlns:a16="http://schemas.microsoft.com/office/drawing/2014/main" id="{45000665-DFC7-417E-8FD7-516A0F15C975}"/>
               </a:ext>
               <a:ext uri="{C183D7F6-B498-43B3-948B-1728B52AA6E4}">
-                <adec:decorative xmlns:adec="http://schemas.microsoft.com/office/drawing/2017/decorative" val="1"/>
+                <adec:decorative xmlns:adec="http://schemas.microsoft.com/office/drawing/2017/decorative" xmlns="" val="1"/>
               </a:ext>
             </a:extLst>
           </p:cNvPr>
@@ -30834,7 +32741,7 @@
                 <a16:creationId xmlns:a16="http://schemas.microsoft.com/office/drawing/2014/main" id="{46C2E80F-49A6-4372-B103-219D417A55ED}"/>
               </a:ext>
               <a:ext uri="{C183D7F6-B498-43B3-948B-1728B52AA6E4}">
-                <adec:decorative xmlns:adec="http://schemas.microsoft.com/office/drawing/2017/decorative" val="1"/>
+                <adec:decorative xmlns:adec="http://schemas.microsoft.com/office/drawing/2017/decorative" xmlns="" val="1"/>
               </a:ext>
             </a:extLst>
           </p:cNvPr>
@@ -31430,7 +33337,7 @@
                 <a16:creationId xmlns:a16="http://schemas.microsoft.com/office/drawing/2014/main" id="{46C2E80F-49A6-4372-B103-219D417A55ED}"/>
               </a:ext>
               <a:ext uri="{C183D7F6-B498-43B3-948B-1728B52AA6E4}">
-                <adec:decorative xmlns:adec="http://schemas.microsoft.com/office/drawing/2017/decorative" val="1"/>
+                <adec:decorative xmlns:adec="http://schemas.microsoft.com/office/drawing/2017/decorative" xmlns="" val="1"/>
               </a:ext>
             </a:extLst>
           </p:cNvPr>
@@ -32026,7 +33933,7 @@
                 <a16:creationId xmlns:a16="http://schemas.microsoft.com/office/drawing/2014/main" id="{46C2E80F-49A6-4372-B103-219D417A55ED}"/>
               </a:ext>
               <a:ext uri="{C183D7F6-B498-43B3-948B-1728B52AA6E4}">
-                <adec:decorative xmlns:adec="http://schemas.microsoft.com/office/drawing/2017/decorative" val="1"/>
+                <adec:decorative xmlns:adec="http://schemas.microsoft.com/office/drawing/2017/decorative" xmlns="" val="1"/>
               </a:ext>
             </a:extLst>
           </p:cNvPr>
@@ -32622,7 +34529,7 @@
                 <a16:creationId xmlns:a16="http://schemas.microsoft.com/office/drawing/2014/main" id="{46C2E80F-49A6-4372-B103-219D417A55ED}"/>
               </a:ext>
               <a:ext uri="{C183D7F6-B498-43B3-948B-1728B52AA6E4}">
-                <adec:decorative xmlns:adec="http://schemas.microsoft.com/office/drawing/2017/decorative" val="1"/>
+                <adec:decorative xmlns:adec="http://schemas.microsoft.com/office/drawing/2017/decorative" xmlns="" val="1"/>
               </a:ext>
             </a:extLst>
           </p:cNvPr>
@@ -33230,7 +35137,7 @@
                 <a16:creationId xmlns:a16="http://schemas.microsoft.com/office/drawing/2014/main" id="{46C2E80F-49A6-4372-B103-219D417A55ED}"/>
               </a:ext>
               <a:ext uri="{C183D7F6-B498-43B3-948B-1728B52AA6E4}">
-                <adec:decorative xmlns:adec="http://schemas.microsoft.com/office/drawing/2017/decorative" val="1"/>
+                <adec:decorative xmlns:adec="http://schemas.microsoft.com/office/drawing/2017/decorative" xmlns="" val="1"/>
               </a:ext>
             </a:extLst>
           </p:cNvPr>
@@ -33838,7 +35745,7 @@
                 <a16:creationId xmlns:a16="http://schemas.microsoft.com/office/drawing/2014/main" id="{46C2E80F-49A6-4372-B103-219D417A55ED}"/>
               </a:ext>
               <a:ext uri="{C183D7F6-B498-43B3-948B-1728B52AA6E4}">
-                <adec:decorative xmlns:adec="http://schemas.microsoft.com/office/drawing/2017/decorative" val="1"/>
+                <adec:decorative xmlns:adec="http://schemas.microsoft.com/office/drawing/2017/decorative" xmlns="" val="1"/>
               </a:ext>
             </a:extLst>
           </p:cNvPr>
@@ -34446,7 +36353,7 @@
                 <a16:creationId xmlns:a16="http://schemas.microsoft.com/office/drawing/2014/main" id="{46C2E80F-49A6-4372-B103-219D417A55ED}"/>
               </a:ext>
               <a:ext uri="{C183D7F6-B498-43B3-948B-1728B52AA6E4}">
-                <adec:decorative xmlns:adec="http://schemas.microsoft.com/office/drawing/2017/decorative" val="1"/>
+                <adec:decorative xmlns:adec="http://schemas.microsoft.com/office/drawing/2017/decorative" xmlns="" val="1"/>
               </a:ext>
             </a:extLst>
           </p:cNvPr>
@@ -34956,6 +36863,14 @@
               </a:rPr>
               <a:t>Chat Room Menu</a:t>
             </a:r>
+            <a:r>
+              <a:rPr kumimoji="1" lang="en-US" altLang="ko-KR" dirty="0">
+                <a:solidFill>
+                  <a:srgbClr val="FFFFFF"/>
+                </a:solidFill>
+              </a:rPr>
+              <a:t/>
+            </a:r>
             <a:br>
               <a:rPr kumimoji="1" lang="en-US" altLang="ko-KR" dirty="0">
                 <a:solidFill>
@@ -35054,7 +36969,7 @@
                 <a16:creationId xmlns:a16="http://schemas.microsoft.com/office/drawing/2014/main" id="{46C2E80F-49A6-4372-B103-219D417A55ED}"/>
               </a:ext>
               <a:ext uri="{C183D7F6-B498-43B3-948B-1728B52AA6E4}">
-                <adec:decorative xmlns:adec="http://schemas.microsoft.com/office/drawing/2017/decorative" val="1"/>
+                <adec:decorative xmlns:adec="http://schemas.microsoft.com/office/drawing/2017/decorative" xmlns="" val="1"/>
               </a:ext>
             </a:extLst>
           </p:cNvPr>
@@ -35564,6 +37479,14 @@
               </a:rPr>
               <a:t>Applicant List</a:t>
             </a:r>
+            <a:r>
+              <a:rPr kumimoji="1" lang="en-US" altLang="ko-KR" dirty="0">
+                <a:solidFill>
+                  <a:srgbClr val="FFFFFF"/>
+                </a:solidFill>
+              </a:rPr>
+              <a:t/>
+            </a:r>
             <a:br>
               <a:rPr kumimoji="1" lang="en-US" altLang="ko-KR" dirty="0">
                 <a:solidFill>
@@ -35662,7 +37585,7 @@
                 <a16:creationId xmlns:a16="http://schemas.microsoft.com/office/drawing/2014/main" id="{46C2E80F-49A6-4372-B103-219D417A55ED}"/>
               </a:ext>
               <a:ext uri="{C183D7F6-B498-43B3-948B-1728B52AA6E4}">
-                <adec:decorative xmlns:adec="http://schemas.microsoft.com/office/drawing/2017/decorative" val="1"/>
+                <adec:decorative xmlns:adec="http://schemas.microsoft.com/office/drawing/2017/decorative" xmlns="" val="1"/>
               </a:ext>
             </a:extLst>
           </p:cNvPr>
@@ -36252,7 +38175,7 @@
                 <a16:creationId xmlns:a16="http://schemas.microsoft.com/office/drawing/2014/main" id="{46C2E80F-49A6-4372-B103-219D417A55ED}"/>
               </a:ext>
               <a:ext uri="{C183D7F6-B498-43B3-948B-1728B52AA6E4}">
-                <adec:decorative xmlns:adec="http://schemas.microsoft.com/office/drawing/2017/decorative" val="1"/>
+                <adec:decorative xmlns:adec="http://schemas.microsoft.com/office/drawing/2017/decorative" xmlns="" val="1"/>
               </a:ext>
             </a:extLst>
           </p:cNvPr>
@@ -36804,7 +38727,7 @@
         </p:xfrm>
         <a:graphic>
           <a:graphicData uri="http://schemas.openxmlformats.org/drawingml/2006/diagram">
-            <dgm:relIds xmlns:dgm="http://schemas.openxmlformats.org/drawingml/2006/diagram" xmlns:r="http://schemas.openxmlformats.org/officeDocument/2006/relationships" r:dm="rId2" r:lo="rId3" r:qs="rId4" r:cs="rId5"/>
+            <dgm:relIds xmlns:dgm="http://schemas.openxmlformats.org/drawingml/2006/diagram" xmlns:r="http://schemas.openxmlformats.org/officeDocument/2006/relationships" r:dm="rId3" r:lo="rId4" r:qs="rId5" r:cs="rId6"/>
           </a:graphicData>
         </a:graphic>
       </p:graphicFrame>
@@ -36854,7 +38777,7 @@
                 <a16:creationId xmlns:a16="http://schemas.microsoft.com/office/drawing/2014/main" id="{6F9EB9F2-07E2-4D64-BBD8-BB5B217F1218}"/>
               </a:ext>
               <a:ext uri="{C183D7F6-B498-43B3-948B-1728B52AA6E4}">
-                <adec:decorative xmlns:adec="http://schemas.microsoft.com/office/drawing/2017/decorative" val="1"/>
+                <adec:decorative xmlns:adec="http://schemas.microsoft.com/office/drawing/2017/decorative" xmlns="" val="1"/>
               </a:ext>
             </a:extLst>
           </p:cNvPr>
@@ -36979,7 +38902,7 @@
                 <a16:creationId xmlns:a16="http://schemas.microsoft.com/office/drawing/2014/main" id="{F0C57C7C-DFE9-4A1E-B7A9-DF40E63366BB}"/>
               </a:ext>
               <a:ext uri="{C183D7F6-B498-43B3-948B-1728B52AA6E4}">
-                <adec:decorative xmlns:adec="http://schemas.microsoft.com/office/drawing/2017/decorative" val="1"/>
+                <adec:decorative xmlns:adec="http://schemas.microsoft.com/office/drawing/2017/decorative" xmlns="" val="1"/>
               </a:ext>
             </a:extLst>
           </p:cNvPr>
@@ -37072,7 +38995,7 @@
                 <a16:creationId xmlns:a16="http://schemas.microsoft.com/office/drawing/2014/main" id="{46C2E80F-49A6-4372-B103-219D417A55ED}"/>
               </a:ext>
               <a:ext uri="{C183D7F6-B498-43B3-948B-1728B52AA6E4}">
-                <adec:decorative xmlns:adec="http://schemas.microsoft.com/office/drawing/2017/decorative" val="1"/>
+                <adec:decorative xmlns:adec="http://schemas.microsoft.com/office/drawing/2017/decorative" xmlns="" val="1"/>
               </a:ext>
             </a:extLst>
           </p:cNvPr>
@@ -37605,7 +39528,7 @@
             <p:ph idx="1"/>
             <p:extLst>
               <p:ext uri="{D42A27DB-BD31-4B8C-83A1-F6EECF244321}">
-                <p14:modId xmlns:p14="http://schemas.microsoft.com/office/powerpoint/2010/main" val="758657127"/>
+                <p14:modId xmlns:p14="http://schemas.microsoft.com/office/powerpoint/2010/main" val="564947544"/>
               </p:ext>
             </p:extLst>
           </p:nvPr>
@@ -37666,7 +39589,7 @@
                 <a16:creationId xmlns:a16="http://schemas.microsoft.com/office/drawing/2014/main" id="{46C2E80F-49A6-4372-B103-219D417A55ED}"/>
               </a:ext>
               <a:ext uri="{C183D7F6-B498-43B3-948B-1728B52AA6E4}">
-                <adec:decorative xmlns:adec="http://schemas.microsoft.com/office/drawing/2017/decorative" val="1"/>
+                <adec:decorative xmlns:adec="http://schemas.microsoft.com/office/drawing/2017/decorative" xmlns="" val="1"/>
               </a:ext>
             </a:extLst>
           </p:cNvPr>
@@ -38205,7 +40128,7 @@
         </p:xfrm>
         <a:graphic>
           <a:graphicData uri="http://schemas.openxmlformats.org/drawingml/2006/diagram">
-            <dgm:relIds xmlns:dgm="http://schemas.openxmlformats.org/drawingml/2006/diagram" xmlns:r="http://schemas.openxmlformats.org/officeDocument/2006/relationships" r:dm="rId2" r:lo="rId3" r:qs="rId4" r:cs="rId5"/>
+            <dgm:relIds xmlns:dgm="http://schemas.openxmlformats.org/drawingml/2006/diagram" xmlns:r="http://schemas.openxmlformats.org/officeDocument/2006/relationships" r:dm="rId3" r:lo="rId4" r:qs="rId5" r:cs="rId6"/>
           </a:graphicData>
         </a:graphic>
       </p:graphicFrame>
@@ -38255,7 +40178,7 @@
                 <a16:creationId xmlns:a16="http://schemas.microsoft.com/office/drawing/2014/main" id="{73DE2CFE-42F2-48F0-8706-5264E012B10C}"/>
               </a:ext>
               <a:ext uri="{C183D7F6-B498-43B3-948B-1728B52AA6E4}">
-                <adec:decorative xmlns:adec="http://schemas.microsoft.com/office/drawing/2017/decorative" val="1"/>
+                <adec:decorative xmlns:adec="http://schemas.microsoft.com/office/drawing/2017/decorative" xmlns="" val="1"/>
               </a:ext>
             </a:extLst>
           </p:cNvPr>
@@ -38416,7 +40339,7 @@
         </p:xfrm>
         <a:graphic>
           <a:graphicData uri="http://schemas.openxmlformats.org/drawingml/2006/diagram">
-            <dgm:relIds xmlns:dgm="http://schemas.openxmlformats.org/drawingml/2006/diagram" xmlns:r="http://schemas.openxmlformats.org/officeDocument/2006/relationships" r:dm="rId2" r:lo="rId3" r:qs="rId4" r:cs="rId5"/>
+            <dgm:relIds xmlns:dgm="http://schemas.openxmlformats.org/drawingml/2006/diagram" xmlns:r="http://schemas.openxmlformats.org/officeDocument/2006/relationships" r:dm="rId3" r:lo="rId4" r:qs="rId5" r:cs="rId6"/>
           </a:graphicData>
         </a:graphic>
       </p:graphicFrame>
@@ -38466,7 +40389,7 @@
                 <a16:creationId xmlns:a16="http://schemas.microsoft.com/office/drawing/2014/main" id="{73DE2CFE-42F2-48F0-8706-5264E012B10C}"/>
               </a:ext>
               <a:ext uri="{C183D7F6-B498-43B3-948B-1728B52AA6E4}">
-                <adec:decorative xmlns:adec="http://schemas.microsoft.com/office/drawing/2017/decorative" val="1"/>
+                <adec:decorative xmlns:adec="http://schemas.microsoft.com/office/drawing/2017/decorative" xmlns="" val="1"/>
               </a:ext>
             </a:extLst>
           </p:cNvPr>
@@ -38612,7 +40535,7 @@
         </p:xfrm>
         <a:graphic>
           <a:graphicData uri="http://schemas.openxmlformats.org/drawingml/2006/diagram">
-            <dgm:relIds xmlns:dgm="http://schemas.openxmlformats.org/drawingml/2006/diagram" xmlns:r="http://schemas.openxmlformats.org/officeDocument/2006/relationships" r:dm="rId2" r:lo="rId3" r:qs="rId4" r:cs="rId5"/>
+            <dgm:relIds xmlns:dgm="http://schemas.openxmlformats.org/drawingml/2006/diagram" xmlns:r="http://schemas.openxmlformats.org/officeDocument/2006/relationships" r:dm="rId3" r:lo="rId4" r:qs="rId5" r:cs="rId6"/>
           </a:graphicData>
         </a:graphic>
       </p:graphicFrame>
@@ -38662,7 +40585,7 @@
                 <a16:creationId xmlns:a16="http://schemas.microsoft.com/office/drawing/2014/main" id="{73DE2CFE-42F2-48F0-8706-5264E012B10C}"/>
               </a:ext>
               <a:ext uri="{C183D7F6-B498-43B3-948B-1728B52AA6E4}">
-                <adec:decorative xmlns:adec="http://schemas.microsoft.com/office/drawing/2017/decorative" val="1"/>
+                <adec:decorative xmlns:adec="http://schemas.microsoft.com/office/drawing/2017/decorative" xmlns="" val="1"/>
               </a:ext>
             </a:extLst>
           </p:cNvPr>
@@ -38810,7 +40733,7 @@
         </p:xfrm>
         <a:graphic>
           <a:graphicData uri="http://schemas.openxmlformats.org/drawingml/2006/diagram">
-            <dgm:relIds xmlns:dgm="http://schemas.openxmlformats.org/drawingml/2006/diagram" xmlns:r="http://schemas.openxmlformats.org/officeDocument/2006/relationships" r:dm="rId2" r:lo="rId3" r:qs="rId4" r:cs="rId5"/>
+            <dgm:relIds xmlns:dgm="http://schemas.openxmlformats.org/drawingml/2006/diagram" xmlns:r="http://schemas.openxmlformats.org/officeDocument/2006/relationships" r:dm="rId3" r:lo="rId4" r:qs="rId5" r:cs="rId6"/>
           </a:graphicData>
         </a:graphic>
       </p:graphicFrame>
@@ -38860,7 +40783,7 @@
                 <a16:creationId xmlns:a16="http://schemas.microsoft.com/office/drawing/2014/main" id="{73DE2CFE-42F2-48F0-8706-5264E012B10C}"/>
               </a:ext>
               <a:ext uri="{C183D7F6-B498-43B3-948B-1728B52AA6E4}">
-                <adec:decorative xmlns:adec="http://schemas.microsoft.com/office/drawing/2017/decorative" val="1"/>
+                <adec:decorative xmlns:adec="http://schemas.microsoft.com/office/drawing/2017/decorative" xmlns="" val="1"/>
               </a:ext>
             </a:extLst>
           </p:cNvPr>
@@ -39017,7 +40940,7 @@
         </p:xfrm>
         <a:graphic>
           <a:graphicData uri="http://schemas.openxmlformats.org/drawingml/2006/diagram">
-            <dgm:relIds xmlns:dgm="http://schemas.openxmlformats.org/drawingml/2006/diagram" xmlns:r="http://schemas.openxmlformats.org/officeDocument/2006/relationships" r:dm="rId2" r:lo="rId3" r:qs="rId4" r:cs="rId5"/>
+            <dgm:relIds xmlns:dgm="http://schemas.openxmlformats.org/drawingml/2006/diagram" xmlns:r="http://schemas.openxmlformats.org/officeDocument/2006/relationships" r:dm="rId3" r:lo="rId4" r:qs="rId5" r:cs="rId6"/>
           </a:graphicData>
         </a:graphic>
       </p:graphicFrame>
@@ -39067,7 +40990,7 @@
                 <a16:creationId xmlns:a16="http://schemas.microsoft.com/office/drawing/2014/main" id="{46C2E80F-49A6-4372-B103-219D417A55ED}"/>
               </a:ext>
               <a:ext uri="{C183D7F6-B498-43B3-948B-1728B52AA6E4}">
-                <adec:decorative xmlns:adec="http://schemas.microsoft.com/office/drawing/2017/decorative" val="1"/>
+                <adec:decorative xmlns:adec="http://schemas.microsoft.com/office/drawing/2017/decorative" xmlns="" val="1"/>
               </a:ext>
             </a:extLst>
           </p:cNvPr>

--- a/6차 미팅_UI 디자인 설계, 발표최종본/HSproject_A_3_Final2 발표용 대본.pptx
+++ b/6차 미팅_UI 디자인 설계, 발표최종본/HSproject_A_3_Final2 발표용 대본.pptx
@@ -6901,7 +6901,7 @@
                 <a14:useLocalDpi xmlns:a14="http://schemas.microsoft.com/office/drawing/2010/main" val="0"/>
               </a:ext>
               <a:ext uri="{96DAC541-7B7A-43D3-8B79-37D633B846F1}">
-                <asvg:svgBlip xmlns:asvg="http://schemas.microsoft.com/office/drawing/2016/SVG/main" xmlns="" r:embed="rId2"/>
+                <asvg:svgBlip xmlns="" xmlns:asvg="http://schemas.microsoft.com/office/drawing/2016/SVG/main" r:embed="rId2"/>
               </a:ext>
             </a:extLst>
           </a:blip>
@@ -6962,7 +6962,7 @@
                 <a14:useLocalDpi xmlns:a14="http://schemas.microsoft.com/office/drawing/2010/main" val="0"/>
               </a:ext>
               <a:ext uri="{96DAC541-7B7A-43D3-8B79-37D633B846F1}">
-                <asvg:svgBlip xmlns:asvg="http://schemas.microsoft.com/office/drawing/2016/SVG/main" xmlns="" r:embed="rId4"/>
+                <asvg:svgBlip xmlns="" xmlns:asvg="http://schemas.microsoft.com/office/drawing/2016/SVG/main" r:embed="rId4"/>
               </a:ext>
             </a:extLst>
           </a:blip>
@@ -7023,7 +7023,7 @@
                 <a14:useLocalDpi xmlns:a14="http://schemas.microsoft.com/office/drawing/2010/main" val="0"/>
               </a:ext>
               <a:ext uri="{96DAC541-7B7A-43D3-8B79-37D633B846F1}">
-                <asvg:svgBlip xmlns:asvg="http://schemas.microsoft.com/office/drawing/2016/SVG/main" xmlns="" r:embed="rId6"/>
+                <asvg:svgBlip xmlns="" xmlns:asvg="http://schemas.microsoft.com/office/drawing/2016/SVG/main" r:embed="rId6"/>
               </a:ext>
             </a:extLst>
           </a:blip>
@@ -7524,7 +7524,7 @@
                 <a14:useLocalDpi xmlns:a14="http://schemas.microsoft.com/office/drawing/2010/main" val="0"/>
               </a:ext>
               <a:ext uri="{96DAC541-7B7A-43D3-8B79-37D633B846F1}">
-                <asvg:svgBlip xmlns:asvg="http://schemas.microsoft.com/office/drawing/2016/SVG/main" xmlns="" r:embed="rId2"/>
+                <asvg:svgBlip xmlns="" xmlns:asvg="http://schemas.microsoft.com/office/drawing/2016/SVG/main" r:embed="rId2"/>
               </a:ext>
             </a:extLst>
           </a:blip>
@@ -7586,7 +7586,7 @@
                 <a14:useLocalDpi xmlns:a14="http://schemas.microsoft.com/office/drawing/2010/main" val="0"/>
               </a:ext>
               <a:ext uri="{96DAC541-7B7A-43D3-8B79-37D633B846F1}">
-                <asvg:svgBlip xmlns:asvg="http://schemas.microsoft.com/office/drawing/2016/SVG/main" xmlns="" r:embed="rId4"/>
+                <asvg:svgBlip xmlns="" xmlns:asvg="http://schemas.microsoft.com/office/drawing/2016/SVG/main" r:embed="rId4"/>
               </a:ext>
             </a:extLst>
           </a:blip>
@@ -7647,7 +7647,7 @@
                 <a14:useLocalDpi xmlns:a14="http://schemas.microsoft.com/office/drawing/2010/main" val="0"/>
               </a:ext>
               <a:ext uri="{96DAC541-7B7A-43D3-8B79-37D633B846F1}">
-                <asvg:svgBlip xmlns:asvg="http://schemas.microsoft.com/office/drawing/2016/SVG/main" xmlns="" r:embed="rId6"/>
+                <asvg:svgBlip xmlns="" xmlns:asvg="http://schemas.microsoft.com/office/drawing/2016/SVG/main" r:embed="rId6"/>
               </a:ext>
             </a:extLst>
           </a:blip>
@@ -7709,7 +7709,7 @@
                 <a14:useLocalDpi xmlns:a14="http://schemas.microsoft.com/office/drawing/2010/main" val="0"/>
               </a:ext>
               <a:ext uri="{96DAC541-7B7A-43D3-8B79-37D633B846F1}">
-                <asvg:svgBlip xmlns:asvg="http://schemas.microsoft.com/office/drawing/2016/SVG/main" xmlns="" r:embed="rId8"/>
+                <asvg:svgBlip xmlns="" xmlns:asvg="http://schemas.microsoft.com/office/drawing/2016/SVG/main" r:embed="rId8"/>
               </a:ext>
             </a:extLst>
           </a:blip>
@@ -7770,7 +7770,7 @@
                 <a14:useLocalDpi xmlns:a14="http://schemas.microsoft.com/office/drawing/2010/main" val="0"/>
               </a:ext>
               <a:ext uri="{96DAC541-7B7A-43D3-8B79-37D633B846F1}">
-                <asvg:svgBlip xmlns:asvg="http://schemas.microsoft.com/office/drawing/2016/SVG/main" xmlns="" r:embed="rId10"/>
+                <asvg:svgBlip xmlns="" xmlns:asvg="http://schemas.microsoft.com/office/drawing/2016/SVG/main" r:embed="rId10"/>
               </a:ext>
             </a:extLst>
           </a:blip>
@@ -7831,7 +7831,7 @@
                 <a14:useLocalDpi xmlns:a14="http://schemas.microsoft.com/office/drawing/2010/main" val="0"/>
               </a:ext>
               <a:ext uri="{96DAC541-7B7A-43D3-8B79-37D633B846F1}">
-                <asvg:svgBlip xmlns:asvg="http://schemas.microsoft.com/office/drawing/2016/SVG/main" xmlns="" r:embed="rId12"/>
+                <asvg:svgBlip xmlns="" xmlns:asvg="http://schemas.microsoft.com/office/drawing/2016/SVG/main" r:embed="rId12"/>
               </a:ext>
             </a:extLst>
           </a:blip>
@@ -8151,7 +8151,7 @@
                 <a14:useLocalDpi xmlns:a14="http://schemas.microsoft.com/office/drawing/2010/main" val="0"/>
               </a:ext>
               <a:ext uri="{96DAC541-7B7A-43D3-8B79-37D633B846F1}">
-                <asvg:svgBlip xmlns:asvg="http://schemas.microsoft.com/office/drawing/2016/SVG/main" xmlns="" r:embed="rId2"/>
+                <asvg:svgBlip xmlns="" xmlns:asvg="http://schemas.microsoft.com/office/drawing/2016/SVG/main" r:embed="rId2"/>
               </a:ext>
             </a:extLst>
           </a:blip>
@@ -8212,7 +8212,7 @@
                 <a14:useLocalDpi xmlns:a14="http://schemas.microsoft.com/office/drawing/2010/main" val="0"/>
               </a:ext>
               <a:ext uri="{96DAC541-7B7A-43D3-8B79-37D633B846F1}">
-                <asvg:svgBlip xmlns:asvg="http://schemas.microsoft.com/office/drawing/2016/SVG/main" xmlns="" r:embed="rId4"/>
+                <asvg:svgBlip xmlns="" xmlns:asvg="http://schemas.microsoft.com/office/drawing/2016/SVG/main" r:embed="rId4"/>
               </a:ext>
             </a:extLst>
           </a:blip>
@@ -8273,7 +8273,7 @@
                 <a14:useLocalDpi xmlns:a14="http://schemas.microsoft.com/office/drawing/2010/main" val="0"/>
               </a:ext>
               <a:ext uri="{96DAC541-7B7A-43D3-8B79-37D633B846F1}">
-                <asvg:svgBlip xmlns:asvg="http://schemas.microsoft.com/office/drawing/2016/SVG/main" xmlns="" r:embed="rId6"/>
+                <asvg:svgBlip xmlns="" xmlns:asvg="http://schemas.microsoft.com/office/drawing/2016/SVG/main" r:embed="rId6"/>
               </a:ext>
             </a:extLst>
           </a:blip>
@@ -8334,7 +8334,7 @@
                 <a14:useLocalDpi xmlns:a14="http://schemas.microsoft.com/office/drawing/2010/main" val="0"/>
               </a:ext>
               <a:ext uri="{96DAC541-7B7A-43D3-8B79-37D633B846F1}">
-                <asvg:svgBlip xmlns:asvg="http://schemas.microsoft.com/office/drawing/2016/SVG/main" xmlns="" r:embed="rId8"/>
+                <asvg:svgBlip xmlns="" xmlns:asvg="http://schemas.microsoft.com/office/drawing/2016/SVG/main" r:embed="rId8"/>
               </a:ext>
             </a:extLst>
           </a:blip>
@@ -8636,7 +8636,7 @@
           <a:blip xmlns:r="http://schemas.openxmlformats.org/officeDocument/2006/relationships" r:embed="rId1">
             <a:extLst>
               <a:ext uri="{96DAC541-7B7A-43D3-8B79-37D633B846F1}">
-                <asvg:svgBlip xmlns:asvg="http://schemas.microsoft.com/office/drawing/2016/SVG/main" xmlns="" r:embed="rId2"/>
+                <asvg:svgBlip xmlns="" xmlns:asvg="http://schemas.microsoft.com/office/drawing/2016/SVG/main" r:embed="rId2"/>
               </a:ext>
             </a:extLst>
           </a:blip>
@@ -8709,7 +8709,7 @@
           <a:blip xmlns:r="http://schemas.openxmlformats.org/officeDocument/2006/relationships" r:embed="rId3">
             <a:extLst>
               <a:ext uri="{96DAC541-7B7A-43D3-8B79-37D633B846F1}">
-                <asvg:svgBlip xmlns:asvg="http://schemas.microsoft.com/office/drawing/2016/SVG/main" xmlns="" r:embed="rId4"/>
+                <asvg:svgBlip xmlns="" xmlns:asvg="http://schemas.microsoft.com/office/drawing/2016/SVG/main" r:embed="rId4"/>
               </a:ext>
             </a:extLst>
           </a:blip>
@@ -9122,7 +9122,7 @@
           <a:blip xmlns:r="http://schemas.openxmlformats.org/officeDocument/2006/relationships" r:embed="rId1">
             <a:extLst>
               <a:ext uri="{96DAC541-7B7A-43D3-8B79-37D633B846F1}">
-                <asvg:svgBlip xmlns:asvg="http://schemas.microsoft.com/office/drawing/2016/SVG/main" xmlns="" r:embed="rId2"/>
+                <asvg:svgBlip xmlns="" xmlns:asvg="http://schemas.microsoft.com/office/drawing/2016/SVG/main" r:embed="rId2"/>
               </a:ext>
             </a:extLst>
           </a:blip>
@@ -9198,7 +9198,7 @@
                 <a14:useLocalDpi xmlns:a14="http://schemas.microsoft.com/office/drawing/2010/main" val="0"/>
               </a:ext>
               <a:ext uri="{96DAC541-7B7A-43D3-8B79-37D633B846F1}">
-                <asvg:svgBlip xmlns:asvg="http://schemas.microsoft.com/office/drawing/2016/SVG/main" xmlns="" r:embed="rId4"/>
+                <asvg:svgBlip xmlns="" xmlns:asvg="http://schemas.microsoft.com/office/drawing/2016/SVG/main" r:embed="rId4"/>
               </a:ext>
             </a:extLst>
           </a:blip>
@@ -9811,7 +9811,7 @@
                 <a14:useLocalDpi xmlns:a14="http://schemas.microsoft.com/office/drawing/2010/main" val="0"/>
               </a:ext>
               <a:ext uri="{96DAC541-7B7A-43D3-8B79-37D633B846F1}">
-                <asvg:svgBlip xmlns:asvg="http://schemas.microsoft.com/office/drawing/2016/SVG/main" xmlns="" r:embed="rId2"/>
+                <asvg:svgBlip xmlns="" xmlns:asvg="http://schemas.microsoft.com/office/drawing/2016/SVG/main" r:embed="rId2"/>
               </a:ext>
             </a:extLst>
           </a:blip>
@@ -9883,7 +9883,7 @@
           <a:blip xmlns:r="http://schemas.openxmlformats.org/officeDocument/2006/relationships" r:embed="rId3">
             <a:extLst>
               <a:ext uri="{96DAC541-7B7A-43D3-8B79-37D633B846F1}">
-                <asvg:svgBlip xmlns:asvg="http://schemas.microsoft.com/office/drawing/2016/SVG/main" xmlns="" r:embed="rId4"/>
+                <asvg:svgBlip xmlns="" xmlns:asvg="http://schemas.microsoft.com/office/drawing/2016/SVG/main" r:embed="rId4"/>
               </a:ext>
             </a:extLst>
           </a:blip>
@@ -9959,7 +9959,7 @@
                 <a14:useLocalDpi xmlns:a14="http://schemas.microsoft.com/office/drawing/2010/main" val="0"/>
               </a:ext>
               <a:ext uri="{96DAC541-7B7A-43D3-8B79-37D633B846F1}">
-                <asvg:svgBlip xmlns:asvg="http://schemas.microsoft.com/office/drawing/2016/SVG/main" xmlns="" r:embed="rId6"/>
+                <asvg:svgBlip xmlns="" xmlns:asvg="http://schemas.microsoft.com/office/drawing/2016/SVG/main" r:embed="rId6"/>
               </a:ext>
             </a:extLst>
           </a:blip>
@@ -10032,7 +10032,7 @@
           <a:blip xmlns:r="http://schemas.openxmlformats.org/officeDocument/2006/relationships" r:embed="rId7">
             <a:extLst>
               <a:ext uri="{96DAC541-7B7A-43D3-8B79-37D633B846F1}">
-                <asvg:svgBlip xmlns:asvg="http://schemas.microsoft.com/office/drawing/2016/SVG/main" xmlns="" r:embed="rId8"/>
+                <asvg:svgBlip xmlns="" xmlns:asvg="http://schemas.microsoft.com/office/drawing/2016/SVG/main" r:embed="rId8"/>
               </a:ext>
             </a:extLst>
           </a:blip>
@@ -10108,7 +10108,7 @@
                 <a14:useLocalDpi xmlns:a14="http://schemas.microsoft.com/office/drawing/2010/main" val="0"/>
               </a:ext>
               <a:ext uri="{96DAC541-7B7A-43D3-8B79-37D633B846F1}">
-                <asvg:svgBlip xmlns:asvg="http://schemas.microsoft.com/office/drawing/2016/SVG/main" xmlns="" r:embed="rId10"/>
+                <asvg:svgBlip xmlns="" xmlns:asvg="http://schemas.microsoft.com/office/drawing/2016/SVG/main" r:embed="rId10"/>
               </a:ext>
             </a:extLst>
           </a:blip>
@@ -10432,7 +10432,7 @@
           <a:blip xmlns:r="http://schemas.openxmlformats.org/officeDocument/2006/relationships" r:embed="rId1">
             <a:extLst>
               <a:ext uri="{96DAC541-7B7A-43D3-8B79-37D633B846F1}">
-                <asvg:svgBlip xmlns:asvg="http://schemas.microsoft.com/office/drawing/2016/SVG/main" xmlns="" r:embed="rId2"/>
+                <asvg:svgBlip xmlns="" xmlns:asvg="http://schemas.microsoft.com/office/drawing/2016/SVG/main" r:embed="rId2"/>
               </a:ext>
             </a:extLst>
           </a:blip>
@@ -10505,7 +10505,7 @@
           <a:blip xmlns:r="http://schemas.openxmlformats.org/officeDocument/2006/relationships" r:embed="rId3">
             <a:extLst>
               <a:ext uri="{96DAC541-7B7A-43D3-8B79-37D633B846F1}">
-                <asvg:svgBlip xmlns:asvg="http://schemas.microsoft.com/office/drawing/2016/SVG/main" xmlns="" r:embed="rId4"/>
+                <asvg:svgBlip xmlns="" xmlns:asvg="http://schemas.microsoft.com/office/drawing/2016/SVG/main" r:embed="rId4"/>
               </a:ext>
             </a:extLst>
           </a:blip>
@@ -10810,7 +10810,7 @@
           <a:blip xmlns:r="http://schemas.openxmlformats.org/officeDocument/2006/relationships" r:embed="rId1">
             <a:extLst>
               <a:ext uri="{96DAC541-7B7A-43D3-8B79-37D633B846F1}">
-                <asvg:svgBlip xmlns:asvg="http://schemas.microsoft.com/office/drawing/2016/SVG/main" xmlns="" r:embed="rId2"/>
+                <asvg:svgBlip xmlns="" xmlns:asvg="http://schemas.microsoft.com/office/drawing/2016/SVG/main" r:embed="rId2"/>
               </a:ext>
             </a:extLst>
           </a:blip>
@@ -10872,7 +10872,7 @@
                 <a14:useLocalDpi xmlns:a14="http://schemas.microsoft.com/office/drawing/2010/main" val="0"/>
               </a:ext>
               <a:ext uri="{96DAC541-7B7A-43D3-8B79-37D633B846F1}">
-                <asvg:svgBlip xmlns:asvg="http://schemas.microsoft.com/office/drawing/2016/SVG/main" xmlns="" r:embed="rId4"/>
+                <asvg:svgBlip xmlns="" xmlns:asvg="http://schemas.microsoft.com/office/drawing/2016/SVG/main" r:embed="rId4"/>
               </a:ext>
             </a:extLst>
           </a:blip>
@@ -10930,7 +10930,7 @@
           <a:blip xmlns:r="http://schemas.openxmlformats.org/officeDocument/2006/relationships" r:embed="rId5">
             <a:extLst>
               <a:ext uri="{96DAC541-7B7A-43D3-8B79-37D633B846F1}">
-                <asvg:svgBlip xmlns:asvg="http://schemas.microsoft.com/office/drawing/2016/SVG/main" xmlns="" r:embed="rId6"/>
+                <asvg:svgBlip xmlns="" xmlns:asvg="http://schemas.microsoft.com/office/drawing/2016/SVG/main" r:embed="rId6"/>
               </a:ext>
             </a:extLst>
           </a:blip>
@@ -11077,7 +11077,7 @@
                 <a14:useLocalDpi xmlns:a14="http://schemas.microsoft.com/office/drawing/2010/main" val="0"/>
               </a:ext>
               <a:ext uri="{96DAC541-7B7A-43D3-8B79-37D633B846F1}">
-                <asvg:svgBlip xmlns:asvg="http://schemas.microsoft.com/office/drawing/2016/SVG/main" xmlns="" r:embed="rId2"/>
+                <asvg:svgBlip xmlns="" xmlns:asvg="http://schemas.microsoft.com/office/drawing/2016/SVG/main" r:embed="rId2"/>
               </a:ext>
             </a:extLst>
           </a:blip>
@@ -11293,7 +11293,7 @@
                 <a14:useLocalDpi xmlns:a14="http://schemas.microsoft.com/office/drawing/2010/main" val="0"/>
               </a:ext>
               <a:ext uri="{96DAC541-7B7A-43D3-8B79-37D633B846F1}">
-                <asvg:svgBlip xmlns:asvg="http://schemas.microsoft.com/office/drawing/2016/SVG/main" xmlns="" r:embed="rId4"/>
+                <asvg:svgBlip xmlns="" xmlns:asvg="http://schemas.microsoft.com/office/drawing/2016/SVG/main" r:embed="rId4"/>
               </a:ext>
             </a:extLst>
           </a:blip>
@@ -11509,7 +11509,7 @@
                 <a14:useLocalDpi xmlns:a14="http://schemas.microsoft.com/office/drawing/2010/main" val="0"/>
               </a:ext>
               <a:ext uri="{96DAC541-7B7A-43D3-8B79-37D633B846F1}">
-                <asvg:svgBlip xmlns:asvg="http://schemas.microsoft.com/office/drawing/2016/SVG/main" xmlns="" r:embed="rId6"/>
+                <asvg:svgBlip xmlns="" xmlns:asvg="http://schemas.microsoft.com/office/drawing/2016/SVG/main" r:embed="rId6"/>
               </a:ext>
             </a:extLst>
           </a:blip>
@@ -11685,7 +11685,7 @@
                 <a14:useLocalDpi xmlns:a14="http://schemas.microsoft.com/office/drawing/2010/main" val="0"/>
               </a:ext>
               <a:ext uri="{96DAC541-7B7A-43D3-8B79-37D633B846F1}">
-                <asvg:svgBlip xmlns:asvg="http://schemas.microsoft.com/office/drawing/2016/SVG/main" xmlns="" r:embed="rId2"/>
+                <asvg:svgBlip xmlns="" xmlns:asvg="http://schemas.microsoft.com/office/drawing/2016/SVG/main" r:embed="rId2"/>
               </a:ext>
             </a:extLst>
           </a:blip>
@@ -11858,7 +11858,7 @@
                 <a14:useLocalDpi xmlns:a14="http://schemas.microsoft.com/office/drawing/2010/main" val="0"/>
               </a:ext>
               <a:ext uri="{96DAC541-7B7A-43D3-8B79-37D633B846F1}">
-                <asvg:svgBlip xmlns:asvg="http://schemas.microsoft.com/office/drawing/2016/SVG/main" xmlns="" r:embed="rId4"/>
+                <asvg:svgBlip xmlns="" xmlns:asvg="http://schemas.microsoft.com/office/drawing/2016/SVG/main" r:embed="rId4"/>
               </a:ext>
             </a:extLst>
           </a:blip>
@@ -12042,7 +12042,7 @@
                 <a14:useLocalDpi xmlns:a14="http://schemas.microsoft.com/office/drawing/2010/main" val="0"/>
               </a:ext>
               <a:ext uri="{96DAC541-7B7A-43D3-8B79-37D633B846F1}">
-                <asvg:svgBlip xmlns:asvg="http://schemas.microsoft.com/office/drawing/2016/SVG/main" xmlns="" r:embed="rId6"/>
+                <asvg:svgBlip xmlns="" xmlns:asvg="http://schemas.microsoft.com/office/drawing/2016/SVG/main" r:embed="rId6"/>
               </a:ext>
             </a:extLst>
           </a:blip>
@@ -12215,7 +12215,7 @@
                 <a14:useLocalDpi xmlns:a14="http://schemas.microsoft.com/office/drawing/2010/main" val="0"/>
               </a:ext>
               <a:ext uri="{96DAC541-7B7A-43D3-8B79-37D633B846F1}">
-                <asvg:svgBlip xmlns:asvg="http://schemas.microsoft.com/office/drawing/2016/SVG/main" xmlns="" r:embed="rId8"/>
+                <asvg:svgBlip xmlns="" xmlns:asvg="http://schemas.microsoft.com/office/drawing/2016/SVG/main" r:embed="rId8"/>
               </a:ext>
             </a:extLst>
           </a:blip>
@@ -12383,7 +12383,7 @@
                 <a14:useLocalDpi xmlns:a14="http://schemas.microsoft.com/office/drawing/2010/main" val="0"/>
               </a:ext>
               <a:ext uri="{96DAC541-7B7A-43D3-8B79-37D633B846F1}">
-                <asvg:svgBlip xmlns:asvg="http://schemas.microsoft.com/office/drawing/2016/SVG/main" xmlns="" r:embed="rId10"/>
+                <asvg:svgBlip xmlns="" xmlns:asvg="http://schemas.microsoft.com/office/drawing/2016/SVG/main" r:embed="rId10"/>
               </a:ext>
             </a:extLst>
           </a:blip>
@@ -12563,7 +12563,7 @@
                 <a14:useLocalDpi xmlns:a14="http://schemas.microsoft.com/office/drawing/2010/main" val="0"/>
               </a:ext>
               <a:ext uri="{96DAC541-7B7A-43D3-8B79-37D633B846F1}">
-                <asvg:svgBlip xmlns:asvg="http://schemas.microsoft.com/office/drawing/2016/SVG/main" xmlns="" r:embed="rId12"/>
+                <asvg:svgBlip xmlns="" xmlns:asvg="http://schemas.microsoft.com/office/drawing/2016/SVG/main" r:embed="rId12"/>
               </a:ext>
             </a:extLst>
           </a:blip>
@@ -12735,7 +12735,7 @@
                 <a14:useLocalDpi xmlns:a14="http://schemas.microsoft.com/office/drawing/2010/main" val="0"/>
               </a:ext>
               <a:ext uri="{96DAC541-7B7A-43D3-8B79-37D633B846F1}">
-                <asvg:svgBlip xmlns:asvg="http://schemas.microsoft.com/office/drawing/2016/SVG/main" xmlns="" r:embed="rId2"/>
+                <asvg:svgBlip xmlns="" xmlns:asvg="http://schemas.microsoft.com/office/drawing/2016/SVG/main" r:embed="rId2"/>
               </a:ext>
             </a:extLst>
           </a:blip>
@@ -12887,7 +12887,7 @@
                 <a14:useLocalDpi xmlns:a14="http://schemas.microsoft.com/office/drawing/2010/main" val="0"/>
               </a:ext>
               <a:ext uri="{96DAC541-7B7A-43D3-8B79-37D633B846F1}">
-                <asvg:svgBlip xmlns:asvg="http://schemas.microsoft.com/office/drawing/2016/SVG/main" xmlns="" r:embed="rId4"/>
+                <asvg:svgBlip xmlns="" xmlns:asvg="http://schemas.microsoft.com/office/drawing/2016/SVG/main" r:embed="rId4"/>
               </a:ext>
             </a:extLst>
           </a:blip>
@@ -13039,7 +13039,7 @@
                 <a14:useLocalDpi xmlns:a14="http://schemas.microsoft.com/office/drawing/2010/main" val="0"/>
               </a:ext>
               <a:ext uri="{96DAC541-7B7A-43D3-8B79-37D633B846F1}">
-                <asvg:svgBlip xmlns:asvg="http://schemas.microsoft.com/office/drawing/2016/SVG/main" xmlns="" r:embed="rId6"/>
+                <asvg:svgBlip xmlns="" xmlns:asvg="http://schemas.microsoft.com/office/drawing/2016/SVG/main" r:embed="rId6"/>
               </a:ext>
             </a:extLst>
           </a:blip>
@@ -13191,7 +13191,7 @@
                 <a14:useLocalDpi xmlns:a14="http://schemas.microsoft.com/office/drawing/2010/main" val="0"/>
               </a:ext>
               <a:ext uri="{96DAC541-7B7A-43D3-8B79-37D633B846F1}">
-                <asvg:svgBlip xmlns:asvg="http://schemas.microsoft.com/office/drawing/2016/SVG/main" xmlns="" r:embed="rId8"/>
+                <asvg:svgBlip xmlns="" xmlns:asvg="http://schemas.microsoft.com/office/drawing/2016/SVG/main" r:embed="rId8"/>
               </a:ext>
             </a:extLst>
           </a:blip>
@@ -13311,7 +13311,7 @@
           <a:blip xmlns:r="http://schemas.openxmlformats.org/officeDocument/2006/relationships" r:embed="rId1">
             <a:extLst>
               <a:ext uri="{96DAC541-7B7A-43D3-8B79-37D633B846F1}">
-                <asvg:svgBlip xmlns:asvg="http://schemas.microsoft.com/office/drawing/2016/SVG/main" xmlns="" r:embed="rId2"/>
+                <asvg:svgBlip xmlns="" xmlns:asvg="http://schemas.microsoft.com/office/drawing/2016/SVG/main" r:embed="rId2"/>
               </a:ext>
             </a:extLst>
           </a:blip>
@@ -13491,7 +13491,7 @@
           <a:blip xmlns:r="http://schemas.openxmlformats.org/officeDocument/2006/relationships" r:embed="rId3">
             <a:extLst>
               <a:ext uri="{96DAC541-7B7A-43D3-8B79-37D633B846F1}">
-                <asvg:svgBlip xmlns:asvg="http://schemas.microsoft.com/office/drawing/2016/SVG/main" xmlns="" r:embed="rId4"/>
+                <asvg:svgBlip xmlns="" xmlns:asvg="http://schemas.microsoft.com/office/drawing/2016/SVG/main" r:embed="rId4"/>
               </a:ext>
             </a:extLst>
           </a:blip>
@@ -13672,7 +13672,7 @@
           <a:blip xmlns:r="http://schemas.openxmlformats.org/officeDocument/2006/relationships" r:embed="rId1">
             <a:extLst>
               <a:ext uri="{96DAC541-7B7A-43D3-8B79-37D633B846F1}">
-                <asvg:svgBlip xmlns:asvg="http://schemas.microsoft.com/office/drawing/2016/SVG/main" xmlns="" r:embed="rId2"/>
+                <asvg:svgBlip xmlns="" xmlns:asvg="http://schemas.microsoft.com/office/drawing/2016/SVG/main" r:embed="rId2"/>
               </a:ext>
             </a:extLst>
           </a:blip>
@@ -13922,7 +13922,7 @@
                 <a14:useLocalDpi xmlns:a14="http://schemas.microsoft.com/office/drawing/2010/main" val="0"/>
               </a:ext>
               <a:ext uri="{96DAC541-7B7A-43D3-8B79-37D633B846F1}">
-                <asvg:svgBlip xmlns:asvg="http://schemas.microsoft.com/office/drawing/2016/SVG/main" xmlns="" r:embed="rId4"/>
+                <asvg:svgBlip xmlns="" xmlns:asvg="http://schemas.microsoft.com/office/drawing/2016/SVG/main" r:embed="rId4"/>
               </a:ext>
             </a:extLst>
           </a:blip>
@@ -14132,7 +14132,7 @@
                 <a14:useLocalDpi xmlns:a14="http://schemas.microsoft.com/office/drawing/2010/main" val="0"/>
               </a:ext>
               <a:ext uri="{96DAC541-7B7A-43D3-8B79-37D633B846F1}">
-                <asvg:svgBlip xmlns:asvg="http://schemas.microsoft.com/office/drawing/2016/SVG/main" xmlns="" r:embed="rId2"/>
+                <asvg:svgBlip xmlns="" xmlns:asvg="http://schemas.microsoft.com/office/drawing/2016/SVG/main" r:embed="rId2"/>
               </a:ext>
             </a:extLst>
           </a:blip>
@@ -14311,7 +14311,7 @@
           <a:blip xmlns:r="http://schemas.openxmlformats.org/officeDocument/2006/relationships" r:embed="rId3">
             <a:extLst>
               <a:ext uri="{96DAC541-7B7A-43D3-8B79-37D633B846F1}">
-                <asvg:svgBlip xmlns:asvg="http://schemas.microsoft.com/office/drawing/2016/SVG/main" xmlns="" r:embed="rId4"/>
+                <asvg:svgBlip xmlns="" xmlns:asvg="http://schemas.microsoft.com/office/drawing/2016/SVG/main" r:embed="rId4"/>
               </a:ext>
             </a:extLst>
           </a:blip>
@@ -14506,7 +14506,7 @@
                 <a14:useLocalDpi xmlns:a14="http://schemas.microsoft.com/office/drawing/2010/main" val="0"/>
               </a:ext>
               <a:ext uri="{96DAC541-7B7A-43D3-8B79-37D633B846F1}">
-                <asvg:svgBlip xmlns:asvg="http://schemas.microsoft.com/office/drawing/2016/SVG/main" xmlns="" r:embed="rId6"/>
+                <asvg:svgBlip xmlns="" xmlns:asvg="http://schemas.microsoft.com/office/drawing/2016/SVG/main" r:embed="rId6"/>
               </a:ext>
             </a:extLst>
           </a:blip>
@@ -14683,7 +14683,7 @@
           <a:blip xmlns:r="http://schemas.openxmlformats.org/officeDocument/2006/relationships" r:embed="rId7">
             <a:extLst>
               <a:ext uri="{96DAC541-7B7A-43D3-8B79-37D633B846F1}">
-                <asvg:svgBlip xmlns:asvg="http://schemas.microsoft.com/office/drawing/2016/SVG/main" xmlns="" r:embed="rId8"/>
+                <asvg:svgBlip xmlns="" xmlns:asvg="http://schemas.microsoft.com/office/drawing/2016/SVG/main" r:embed="rId8"/>
               </a:ext>
             </a:extLst>
           </a:blip>
@@ -14859,7 +14859,7 @@
                 <a14:useLocalDpi xmlns:a14="http://schemas.microsoft.com/office/drawing/2010/main" val="0"/>
               </a:ext>
               <a:ext uri="{96DAC541-7B7A-43D3-8B79-37D633B846F1}">
-                <asvg:svgBlip xmlns:asvg="http://schemas.microsoft.com/office/drawing/2016/SVG/main" xmlns="" r:embed="rId10"/>
+                <asvg:svgBlip xmlns="" xmlns:asvg="http://schemas.microsoft.com/office/drawing/2016/SVG/main" r:embed="rId10"/>
               </a:ext>
             </a:extLst>
           </a:blip>
@@ -15042,7 +15042,7 @@
           <a:blip xmlns:r="http://schemas.openxmlformats.org/officeDocument/2006/relationships" r:embed="rId1">
             <a:extLst>
               <a:ext uri="{96DAC541-7B7A-43D3-8B79-37D633B846F1}">
-                <asvg:svgBlip xmlns:asvg="http://schemas.microsoft.com/office/drawing/2016/SVG/main" xmlns="" r:embed="rId2"/>
+                <asvg:svgBlip xmlns="" xmlns:asvg="http://schemas.microsoft.com/office/drawing/2016/SVG/main" r:embed="rId2"/>
               </a:ext>
             </a:extLst>
           </a:blip>
@@ -15214,7 +15214,7 @@
           <a:blip xmlns:r="http://schemas.openxmlformats.org/officeDocument/2006/relationships" r:embed="rId3">
             <a:extLst>
               <a:ext uri="{96DAC541-7B7A-43D3-8B79-37D633B846F1}">
-                <asvg:svgBlip xmlns:asvg="http://schemas.microsoft.com/office/drawing/2016/SVG/main" xmlns="" r:embed="rId4"/>
+                <asvg:svgBlip xmlns="" xmlns:asvg="http://schemas.microsoft.com/office/drawing/2016/SVG/main" r:embed="rId4"/>
               </a:ext>
             </a:extLst>
           </a:blip>
@@ -15437,7 +15437,7 @@
           <a:blip xmlns:r="http://schemas.openxmlformats.org/officeDocument/2006/relationships" r:embed="rId1">
             <a:extLst>
               <a:ext uri="{96DAC541-7B7A-43D3-8B79-37D633B846F1}">
-                <asvg:svgBlip xmlns:asvg="http://schemas.microsoft.com/office/drawing/2016/SVG/main" xmlns="" r:embed="rId2"/>
+                <asvg:svgBlip xmlns="" xmlns:asvg="http://schemas.microsoft.com/office/drawing/2016/SVG/main" r:embed="rId2"/>
               </a:ext>
             </a:extLst>
           </a:blip>
@@ -15618,7 +15618,7 @@
                 <a14:useLocalDpi xmlns:a14="http://schemas.microsoft.com/office/drawing/2010/main" val="0"/>
               </a:ext>
               <a:ext uri="{96DAC541-7B7A-43D3-8B79-37D633B846F1}">
-                <asvg:svgBlip xmlns:asvg="http://schemas.microsoft.com/office/drawing/2016/SVG/main" xmlns="" r:embed="rId4"/>
+                <asvg:svgBlip xmlns="" xmlns:asvg="http://schemas.microsoft.com/office/drawing/2016/SVG/main" r:embed="rId4"/>
               </a:ext>
             </a:extLst>
           </a:blip>
@@ -15771,7 +15771,7 @@
           <a:blip xmlns:r="http://schemas.openxmlformats.org/officeDocument/2006/relationships" r:embed="rId5">
             <a:extLst>
               <a:ext uri="{96DAC541-7B7A-43D3-8B79-37D633B846F1}">
-                <asvg:svgBlip xmlns:asvg="http://schemas.microsoft.com/office/drawing/2016/SVG/main" xmlns="" r:embed="rId6"/>
+                <asvg:svgBlip xmlns="" xmlns:asvg="http://schemas.microsoft.com/office/drawing/2016/SVG/main" r:embed="rId6"/>
               </a:ext>
             </a:extLst>
           </a:blip>
@@ -16151,7 +16151,7 @@
   </dgm:layoutNode>
   <dgm:extLst>
     <a:ext uri="{68A01E43-0DF5-4B5B-8FA6-DAF915123BFB}">
-      <dgm1612:lstStyle xmlns:dgm1612="http://schemas.microsoft.com/office/drawing/2016/12/diagram" xmlns="">
+      <dgm1612:lstStyle xmlns="" xmlns:dgm1612="http://schemas.microsoft.com/office/drawing/2016/12/diagram">
         <a:lvl1pPr>
           <a:lnSpc>
             <a:spcPct val="100000"/>
@@ -16445,7 +16445,7 @@
   </dgm:layoutNode>
   <dgm:extLst>
     <a:ext uri="{68A01E43-0DF5-4B5B-8FA6-DAF915123BFB}">
-      <dgm1612:lstStyle xmlns:dgm1612="http://schemas.microsoft.com/office/drawing/2016/12/diagram" xmlns="">
+      <dgm1612:lstStyle xmlns="" xmlns:dgm1612="http://schemas.microsoft.com/office/drawing/2016/12/diagram">
         <a:lvl1pPr>
           <a:lnSpc>
             <a:spcPct val="100000"/>
@@ -16739,7 +16739,7 @@
   </dgm:layoutNode>
   <dgm:extLst>
     <a:ext uri="{68A01E43-0DF5-4B5B-8FA6-DAF915123BFB}">
-      <dgm1612:lstStyle xmlns:dgm1612="http://schemas.microsoft.com/office/drawing/2016/12/diagram" xmlns="">
+      <dgm1612:lstStyle xmlns="" xmlns:dgm1612="http://schemas.microsoft.com/office/drawing/2016/12/diagram">
         <a:lvl1pPr>
           <a:lnSpc>
             <a:spcPct val="100000"/>
@@ -16947,7 +16947,7 @@
   </dgm:layoutNode>
   <dgm:extLst>
     <a:ext uri="{68A01E43-0DF5-4B5B-8FA6-DAF915123BFB}">
-      <dgm1612:lstStyle xmlns:dgm1612="http://schemas.microsoft.com/office/drawing/2016/12/diagram" xmlns="">
+      <dgm1612:lstStyle xmlns="" xmlns:dgm1612="http://schemas.microsoft.com/office/drawing/2016/12/diagram">
         <a:lvl1pPr>
           <a:lnSpc>
             <a:spcPct val="100000"/>
@@ -17148,7 +17148,7 @@
   </dgm:layoutNode>
   <dgm:extLst>
     <a:ext uri="{68A01E43-0DF5-4B5B-8FA6-DAF915123BFB}">
-      <dgm1612:lstStyle xmlns:dgm1612="http://schemas.microsoft.com/office/drawing/2016/12/diagram" xmlns="">
+      <dgm1612:lstStyle xmlns="" xmlns:dgm1612="http://schemas.microsoft.com/office/drawing/2016/12/diagram">
         <a:lvl1pPr>
           <a:lnSpc>
             <a:spcPct val="100000"/>
@@ -17349,7 +17349,7 @@
   </dgm:layoutNode>
   <dgm:extLst>
     <a:ext uri="{68A01E43-0DF5-4B5B-8FA6-DAF915123BFB}">
-      <dgm1612:lstStyle xmlns:dgm1612="http://schemas.microsoft.com/office/drawing/2016/12/diagram" xmlns="">
+      <dgm1612:lstStyle xmlns="" xmlns:dgm1612="http://schemas.microsoft.com/office/drawing/2016/12/diagram">
         <a:lvl1pPr>
           <a:lnSpc>
             <a:spcPct val="100000"/>
@@ -17550,7 +17550,7 @@
   </dgm:layoutNode>
   <dgm:extLst>
     <a:ext uri="{68A01E43-0DF5-4B5B-8FA6-DAF915123BFB}">
-      <dgm1612:lstStyle xmlns:dgm1612="http://schemas.microsoft.com/office/drawing/2016/12/diagram" xmlns="">
+      <dgm1612:lstStyle xmlns="" xmlns:dgm1612="http://schemas.microsoft.com/office/drawing/2016/12/diagram">
         <a:lvl1pPr>
           <a:lnSpc>
             <a:spcPct val="100000"/>
@@ -17845,7 +17845,7 @@
   </dgm:layoutNode>
   <dgm:extLst>
     <a:ext uri="{68A01E43-0DF5-4B5B-8FA6-DAF915123BFB}">
-      <dgm1612:lstStyle xmlns:dgm1612="http://schemas.microsoft.com/office/drawing/2016/12/diagram" xmlns="">
+      <dgm1612:lstStyle xmlns="" xmlns:dgm1612="http://schemas.microsoft.com/office/drawing/2016/12/diagram">
         <a:lvl1pPr>
           <a:lnSpc>
             <a:spcPct val="100000"/>
@@ -26216,7 +26216,7 @@
           <a:p>
             <a:fld id="{3D002A7E-E038-0B4A-81C8-6A136A1FCA12}" type="datetimeFigureOut">
               <a:rPr kumimoji="1" lang="ko-KR" altLang="en-US" smtClean="0"/>
-              <a:t>2019-10-22</a:t>
+              <a:t>2019-11-15</a:t>
             </a:fld>
             <a:endParaRPr kumimoji="1" lang="ko-KR" altLang="en-US"/>
           </a:p>
@@ -28572,7 +28572,7 @@
           <a:p>
             <a:fld id="{8AB9749B-DD2C-8943-9A48-406AFB7C1061}" type="datetimeFigureOut">
               <a:rPr kumimoji="1" lang="ko-KR" altLang="en-US" smtClean="0"/>
-              <a:t>2019-10-22</a:t>
+              <a:t>2019-11-15</a:t>
             </a:fld>
             <a:endParaRPr kumimoji="1" lang="ko-KR" altLang="en-US"/>
           </a:p>
@@ -28770,7 +28770,7 @@
           <a:p>
             <a:fld id="{8AB9749B-DD2C-8943-9A48-406AFB7C1061}" type="datetimeFigureOut">
               <a:rPr kumimoji="1" lang="ko-KR" altLang="en-US" smtClean="0"/>
-              <a:t>2019-10-22</a:t>
+              <a:t>2019-11-15</a:t>
             </a:fld>
             <a:endParaRPr kumimoji="1" lang="ko-KR" altLang="en-US"/>
           </a:p>
@@ -28978,7 +28978,7 @@
           <a:p>
             <a:fld id="{8AB9749B-DD2C-8943-9A48-406AFB7C1061}" type="datetimeFigureOut">
               <a:rPr kumimoji="1" lang="ko-KR" altLang="en-US" smtClean="0"/>
-              <a:t>2019-10-22</a:t>
+              <a:t>2019-11-15</a:t>
             </a:fld>
             <a:endParaRPr kumimoji="1" lang="ko-KR" altLang="en-US"/>
           </a:p>
@@ -29176,7 +29176,7 @@
           <a:p>
             <a:fld id="{8AB9749B-DD2C-8943-9A48-406AFB7C1061}" type="datetimeFigureOut">
               <a:rPr kumimoji="1" lang="ko-KR" altLang="en-US" smtClean="0"/>
-              <a:t>2019-10-22</a:t>
+              <a:t>2019-11-15</a:t>
             </a:fld>
             <a:endParaRPr kumimoji="1" lang="ko-KR" altLang="en-US"/>
           </a:p>
@@ -29451,7 +29451,7 @@
           <a:p>
             <a:fld id="{8AB9749B-DD2C-8943-9A48-406AFB7C1061}" type="datetimeFigureOut">
               <a:rPr kumimoji="1" lang="ko-KR" altLang="en-US" smtClean="0"/>
-              <a:t>2019-10-22</a:t>
+              <a:t>2019-11-15</a:t>
             </a:fld>
             <a:endParaRPr kumimoji="1" lang="ko-KR" altLang="en-US"/>
           </a:p>
@@ -29716,7 +29716,7 @@
           <a:p>
             <a:fld id="{8AB9749B-DD2C-8943-9A48-406AFB7C1061}" type="datetimeFigureOut">
               <a:rPr kumimoji="1" lang="ko-KR" altLang="en-US" smtClean="0"/>
-              <a:t>2019-10-22</a:t>
+              <a:t>2019-11-15</a:t>
             </a:fld>
             <a:endParaRPr kumimoji="1" lang="ko-KR" altLang="en-US"/>
           </a:p>
@@ -30128,7 +30128,7 @@
           <a:p>
             <a:fld id="{8AB9749B-DD2C-8943-9A48-406AFB7C1061}" type="datetimeFigureOut">
               <a:rPr kumimoji="1" lang="ko-KR" altLang="en-US" smtClean="0"/>
-              <a:t>2019-10-22</a:t>
+              <a:t>2019-11-15</a:t>
             </a:fld>
             <a:endParaRPr kumimoji="1" lang="ko-KR" altLang="en-US"/>
           </a:p>
@@ -30269,7 +30269,7 @@
           <a:p>
             <a:fld id="{8AB9749B-DD2C-8943-9A48-406AFB7C1061}" type="datetimeFigureOut">
               <a:rPr kumimoji="1" lang="ko-KR" altLang="en-US" smtClean="0"/>
-              <a:t>2019-10-22</a:t>
+              <a:t>2019-11-15</a:t>
             </a:fld>
             <a:endParaRPr kumimoji="1" lang="ko-KR" altLang="en-US"/>
           </a:p>
@@ -30382,7 +30382,7 @@
           <a:p>
             <a:fld id="{8AB9749B-DD2C-8943-9A48-406AFB7C1061}" type="datetimeFigureOut">
               <a:rPr kumimoji="1" lang="ko-KR" altLang="en-US" smtClean="0"/>
-              <a:t>2019-10-22</a:t>
+              <a:t>2019-11-15</a:t>
             </a:fld>
             <a:endParaRPr kumimoji="1" lang="ko-KR" altLang="en-US"/>
           </a:p>
@@ -30693,7 +30693,7 @@
           <a:p>
             <a:fld id="{8AB9749B-DD2C-8943-9A48-406AFB7C1061}" type="datetimeFigureOut">
               <a:rPr kumimoji="1" lang="ko-KR" altLang="en-US" smtClean="0"/>
-              <a:t>2019-10-22</a:t>
+              <a:t>2019-11-15</a:t>
             </a:fld>
             <a:endParaRPr kumimoji="1" lang="ko-KR" altLang="en-US"/>
           </a:p>
@@ -30981,7 +30981,7 @@
           <a:p>
             <a:fld id="{8AB9749B-DD2C-8943-9A48-406AFB7C1061}" type="datetimeFigureOut">
               <a:rPr kumimoji="1" lang="ko-KR" altLang="en-US" smtClean="0"/>
-              <a:t>2019-10-22</a:t>
+              <a:t>2019-11-15</a:t>
             </a:fld>
             <a:endParaRPr kumimoji="1" lang="ko-KR" altLang="en-US"/>
           </a:p>
@@ -31222,7 +31222,7 @@
           <a:p>
             <a:fld id="{8AB9749B-DD2C-8943-9A48-406AFB7C1061}" type="datetimeFigureOut">
               <a:rPr kumimoji="1" lang="ko-KR" altLang="en-US" smtClean="0"/>
-              <a:t>2019-10-22</a:t>
+              <a:t>2019-11-15</a:t>
             </a:fld>
             <a:endParaRPr kumimoji="1" lang="ko-KR" altLang="en-US"/>
           </a:p>
@@ -31707,7 +31707,7 @@
                 <a16:creationId xmlns:a16="http://schemas.microsoft.com/office/drawing/2014/main" id="{C66F2F30-5DC0-44A0-BFA6-E12F46ED16DA}"/>
               </a:ext>
               <a:ext uri="{C183D7F6-B498-43B3-948B-1728B52AA6E4}">
-                <adec:decorative xmlns:adec="http://schemas.microsoft.com/office/drawing/2017/decorative" xmlns="" val="1"/>
+                <adec:decorative xmlns="" xmlns:adec="http://schemas.microsoft.com/office/drawing/2017/decorative" val="1"/>
               </a:ext>
             </a:extLst>
           </p:cNvPr>
@@ -31831,7 +31831,7 @@
                 <a16:creationId xmlns:a16="http://schemas.microsoft.com/office/drawing/2014/main" id="{85872F57-7F42-4F97-8391-DDC8D0054C03}"/>
               </a:ext>
               <a:ext uri="{C183D7F6-B498-43B3-948B-1728B52AA6E4}">
-                <adec:decorative xmlns:adec="http://schemas.microsoft.com/office/drawing/2017/decorative" xmlns="" val="1"/>
+                <adec:decorative xmlns="" xmlns:adec="http://schemas.microsoft.com/office/drawing/2017/decorative" val="1"/>
               </a:ext>
             </a:extLst>
           </p:cNvPr>
@@ -31987,7 +31987,7 @@
                 <a16:creationId xmlns:a16="http://schemas.microsoft.com/office/drawing/2014/main" id="{04DC2037-48A0-4F22-B9D4-8EAEBC780AB4}"/>
               </a:ext>
               <a:ext uri="{C183D7F6-B498-43B3-948B-1728B52AA6E4}">
-                <adec:decorative xmlns:adec="http://schemas.microsoft.com/office/drawing/2017/decorative" xmlns="" val="1"/>
+                <adec:decorative xmlns="" xmlns:adec="http://schemas.microsoft.com/office/drawing/2017/decorative" val="1"/>
               </a:ext>
             </a:extLst>
           </p:cNvPr>
@@ -32092,7 +32092,7 @@
                 <a16:creationId xmlns:a16="http://schemas.microsoft.com/office/drawing/2014/main" id="{0006CBFD-ADA0-43D1-9332-9C34CA1C76ED}"/>
               </a:ext>
               <a:ext uri="{C183D7F6-B498-43B3-948B-1728B52AA6E4}">
-                <adec:decorative xmlns:adec="http://schemas.microsoft.com/office/drawing/2017/decorative" xmlns="" val="1"/>
+                <adec:decorative xmlns="" xmlns:adec="http://schemas.microsoft.com/office/drawing/2017/decorative" val="1"/>
               </a:ext>
             </a:extLst>
           </p:cNvPr>
@@ -32200,7 +32200,7 @@
                 <a16:creationId xmlns:a16="http://schemas.microsoft.com/office/drawing/2014/main" id="{2B931666-F28F-45F3-A074-66D2272D580B}"/>
               </a:ext>
               <a:ext uri="{C183D7F6-B498-43B3-948B-1728B52AA6E4}">
-                <adec:decorative xmlns:adec="http://schemas.microsoft.com/office/drawing/2017/decorative" xmlns="" val="1"/>
+                <adec:decorative xmlns="" xmlns:adec="http://schemas.microsoft.com/office/drawing/2017/decorative" val="1"/>
               </a:ext>
             </a:extLst>
           </p:cNvPr>
@@ -32461,7 +32461,7 @@
                 <a16:creationId xmlns:a16="http://schemas.microsoft.com/office/drawing/2014/main" id="{2A8AA5BC-4F7A-4226-8F99-6D824B226A97}"/>
               </a:ext>
               <a:ext uri="{C183D7F6-B498-43B3-948B-1728B52AA6E4}">
-                <adec:decorative xmlns:adec="http://schemas.microsoft.com/office/drawing/2017/decorative" xmlns="" val="1"/>
+                <adec:decorative xmlns="" xmlns:adec="http://schemas.microsoft.com/office/drawing/2017/decorative" val="1"/>
               </a:ext>
             </a:extLst>
           </p:cNvPr>
@@ -32524,7 +32524,7 @@
                 <a16:creationId xmlns:a16="http://schemas.microsoft.com/office/drawing/2014/main" id="{3E5445C6-DD42-4979-86FF-03730E8C6DB0}"/>
               </a:ext>
               <a:ext uri="{C183D7F6-B498-43B3-948B-1728B52AA6E4}">
-                <adec:decorative xmlns:adec="http://schemas.microsoft.com/office/drawing/2017/decorative" xmlns="" val="1"/>
+                <adec:decorative xmlns="" xmlns:adec="http://schemas.microsoft.com/office/drawing/2017/decorative" val="1"/>
               </a:ext>
             </a:extLst>
           </p:cNvPr>
@@ -32649,7 +32649,7 @@
                 <a16:creationId xmlns:a16="http://schemas.microsoft.com/office/drawing/2014/main" id="{45000665-DFC7-417E-8FD7-516A0F15C975}"/>
               </a:ext>
               <a:ext uri="{C183D7F6-B498-43B3-948B-1728B52AA6E4}">
-                <adec:decorative xmlns:adec="http://schemas.microsoft.com/office/drawing/2017/decorative" xmlns="" val="1"/>
+                <adec:decorative xmlns="" xmlns:adec="http://schemas.microsoft.com/office/drawing/2017/decorative" val="1"/>
               </a:ext>
             </a:extLst>
           </p:cNvPr>
@@ -32741,7 +32741,7 @@
                 <a16:creationId xmlns:a16="http://schemas.microsoft.com/office/drawing/2014/main" id="{46C2E80F-49A6-4372-B103-219D417A55ED}"/>
               </a:ext>
               <a:ext uri="{C183D7F6-B498-43B3-948B-1728B52AA6E4}">
-                <adec:decorative xmlns:adec="http://schemas.microsoft.com/office/drawing/2017/decorative" xmlns="" val="1"/>
+                <adec:decorative xmlns="" xmlns:adec="http://schemas.microsoft.com/office/drawing/2017/decorative" val="1"/>
               </a:ext>
             </a:extLst>
           </p:cNvPr>
@@ -33337,7 +33337,7 @@
                 <a16:creationId xmlns:a16="http://schemas.microsoft.com/office/drawing/2014/main" id="{46C2E80F-49A6-4372-B103-219D417A55ED}"/>
               </a:ext>
               <a:ext uri="{C183D7F6-B498-43B3-948B-1728B52AA6E4}">
-                <adec:decorative xmlns:adec="http://schemas.microsoft.com/office/drawing/2017/decorative" xmlns="" val="1"/>
+                <adec:decorative xmlns="" xmlns:adec="http://schemas.microsoft.com/office/drawing/2017/decorative" val="1"/>
               </a:ext>
             </a:extLst>
           </p:cNvPr>
@@ -33933,7 +33933,7 @@
                 <a16:creationId xmlns:a16="http://schemas.microsoft.com/office/drawing/2014/main" id="{46C2E80F-49A6-4372-B103-219D417A55ED}"/>
               </a:ext>
               <a:ext uri="{C183D7F6-B498-43B3-948B-1728B52AA6E4}">
-                <adec:decorative xmlns:adec="http://schemas.microsoft.com/office/drawing/2017/decorative" xmlns="" val="1"/>
+                <adec:decorative xmlns="" xmlns:adec="http://schemas.microsoft.com/office/drawing/2017/decorative" val="1"/>
               </a:ext>
             </a:extLst>
           </p:cNvPr>
@@ -34529,7 +34529,7 @@
                 <a16:creationId xmlns:a16="http://schemas.microsoft.com/office/drawing/2014/main" id="{46C2E80F-49A6-4372-B103-219D417A55ED}"/>
               </a:ext>
               <a:ext uri="{C183D7F6-B498-43B3-948B-1728B52AA6E4}">
-                <adec:decorative xmlns:adec="http://schemas.microsoft.com/office/drawing/2017/decorative" xmlns="" val="1"/>
+                <adec:decorative xmlns="" xmlns:adec="http://schemas.microsoft.com/office/drawing/2017/decorative" val="1"/>
               </a:ext>
             </a:extLst>
           </p:cNvPr>
@@ -35137,7 +35137,7 @@
                 <a16:creationId xmlns:a16="http://schemas.microsoft.com/office/drawing/2014/main" id="{46C2E80F-49A6-4372-B103-219D417A55ED}"/>
               </a:ext>
               <a:ext uri="{C183D7F6-B498-43B3-948B-1728B52AA6E4}">
-                <adec:decorative xmlns:adec="http://schemas.microsoft.com/office/drawing/2017/decorative" xmlns="" val="1"/>
+                <adec:decorative xmlns="" xmlns:adec="http://schemas.microsoft.com/office/drawing/2017/decorative" val="1"/>
               </a:ext>
             </a:extLst>
           </p:cNvPr>
@@ -35745,7 +35745,7 @@
                 <a16:creationId xmlns:a16="http://schemas.microsoft.com/office/drawing/2014/main" id="{46C2E80F-49A6-4372-B103-219D417A55ED}"/>
               </a:ext>
               <a:ext uri="{C183D7F6-B498-43B3-948B-1728B52AA6E4}">
-                <adec:decorative xmlns:adec="http://schemas.microsoft.com/office/drawing/2017/decorative" xmlns="" val="1"/>
+                <adec:decorative xmlns="" xmlns:adec="http://schemas.microsoft.com/office/drawing/2017/decorative" val="1"/>
               </a:ext>
             </a:extLst>
           </p:cNvPr>
@@ -36353,7 +36353,7 @@
                 <a16:creationId xmlns:a16="http://schemas.microsoft.com/office/drawing/2014/main" id="{46C2E80F-49A6-4372-B103-219D417A55ED}"/>
               </a:ext>
               <a:ext uri="{C183D7F6-B498-43B3-948B-1728B52AA6E4}">
-                <adec:decorative xmlns:adec="http://schemas.microsoft.com/office/drawing/2017/decorative" xmlns="" val="1"/>
+                <adec:decorative xmlns="" xmlns:adec="http://schemas.microsoft.com/office/drawing/2017/decorative" val="1"/>
               </a:ext>
             </a:extLst>
           </p:cNvPr>
@@ -36969,7 +36969,7 @@
                 <a16:creationId xmlns:a16="http://schemas.microsoft.com/office/drawing/2014/main" id="{46C2E80F-49A6-4372-B103-219D417A55ED}"/>
               </a:ext>
               <a:ext uri="{C183D7F6-B498-43B3-948B-1728B52AA6E4}">
-                <adec:decorative xmlns:adec="http://schemas.microsoft.com/office/drawing/2017/decorative" xmlns="" val="1"/>
+                <adec:decorative xmlns="" xmlns:adec="http://schemas.microsoft.com/office/drawing/2017/decorative" val="1"/>
               </a:ext>
             </a:extLst>
           </p:cNvPr>
@@ -37585,7 +37585,7 @@
                 <a16:creationId xmlns:a16="http://schemas.microsoft.com/office/drawing/2014/main" id="{46C2E80F-49A6-4372-B103-219D417A55ED}"/>
               </a:ext>
               <a:ext uri="{C183D7F6-B498-43B3-948B-1728B52AA6E4}">
-                <adec:decorative xmlns:adec="http://schemas.microsoft.com/office/drawing/2017/decorative" xmlns="" val="1"/>
+                <adec:decorative xmlns="" xmlns:adec="http://schemas.microsoft.com/office/drawing/2017/decorative" val="1"/>
               </a:ext>
             </a:extLst>
           </p:cNvPr>
@@ -38175,7 +38175,7 @@
                 <a16:creationId xmlns:a16="http://schemas.microsoft.com/office/drawing/2014/main" id="{46C2E80F-49A6-4372-B103-219D417A55ED}"/>
               </a:ext>
               <a:ext uri="{C183D7F6-B498-43B3-948B-1728B52AA6E4}">
-                <adec:decorative xmlns:adec="http://schemas.microsoft.com/office/drawing/2017/decorative" xmlns="" val="1"/>
+                <adec:decorative xmlns="" xmlns:adec="http://schemas.microsoft.com/office/drawing/2017/decorative" val="1"/>
               </a:ext>
             </a:extLst>
           </p:cNvPr>
@@ -38777,7 +38777,7 @@
                 <a16:creationId xmlns:a16="http://schemas.microsoft.com/office/drawing/2014/main" id="{6F9EB9F2-07E2-4D64-BBD8-BB5B217F1218}"/>
               </a:ext>
               <a:ext uri="{C183D7F6-B498-43B3-948B-1728B52AA6E4}">
-                <adec:decorative xmlns:adec="http://schemas.microsoft.com/office/drawing/2017/decorative" xmlns="" val="1"/>
+                <adec:decorative xmlns="" xmlns:adec="http://schemas.microsoft.com/office/drawing/2017/decorative" val="1"/>
               </a:ext>
             </a:extLst>
           </p:cNvPr>
@@ -38902,7 +38902,7 @@
                 <a16:creationId xmlns:a16="http://schemas.microsoft.com/office/drawing/2014/main" id="{F0C57C7C-DFE9-4A1E-B7A9-DF40E63366BB}"/>
               </a:ext>
               <a:ext uri="{C183D7F6-B498-43B3-948B-1728B52AA6E4}">
-                <adec:decorative xmlns:adec="http://schemas.microsoft.com/office/drawing/2017/decorative" xmlns="" val="1"/>
+                <adec:decorative xmlns="" xmlns:adec="http://schemas.microsoft.com/office/drawing/2017/decorative" val="1"/>
               </a:ext>
             </a:extLst>
           </p:cNvPr>
@@ -38995,7 +38995,7 @@
                 <a16:creationId xmlns:a16="http://schemas.microsoft.com/office/drawing/2014/main" id="{46C2E80F-49A6-4372-B103-219D417A55ED}"/>
               </a:ext>
               <a:ext uri="{C183D7F6-B498-43B3-948B-1728B52AA6E4}">
-                <adec:decorative xmlns:adec="http://schemas.microsoft.com/office/drawing/2017/decorative" xmlns="" val="1"/>
+                <adec:decorative xmlns="" xmlns:adec="http://schemas.microsoft.com/office/drawing/2017/decorative" val="1"/>
               </a:ext>
             </a:extLst>
           </p:cNvPr>
@@ -39589,7 +39589,7 @@
                 <a16:creationId xmlns:a16="http://schemas.microsoft.com/office/drawing/2014/main" id="{46C2E80F-49A6-4372-B103-219D417A55ED}"/>
               </a:ext>
               <a:ext uri="{C183D7F6-B498-43B3-948B-1728B52AA6E4}">
-                <adec:decorative xmlns:adec="http://schemas.microsoft.com/office/drawing/2017/decorative" xmlns="" val="1"/>
+                <adec:decorative xmlns="" xmlns:adec="http://schemas.microsoft.com/office/drawing/2017/decorative" val="1"/>
               </a:ext>
             </a:extLst>
           </p:cNvPr>
@@ -40178,7 +40178,7 @@
                 <a16:creationId xmlns:a16="http://schemas.microsoft.com/office/drawing/2014/main" id="{73DE2CFE-42F2-48F0-8706-5264E012B10C}"/>
               </a:ext>
               <a:ext uri="{C183D7F6-B498-43B3-948B-1728B52AA6E4}">
-                <adec:decorative xmlns:adec="http://schemas.microsoft.com/office/drawing/2017/decorative" xmlns="" val="1"/>
+                <adec:decorative xmlns="" xmlns:adec="http://schemas.microsoft.com/office/drawing/2017/decorative" val="1"/>
               </a:ext>
             </a:extLst>
           </p:cNvPr>
@@ -40389,7 +40389,7 @@
                 <a16:creationId xmlns:a16="http://schemas.microsoft.com/office/drawing/2014/main" id="{73DE2CFE-42F2-48F0-8706-5264E012B10C}"/>
               </a:ext>
               <a:ext uri="{C183D7F6-B498-43B3-948B-1728B52AA6E4}">
-                <adec:decorative xmlns:adec="http://schemas.microsoft.com/office/drawing/2017/decorative" xmlns="" val="1"/>
+                <adec:decorative xmlns="" xmlns:adec="http://schemas.microsoft.com/office/drawing/2017/decorative" val="1"/>
               </a:ext>
             </a:extLst>
           </p:cNvPr>
@@ -40585,7 +40585,7 @@
                 <a16:creationId xmlns:a16="http://schemas.microsoft.com/office/drawing/2014/main" id="{73DE2CFE-42F2-48F0-8706-5264E012B10C}"/>
               </a:ext>
               <a:ext uri="{C183D7F6-B498-43B3-948B-1728B52AA6E4}">
-                <adec:decorative xmlns:adec="http://schemas.microsoft.com/office/drawing/2017/decorative" xmlns="" val="1"/>
+                <adec:decorative xmlns="" xmlns:adec="http://schemas.microsoft.com/office/drawing/2017/decorative" val="1"/>
               </a:ext>
             </a:extLst>
           </p:cNvPr>
@@ -40783,7 +40783,7 @@
                 <a16:creationId xmlns:a16="http://schemas.microsoft.com/office/drawing/2014/main" id="{73DE2CFE-42F2-48F0-8706-5264E012B10C}"/>
               </a:ext>
               <a:ext uri="{C183D7F6-B498-43B3-948B-1728B52AA6E4}">
-                <adec:decorative xmlns:adec="http://schemas.microsoft.com/office/drawing/2017/decorative" xmlns="" val="1"/>
+                <adec:decorative xmlns="" xmlns:adec="http://schemas.microsoft.com/office/drawing/2017/decorative" val="1"/>
               </a:ext>
             </a:extLst>
           </p:cNvPr>
@@ -40990,7 +40990,7 @@
                 <a16:creationId xmlns:a16="http://schemas.microsoft.com/office/drawing/2014/main" id="{46C2E80F-49A6-4372-B103-219D417A55ED}"/>
               </a:ext>
               <a:ext uri="{C183D7F6-B498-43B3-948B-1728B52AA6E4}">
-                <adec:decorative xmlns:adec="http://schemas.microsoft.com/office/drawing/2017/decorative" xmlns="" val="1"/>
+                <adec:decorative xmlns="" xmlns:adec="http://schemas.microsoft.com/office/drawing/2017/decorative" val="1"/>
               </a:ext>
             </a:extLst>
           </p:cNvPr>
